--- a/기획/이터널 리턴/이터널 리턴 신규 실험체 기획서.pptx
+++ b/기획/이터널 리턴/이터널 리턴 신규 실험체 기획서.pptx
@@ -5,10 +5,10 @@
     <p:sldMasterId id="2147484370" r:id="rId1"/>
   </p:sldMasterIdLst>
   <p:notesMasterIdLst>
-    <p:notesMasterId r:id="rId7"/>
+    <p:notesMasterId r:id="rId11"/>
   </p:notesMasterIdLst>
   <p:handoutMasterIdLst>
-    <p:handoutMasterId r:id="rId8"/>
+    <p:handoutMasterId r:id="rId12"/>
   </p:handoutMasterIdLst>
   <p:sldIdLst>
     <p:sldId id="256" r:id="rId2"/>
@@ -16,6 +16,10 @@
     <p:sldId id="258" r:id="rId4"/>
     <p:sldId id="259" r:id="rId5"/>
     <p:sldId id="260" r:id="rId6"/>
+    <p:sldId id="261" r:id="rId7"/>
+    <p:sldId id="262" r:id="rId8"/>
+    <p:sldId id="263" r:id="rId9"/>
+    <p:sldId id="264" r:id="rId10"/>
   </p:sldIdLst>
   <p:sldSz cx="12192000" cy="6858000"/>
   <p:notesSz cx="6858000" cy="9144000"/>
@@ -8208,316 +8212,6 @@
       </p:sp>
       <p:graphicFrame>
         <p:nvGraphicFramePr>
-          <p:cNvPr id="21" name="표 20">
-            <a:extLst>
-              <a:ext uri="{FF2B5EF4-FFF2-40B4-BE49-F238E27FC236}">
-                <a16:creationId xmlns:a16="http://schemas.microsoft.com/office/drawing/2014/main" id="{E2FE3F3D-106B-33A9-3EB0-50A2B544FBE5}"/>
-              </a:ext>
-            </a:extLst>
-          </p:cNvPr>
-          <p:cNvGraphicFramePr>
-            <a:graphicFrameLocks noGrp="1"/>
-          </p:cNvGraphicFramePr>
-          <p:nvPr/>
-        </p:nvGraphicFramePr>
-        <p:xfrm>
-          <a:off x="1272856" y="2480312"/>
-          <a:ext cx="9203373" cy="1285240"/>
-        </p:xfrm>
-        <a:graphic>
-          <a:graphicData uri="http://schemas.openxmlformats.org/drawingml/2006/table">
-            <a:tbl>
-              <a:tblPr firstRow="1" bandRow="1">
-                <a:tableStyleId>{5C22544A-7EE6-4342-B048-85BDC9FD1C3A}</a:tableStyleId>
-              </a:tblPr>
-              <a:tblGrid>
-                <a:gridCol w="978218">
-                  <a:extLst>
-                    <a:ext uri="{9D8B030D-6E8A-4147-A177-3AD203B41FA5}">
-                      <a16:colId xmlns:a16="http://schemas.microsoft.com/office/drawing/2014/main" val="2170077528"/>
-                    </a:ext>
-                  </a:extLst>
-                </a:gridCol>
-                <a:gridCol w="8225155">
-                  <a:extLst>
-                    <a:ext uri="{9D8B030D-6E8A-4147-A177-3AD203B41FA5}">
-                      <a16:colId xmlns:a16="http://schemas.microsoft.com/office/drawing/2014/main" val="3600787709"/>
-                    </a:ext>
-                  </a:extLst>
-                </a:gridCol>
-              </a:tblGrid>
-              <a:tr h="370840">
-                <a:tc>
-                  <a:txBody>
-                    <a:bodyPr/>
-                    <a:lstStyle/>
-                    <a:p>
-                      <a:pPr algn="l" latinLnBrk="1"/>
-                      <a:r>
-                        <a:rPr lang="en-US" altLang="ko-KR" b="0" dirty="0">
-                          <a:solidFill>
-                            <a:schemeClr val="tx1"/>
-                          </a:solidFill>
-                        </a:rPr>
-                        <a:t>Q </a:t>
-                      </a:r>
-                      <a:r>
-                        <a:rPr lang="ko-KR" altLang="en-US" b="0" dirty="0">
-                          <a:solidFill>
-                            <a:schemeClr val="tx1"/>
-                          </a:solidFill>
-                        </a:rPr>
-                        <a:t>스킬</a:t>
-                      </a:r>
-                    </a:p>
-                  </a:txBody>
-                  <a:tcPr>
-                    <a:lnL w="12700" cmpd="sng">
-                      <a:noFill/>
-                    </a:lnL>
-                    <a:lnR w="12700" cmpd="sng">
-                      <a:noFill/>
-                    </a:lnR>
-                    <a:lnT w="12700" cmpd="sng">
-                      <a:noFill/>
-                    </a:lnT>
-                    <a:lnB w="12700" cap="flat" cmpd="sng" algn="ctr">
-                      <a:solidFill>
-                        <a:schemeClr val="tx1"/>
-                      </a:solidFill>
-                      <a:prstDash val="solid"/>
-                      <a:round/>
-                      <a:headEnd type="none" w="med" len="med"/>
-                      <a:tailEnd type="none" w="med" len="med"/>
-                    </a:lnB>
-                    <a:lnTlToBr w="12700" cmpd="sng">
-                      <a:noFill/>
-                      <a:prstDash val="solid"/>
-                    </a:lnTlToBr>
-                    <a:lnBlToTr w="12700" cmpd="sng">
-                      <a:noFill/>
-                      <a:prstDash val="solid"/>
-                    </a:lnBlToTr>
-                    <a:noFill/>
-                  </a:tcPr>
-                </a:tc>
-                <a:tc>
-                  <a:txBody>
-                    <a:bodyPr/>
-                    <a:lstStyle/>
-                    <a:p>
-                      <a:pPr algn="l" latinLnBrk="1"/>
-                      <a:endParaRPr lang="ko-KR" altLang="en-US" b="0" dirty="0">
-                        <a:solidFill>
-                          <a:schemeClr val="tx1"/>
-                        </a:solidFill>
-                      </a:endParaRPr>
-                    </a:p>
-                  </a:txBody>
-                  <a:tcPr>
-                    <a:lnL w="12700" cmpd="sng">
-                      <a:noFill/>
-                    </a:lnL>
-                    <a:lnR w="12700" cmpd="sng">
-                      <a:noFill/>
-                    </a:lnR>
-                    <a:lnT w="12700" cmpd="sng">
-                      <a:noFill/>
-                    </a:lnT>
-                    <a:lnB w="12700" cap="flat" cmpd="sng" algn="ctr">
-                      <a:solidFill>
-                        <a:schemeClr val="tx1"/>
-                      </a:solidFill>
-                      <a:prstDash val="solid"/>
-                      <a:round/>
-                      <a:headEnd type="none" w="med" len="med"/>
-                      <a:tailEnd type="none" w="med" len="med"/>
-                    </a:lnB>
-                    <a:lnTlToBr w="12700" cmpd="sng">
-                      <a:noFill/>
-                      <a:prstDash val="solid"/>
-                    </a:lnTlToBr>
-                    <a:lnBlToTr w="12700" cmpd="sng">
-                      <a:noFill/>
-                      <a:prstDash val="solid"/>
-                    </a:lnBlToTr>
-                    <a:noFill/>
-                  </a:tcPr>
-                </a:tc>
-                <a:extLst>
-                  <a:ext uri="{0D108BD9-81ED-4DB2-BD59-A6C34878D82A}">
-                    <a16:rowId xmlns:a16="http://schemas.microsoft.com/office/drawing/2014/main" val="892777805"/>
-                  </a:ext>
-                </a:extLst>
-              </a:tr>
-              <a:tr h="370840">
-                <a:tc>
-                  <a:txBody>
-                    <a:bodyPr/>
-                    <a:lstStyle/>
-                    <a:p>
-                      <a:pPr algn="ctr" latinLnBrk="1"/>
-                      <a:r>
-                        <a:rPr lang="ko-KR" altLang="en-US" b="0" dirty="0">
-                          <a:solidFill>
-                            <a:schemeClr val="tx1"/>
-                          </a:solidFill>
-                        </a:rPr>
-                        <a:t>설명</a:t>
-                      </a:r>
-                    </a:p>
-                  </a:txBody>
-                  <a:tcPr anchor="ctr">
-                    <a:lnL w="12700" cmpd="sng">
-                      <a:noFill/>
-                    </a:lnL>
-                    <a:lnR w="12700" cap="flat" cmpd="sng" algn="ctr">
-                      <a:solidFill>
-                        <a:schemeClr val="tx1"/>
-                      </a:solidFill>
-                      <a:prstDash val="solid"/>
-                      <a:round/>
-                      <a:headEnd type="none" w="med" len="med"/>
-                      <a:tailEnd type="none" w="med" len="med"/>
-                    </a:lnR>
-                    <a:lnT w="12700" cap="flat" cmpd="sng" algn="ctr">
-                      <a:solidFill>
-                        <a:schemeClr val="tx1"/>
-                      </a:solidFill>
-                      <a:prstDash val="solid"/>
-                      <a:round/>
-                      <a:headEnd type="none" w="med" len="med"/>
-                      <a:tailEnd type="none" w="med" len="med"/>
-                    </a:lnT>
-                    <a:lnB w="12700" cmpd="sng">
-                      <a:noFill/>
-                    </a:lnB>
-                    <a:lnTlToBr w="12700" cmpd="sng">
-                      <a:noFill/>
-                      <a:prstDash val="solid"/>
-                    </a:lnTlToBr>
-                    <a:lnBlToTr w="12700" cmpd="sng">
-                      <a:noFill/>
-                      <a:prstDash val="solid"/>
-                    </a:lnBlToTr>
-                    <a:noFill/>
-                  </a:tcPr>
-                </a:tc>
-                <a:tc>
-                  <a:txBody>
-                    <a:bodyPr/>
-                    <a:lstStyle/>
-                    <a:p>
-                      <a:pPr algn="l" latinLnBrk="1"/>
-                      <a:r>
-                        <a:rPr lang="ko-KR" altLang="en-US" b="0" dirty="0">
-                          <a:solidFill>
-                            <a:schemeClr val="tx1"/>
-                          </a:solidFill>
-                        </a:rPr>
-                        <a:t>앞으로 돌진하여 적을 무기로 적을 공격한다</a:t>
-                      </a:r>
-                      <a:r>
-                        <a:rPr lang="en-US" altLang="ko-KR" b="0" dirty="0">
-                          <a:solidFill>
-                            <a:schemeClr val="tx1"/>
-                          </a:solidFill>
-                        </a:rPr>
-                        <a:t>.</a:t>
-                      </a:r>
-                    </a:p>
-                    <a:p>
-                      <a:pPr algn="l" latinLnBrk="1"/>
-                      <a:r>
-                        <a:rPr lang="ko-KR" altLang="en-US" b="0" dirty="0">
-                          <a:solidFill>
-                            <a:schemeClr val="tx1"/>
-                          </a:solidFill>
-                        </a:rPr>
-                        <a:t>가까운 적 공격 시 작은 폭발을 일으켜 적을 뒤로 밀어내며 작은 피해를 준다</a:t>
-                      </a:r>
-                      <a:r>
-                        <a:rPr lang="en-US" altLang="ko-KR" b="0" dirty="0">
-                          <a:solidFill>
-                            <a:schemeClr val="tx1"/>
-                          </a:solidFill>
-                        </a:rPr>
-                        <a:t>. </a:t>
-                      </a:r>
-                    </a:p>
-                    <a:p>
-                      <a:pPr algn="l" latinLnBrk="1"/>
-                      <a:r>
-                        <a:rPr lang="ko-KR" altLang="en-US" b="0" dirty="0">
-                          <a:solidFill>
-                            <a:schemeClr val="tx1"/>
-                          </a:solidFill>
-                        </a:rPr>
-                        <a:t>먼 적 공격 시 폭발을 일으키며 큰 피해를 준다</a:t>
-                      </a:r>
-                      <a:r>
-                        <a:rPr lang="en-US" altLang="ko-KR" b="0" dirty="0">
-                          <a:solidFill>
-                            <a:schemeClr val="tx1"/>
-                          </a:solidFill>
-                        </a:rPr>
-                        <a:t>.</a:t>
-                      </a:r>
-                      <a:endParaRPr lang="ko-KR" altLang="en-US" b="0" dirty="0">
-                        <a:solidFill>
-                          <a:schemeClr val="tx1"/>
-                        </a:solidFill>
-                      </a:endParaRPr>
-                    </a:p>
-                  </a:txBody>
-                  <a:tcPr>
-                    <a:lnL w="12700" cap="flat" cmpd="sng" algn="ctr">
-                      <a:solidFill>
-                        <a:schemeClr val="tx1"/>
-                      </a:solidFill>
-                      <a:prstDash val="solid"/>
-                      <a:round/>
-                      <a:headEnd type="none" w="med" len="med"/>
-                      <a:tailEnd type="none" w="med" len="med"/>
-                    </a:lnL>
-                    <a:lnR w="12700" cmpd="sng">
-                      <a:noFill/>
-                    </a:lnR>
-                    <a:lnT w="12700" cap="flat" cmpd="sng" algn="ctr">
-                      <a:solidFill>
-                        <a:schemeClr val="tx1"/>
-                      </a:solidFill>
-                      <a:prstDash val="solid"/>
-                      <a:round/>
-                      <a:headEnd type="none" w="med" len="med"/>
-                      <a:tailEnd type="none" w="med" len="med"/>
-                    </a:lnT>
-                    <a:lnB w="12700" cmpd="sng">
-                      <a:noFill/>
-                    </a:lnB>
-                    <a:lnTlToBr w="12700" cmpd="sng">
-                      <a:noFill/>
-                      <a:prstDash val="solid"/>
-                    </a:lnTlToBr>
-                    <a:lnBlToTr w="12700" cmpd="sng">
-                      <a:noFill/>
-                      <a:prstDash val="solid"/>
-                    </a:lnBlToTr>
-                    <a:noFill/>
-                  </a:tcPr>
-                </a:tc>
-                <a:extLst>
-                  <a:ext uri="{0D108BD9-81ED-4DB2-BD59-A6C34878D82A}">
-                    <a16:rowId xmlns:a16="http://schemas.microsoft.com/office/drawing/2014/main" val="4051412933"/>
-                  </a:ext>
-                </a:extLst>
-              </a:tr>
-            </a:tbl>
-          </a:graphicData>
-        </a:graphic>
-      </p:graphicFrame>
-      <p:graphicFrame>
-        <p:nvGraphicFramePr>
           <p:cNvPr id="22" name="표 21">
             <a:extLst>
               <a:ext uri="{FF2B5EF4-FFF2-40B4-BE49-F238E27FC236}">
@@ -8528,11 +8222,17 @@
           <p:cNvGraphicFramePr>
             <a:graphicFrameLocks noGrp="1"/>
           </p:cNvGraphicFramePr>
-          <p:nvPr/>
+          <p:nvPr>
+            <p:extLst>
+              <p:ext uri="{D42A27DB-BD31-4B8C-83A1-F6EECF244321}">
+                <p14:modId xmlns:p14="http://schemas.microsoft.com/office/powerpoint/2010/main" val="1288610711"/>
+              </p:ext>
+            </p:extLst>
+          </p:nvPr>
         </p:nvGraphicFramePr>
         <p:xfrm>
           <a:off x="1272857" y="1469392"/>
-          <a:ext cx="7507923" cy="1010920"/>
+          <a:ext cx="7507923" cy="609600"/>
         </p:xfrm>
         <a:graphic>
           <a:graphicData uri="http://schemas.openxmlformats.org/drawingml/2006/table">
@@ -8556,7 +8256,7 @@
                   </a:extLst>
                 </a:gridCol>
               </a:tblGrid>
-              <a:tr h="370840">
+              <a:tr h="0">
                 <a:tc>
                   <a:txBody>
                     <a:bodyPr/>
@@ -8564,7 +8264,7 @@
                     <a:p>
                       <a:pPr algn="l" latinLnBrk="1"/>
                       <a:r>
-                        <a:rPr lang="en-US" altLang="ko-KR" b="0" dirty="0">
+                        <a:rPr lang="en-US" altLang="ko-KR" sz="1400" b="0" dirty="0">
                           <a:solidFill>
                             <a:schemeClr val="tx1"/>
                           </a:solidFill>
@@ -8572,7 +8272,7 @@
                         <a:t>P </a:t>
                       </a:r>
                       <a:r>
-                        <a:rPr lang="ko-KR" altLang="en-US" b="0" dirty="0">
+                        <a:rPr lang="ko-KR" altLang="en-US" sz="1400" b="0" dirty="0">
                           <a:solidFill>
                             <a:schemeClr val="tx1"/>
                           </a:solidFill>
@@ -8617,7 +8317,7 @@
                     <a:lstStyle/>
                     <a:p>
                       <a:pPr algn="l" latinLnBrk="1"/>
-                      <a:endParaRPr lang="ko-KR" altLang="en-US" b="0" dirty="0">
+                      <a:endParaRPr lang="ko-KR" altLang="en-US" sz="1400" b="0" dirty="0">
                         <a:solidFill>
                           <a:schemeClr val="tx1"/>
                         </a:solidFill>
@@ -8660,7 +8360,7 @@
                   </a:ext>
                 </a:extLst>
               </a:tr>
-              <a:tr h="370840">
+              <a:tr h="0">
                 <a:tc>
                   <a:txBody>
                     <a:bodyPr/>
@@ -8668,7 +8368,7 @@
                     <a:p>
                       <a:pPr algn="ctr" latinLnBrk="1"/>
                       <a:r>
-                        <a:rPr lang="ko-KR" altLang="en-US" b="0" dirty="0">
+                        <a:rPr lang="ko-KR" altLang="en-US" sz="1400" b="0" dirty="0">
                           <a:solidFill>
                             <a:schemeClr val="tx1"/>
                           </a:solidFill>
@@ -8720,7 +8420,7 @@
                     <a:p>
                       <a:pPr algn="l" latinLnBrk="1"/>
                       <a:r>
-                        <a:rPr lang="ko-KR" altLang="en-US" b="0" dirty="0">
+                        <a:rPr lang="ko-KR" altLang="en-US" sz="1400" b="0" dirty="0">
                           <a:solidFill>
                             <a:schemeClr val="tx1"/>
                           </a:solidFill>
@@ -8728,14 +8428,14 @@
                         <a:t>일정 거리를 이동해 적을 공격할 경우 거리에 비례하여 추가 피해를 준다</a:t>
                       </a:r>
                       <a:r>
-                        <a:rPr lang="en-US" altLang="ko-KR" b="0" dirty="0">
+                        <a:rPr lang="en-US" altLang="ko-KR" sz="1400" b="0" dirty="0">
                           <a:solidFill>
                             <a:schemeClr val="tx1"/>
                           </a:solidFill>
                         </a:rPr>
                         <a:t>.</a:t>
                       </a:r>
-                      <a:endParaRPr lang="ko-KR" altLang="en-US" b="0" dirty="0">
+                      <a:endParaRPr lang="ko-KR" altLang="en-US" sz="1400" b="0" dirty="0">
                         <a:solidFill>
                           <a:schemeClr val="tx1"/>
                         </a:solidFill>
@@ -8788,6 +8488,486 @@
           </a:graphicData>
         </a:graphic>
       </p:graphicFrame>
+    </p:spTree>
+    <p:extLst>
+      <p:ext uri="{BB962C8B-B14F-4D97-AF65-F5344CB8AC3E}">
+        <p14:creationId xmlns:p14="http://schemas.microsoft.com/office/powerpoint/2010/main" val="3326248223"/>
+      </p:ext>
+    </p:extLst>
+  </p:cSld>
+  <p:clrMapOvr>
+    <a:masterClrMapping/>
+  </p:clrMapOvr>
+</p:sld>
+</file>
+
+<file path=ppt/slides/slide6.xml><?xml version="1.0" encoding="utf-8"?>
+<p:sld xmlns:a="http://schemas.openxmlformats.org/drawingml/2006/main" xmlns:r="http://schemas.openxmlformats.org/officeDocument/2006/relationships" xmlns:p="http://schemas.openxmlformats.org/presentationml/2006/main">
+  <p:cSld>
+    <p:spTree>
+      <p:nvGrpSpPr>
+        <p:cNvPr id="1" name=""/>
+        <p:cNvGrpSpPr/>
+        <p:nvPr/>
+      </p:nvGrpSpPr>
+      <p:grpSpPr>
+        <a:xfrm>
+          <a:off x="0" y="0"/>
+          <a:ext cx="0" cy="0"/>
+          <a:chOff x="0" y="0"/>
+          <a:chExt cx="0" cy="0"/>
+        </a:xfrm>
+      </p:grpSpPr>
+      <p:sp>
+        <p:nvSpPr>
+          <p:cNvPr id="20" name="제목 1">
+            <a:extLst>
+              <a:ext uri="{FF2B5EF4-FFF2-40B4-BE49-F238E27FC236}">
+                <a16:creationId xmlns:a16="http://schemas.microsoft.com/office/drawing/2014/main" id="{5556A1E5-660A-D9CD-018B-56EF4D077259}"/>
+              </a:ext>
+            </a:extLst>
+          </p:cNvPr>
+          <p:cNvSpPr txBox="1">
+            <a:spLocks/>
+          </p:cNvSpPr>
+          <p:nvPr/>
+        </p:nvSpPr>
+        <p:spPr>
+          <a:xfrm>
+            <a:off x="839788" y="368301"/>
+            <a:ext cx="10512425" cy="1071562"/>
+          </a:xfrm>
+          <a:prstGeom prst="rect">
+            <a:avLst/>
+          </a:prstGeom>
+        </p:spPr>
+        <p:txBody>
+          <a:bodyPr vert="horz" wrap="square" lIns="91440" tIns="45720" rIns="91440" bIns="45720" numCol="1" rtlCol="0" anchor="ctr">
+            <a:normAutofit/>
+          </a:bodyPr>
+          <a:lstStyle>
+            <a:lvl1pPr algn="l" defTabSz="914400" rtl="0" eaLnBrk="1" latinLnBrk="1" hangingPunct="1">
+              <a:lnSpc>
+                <a:spcPct val="90000"/>
+              </a:lnSpc>
+              <a:spcBef>
+                <a:spcPct val="0"/>
+              </a:spcBef>
+              <a:buNone/>
+              <a:defRPr sz="4400" kern="1200">
+                <a:solidFill>
+                  <a:schemeClr val="tx1"/>
+                </a:solidFill>
+                <a:latin typeface="+mj-lt"/>
+                <a:ea typeface="+mj-ea"/>
+                <a:cs typeface="+mj-cs"/>
+              </a:defRPr>
+            </a:lvl1pPr>
+          </a:lstStyle>
+          <a:p>
+            <a:pPr latinLnBrk="0"/>
+            <a:r>
+              <a:rPr lang="ko-KR" altLang="en-US" dirty="0"/>
+              <a:t>스킬 컨셉</a:t>
+            </a:r>
+          </a:p>
+        </p:txBody>
+      </p:sp>
+      <p:graphicFrame>
+        <p:nvGraphicFramePr>
+          <p:cNvPr id="21" name="표 20">
+            <a:extLst>
+              <a:ext uri="{FF2B5EF4-FFF2-40B4-BE49-F238E27FC236}">
+                <a16:creationId xmlns:a16="http://schemas.microsoft.com/office/drawing/2014/main" id="{E2FE3F3D-106B-33A9-3EB0-50A2B544FBE5}"/>
+              </a:ext>
+            </a:extLst>
+          </p:cNvPr>
+          <p:cNvGraphicFramePr>
+            <a:graphicFrameLocks noGrp="1"/>
+          </p:cNvGraphicFramePr>
+          <p:nvPr/>
+        </p:nvGraphicFramePr>
+        <p:xfrm>
+          <a:off x="1272855" y="2221672"/>
+          <a:ext cx="7507924" cy="1036320"/>
+        </p:xfrm>
+        <a:graphic>
+          <a:graphicData uri="http://schemas.openxmlformats.org/drawingml/2006/table">
+            <a:tbl>
+              <a:tblPr firstRow="1" bandRow="1">
+                <a:tableStyleId>{5C22544A-7EE6-4342-B048-85BDC9FD1C3A}</a:tableStyleId>
+              </a:tblPr>
+              <a:tblGrid>
+                <a:gridCol w="798010">
+                  <a:extLst>
+                    <a:ext uri="{9D8B030D-6E8A-4147-A177-3AD203B41FA5}">
+                      <a16:colId xmlns:a16="http://schemas.microsoft.com/office/drawing/2014/main" val="2170077528"/>
+                    </a:ext>
+                  </a:extLst>
+                </a:gridCol>
+                <a:gridCol w="6709914">
+                  <a:extLst>
+                    <a:ext uri="{9D8B030D-6E8A-4147-A177-3AD203B41FA5}">
+                      <a16:colId xmlns:a16="http://schemas.microsoft.com/office/drawing/2014/main" val="3600787709"/>
+                    </a:ext>
+                  </a:extLst>
+                </a:gridCol>
+              </a:tblGrid>
+              <a:tr h="0">
+                <a:tc>
+                  <a:txBody>
+                    <a:bodyPr/>
+                    <a:lstStyle/>
+                    <a:p>
+                      <a:pPr algn="l" latinLnBrk="1"/>
+                      <a:r>
+                        <a:rPr lang="en-US" altLang="ko-KR" sz="1400" b="0" dirty="0">
+                          <a:solidFill>
+                            <a:schemeClr val="tx1"/>
+                          </a:solidFill>
+                        </a:rPr>
+                        <a:t>Q </a:t>
+                      </a:r>
+                      <a:r>
+                        <a:rPr lang="ko-KR" altLang="en-US" sz="1400" b="0" dirty="0">
+                          <a:solidFill>
+                            <a:schemeClr val="tx1"/>
+                          </a:solidFill>
+                        </a:rPr>
+                        <a:t>스킬</a:t>
+                      </a:r>
+                    </a:p>
+                  </a:txBody>
+                  <a:tcPr>
+                    <a:lnL w="12700" cmpd="sng">
+                      <a:noFill/>
+                    </a:lnL>
+                    <a:lnR w="12700" cmpd="sng">
+                      <a:noFill/>
+                    </a:lnR>
+                    <a:lnT w="12700" cmpd="sng">
+                      <a:noFill/>
+                    </a:lnT>
+                    <a:lnB w="12700" cap="flat" cmpd="sng" algn="ctr">
+                      <a:solidFill>
+                        <a:schemeClr val="tx1"/>
+                      </a:solidFill>
+                      <a:prstDash val="solid"/>
+                      <a:round/>
+                      <a:headEnd type="none" w="med" len="med"/>
+                      <a:tailEnd type="none" w="med" len="med"/>
+                    </a:lnB>
+                    <a:lnTlToBr w="12700" cmpd="sng">
+                      <a:noFill/>
+                      <a:prstDash val="solid"/>
+                    </a:lnTlToBr>
+                    <a:lnBlToTr w="12700" cmpd="sng">
+                      <a:noFill/>
+                      <a:prstDash val="solid"/>
+                    </a:lnBlToTr>
+                    <a:noFill/>
+                  </a:tcPr>
+                </a:tc>
+                <a:tc>
+                  <a:txBody>
+                    <a:bodyPr/>
+                    <a:lstStyle/>
+                    <a:p>
+                      <a:pPr algn="l" latinLnBrk="1"/>
+                      <a:endParaRPr lang="ko-KR" altLang="en-US" sz="1400" b="0" dirty="0">
+                        <a:solidFill>
+                          <a:schemeClr val="tx1"/>
+                        </a:solidFill>
+                      </a:endParaRPr>
+                    </a:p>
+                  </a:txBody>
+                  <a:tcPr>
+                    <a:lnL w="12700" cmpd="sng">
+                      <a:noFill/>
+                    </a:lnL>
+                    <a:lnR w="12700" cmpd="sng">
+                      <a:noFill/>
+                    </a:lnR>
+                    <a:lnT w="12700" cmpd="sng">
+                      <a:noFill/>
+                    </a:lnT>
+                    <a:lnB w="12700" cap="flat" cmpd="sng" algn="ctr">
+                      <a:solidFill>
+                        <a:schemeClr val="tx1"/>
+                      </a:solidFill>
+                      <a:prstDash val="solid"/>
+                      <a:round/>
+                      <a:headEnd type="none" w="med" len="med"/>
+                      <a:tailEnd type="none" w="med" len="med"/>
+                    </a:lnB>
+                    <a:lnTlToBr w="12700" cmpd="sng">
+                      <a:noFill/>
+                      <a:prstDash val="solid"/>
+                    </a:lnTlToBr>
+                    <a:lnBlToTr w="12700" cmpd="sng">
+                      <a:noFill/>
+                      <a:prstDash val="solid"/>
+                    </a:lnBlToTr>
+                    <a:noFill/>
+                  </a:tcPr>
+                </a:tc>
+                <a:extLst>
+                  <a:ext uri="{0D108BD9-81ED-4DB2-BD59-A6C34878D82A}">
+                    <a16:rowId xmlns:a16="http://schemas.microsoft.com/office/drawing/2014/main" val="892777805"/>
+                  </a:ext>
+                </a:extLst>
+              </a:tr>
+              <a:tr h="0">
+                <a:tc>
+                  <a:txBody>
+                    <a:bodyPr/>
+                    <a:lstStyle/>
+                    <a:p>
+                      <a:pPr algn="ctr" latinLnBrk="1"/>
+                      <a:r>
+                        <a:rPr lang="ko-KR" altLang="en-US" sz="1400" b="0" dirty="0">
+                          <a:solidFill>
+                            <a:schemeClr val="tx1"/>
+                          </a:solidFill>
+                        </a:rPr>
+                        <a:t>설명</a:t>
+                      </a:r>
+                    </a:p>
+                  </a:txBody>
+                  <a:tcPr anchor="ctr">
+                    <a:lnL w="12700" cmpd="sng">
+                      <a:noFill/>
+                    </a:lnL>
+                    <a:lnR w="12700" cap="flat" cmpd="sng" algn="ctr">
+                      <a:solidFill>
+                        <a:schemeClr val="tx1"/>
+                      </a:solidFill>
+                      <a:prstDash val="solid"/>
+                      <a:round/>
+                      <a:headEnd type="none" w="med" len="med"/>
+                      <a:tailEnd type="none" w="med" len="med"/>
+                    </a:lnR>
+                    <a:lnT w="12700" cap="flat" cmpd="sng" algn="ctr">
+                      <a:solidFill>
+                        <a:schemeClr val="tx1"/>
+                      </a:solidFill>
+                      <a:prstDash val="solid"/>
+                      <a:round/>
+                      <a:headEnd type="none" w="med" len="med"/>
+                      <a:tailEnd type="none" w="med" len="med"/>
+                    </a:lnT>
+                    <a:lnB w="12700" cmpd="sng">
+                      <a:noFill/>
+                    </a:lnB>
+                    <a:lnTlToBr w="12700" cmpd="sng">
+                      <a:noFill/>
+                      <a:prstDash val="solid"/>
+                    </a:lnTlToBr>
+                    <a:lnBlToTr w="12700" cmpd="sng">
+                      <a:noFill/>
+                      <a:prstDash val="solid"/>
+                    </a:lnBlToTr>
+                    <a:noFill/>
+                  </a:tcPr>
+                </a:tc>
+                <a:tc>
+                  <a:txBody>
+                    <a:bodyPr/>
+                    <a:lstStyle/>
+                    <a:p>
+                      <a:pPr algn="l" latinLnBrk="1"/>
+                      <a:r>
+                        <a:rPr lang="ko-KR" altLang="en-US" sz="1400" b="0" dirty="0">
+                          <a:solidFill>
+                            <a:schemeClr val="tx1"/>
+                          </a:solidFill>
+                        </a:rPr>
+                        <a:t>앞으로 돌진하여 적을 무기로 적을 공격한다</a:t>
+                      </a:r>
+                      <a:r>
+                        <a:rPr lang="en-US" altLang="ko-KR" sz="1400" b="0" dirty="0">
+                          <a:solidFill>
+                            <a:schemeClr val="tx1"/>
+                          </a:solidFill>
+                        </a:rPr>
+                        <a:t>.</a:t>
+                      </a:r>
+                    </a:p>
+                    <a:p>
+                      <a:pPr algn="l" latinLnBrk="1"/>
+                      <a:r>
+                        <a:rPr lang="ko-KR" altLang="en-US" sz="1400" b="0" dirty="0">
+                          <a:solidFill>
+                            <a:schemeClr val="tx1"/>
+                          </a:solidFill>
+                        </a:rPr>
+                        <a:t>가까운 적 공격 시 작은 폭발을 일으켜 적을 뒤로 밀어내며 작은 피해를 준다</a:t>
+                      </a:r>
+                      <a:r>
+                        <a:rPr lang="en-US" altLang="ko-KR" sz="1400" b="0" dirty="0">
+                          <a:solidFill>
+                            <a:schemeClr val="tx1"/>
+                          </a:solidFill>
+                        </a:rPr>
+                        <a:t>. </a:t>
+                      </a:r>
+                    </a:p>
+                    <a:p>
+                      <a:pPr algn="l" latinLnBrk="1"/>
+                      <a:r>
+                        <a:rPr lang="ko-KR" altLang="en-US" sz="1400" b="0" dirty="0">
+                          <a:solidFill>
+                            <a:schemeClr val="tx1"/>
+                          </a:solidFill>
+                        </a:rPr>
+                        <a:t>먼 적 공격 시 폭발을 일으키며 큰 피해를 준다</a:t>
+                      </a:r>
+                      <a:r>
+                        <a:rPr lang="en-US" altLang="ko-KR" sz="1400" b="0" dirty="0">
+                          <a:solidFill>
+                            <a:schemeClr val="tx1"/>
+                          </a:solidFill>
+                        </a:rPr>
+                        <a:t>.</a:t>
+                      </a:r>
+                      <a:endParaRPr lang="ko-KR" altLang="en-US" sz="1400" b="0" dirty="0">
+                        <a:solidFill>
+                          <a:schemeClr val="tx1"/>
+                        </a:solidFill>
+                      </a:endParaRPr>
+                    </a:p>
+                  </a:txBody>
+                  <a:tcPr>
+                    <a:lnL w="12700" cap="flat" cmpd="sng" algn="ctr">
+                      <a:solidFill>
+                        <a:schemeClr val="tx1"/>
+                      </a:solidFill>
+                      <a:prstDash val="solid"/>
+                      <a:round/>
+                      <a:headEnd type="none" w="med" len="med"/>
+                      <a:tailEnd type="none" w="med" len="med"/>
+                    </a:lnL>
+                    <a:lnR w="12700" cmpd="sng">
+                      <a:noFill/>
+                    </a:lnR>
+                    <a:lnT w="12700" cap="flat" cmpd="sng" algn="ctr">
+                      <a:solidFill>
+                        <a:schemeClr val="tx1"/>
+                      </a:solidFill>
+                      <a:prstDash val="solid"/>
+                      <a:round/>
+                      <a:headEnd type="none" w="med" len="med"/>
+                      <a:tailEnd type="none" w="med" len="med"/>
+                    </a:lnT>
+                    <a:lnB w="12700" cmpd="sng">
+                      <a:noFill/>
+                    </a:lnB>
+                    <a:lnTlToBr w="12700" cmpd="sng">
+                      <a:noFill/>
+                      <a:prstDash val="solid"/>
+                    </a:lnTlToBr>
+                    <a:lnBlToTr w="12700" cmpd="sng">
+                      <a:noFill/>
+                      <a:prstDash val="solid"/>
+                    </a:lnBlToTr>
+                    <a:noFill/>
+                  </a:tcPr>
+                </a:tc>
+                <a:extLst>
+                  <a:ext uri="{0D108BD9-81ED-4DB2-BD59-A6C34878D82A}">
+                    <a16:rowId xmlns:a16="http://schemas.microsoft.com/office/drawing/2014/main" val="4051412933"/>
+                  </a:ext>
+                </a:extLst>
+              </a:tr>
+            </a:tbl>
+          </a:graphicData>
+        </a:graphic>
+      </p:graphicFrame>
+    </p:spTree>
+    <p:extLst>
+      <p:ext uri="{BB962C8B-B14F-4D97-AF65-F5344CB8AC3E}">
+        <p14:creationId xmlns:p14="http://schemas.microsoft.com/office/powerpoint/2010/main" val="4117865108"/>
+      </p:ext>
+    </p:extLst>
+  </p:cSld>
+  <p:clrMapOvr>
+    <a:masterClrMapping/>
+  </p:clrMapOvr>
+</p:sld>
+</file>
+
+<file path=ppt/slides/slide7.xml><?xml version="1.0" encoding="utf-8"?>
+<p:sld xmlns:a="http://schemas.openxmlformats.org/drawingml/2006/main" xmlns:r="http://schemas.openxmlformats.org/officeDocument/2006/relationships" xmlns:p="http://schemas.openxmlformats.org/presentationml/2006/main">
+  <p:cSld>
+    <p:spTree>
+      <p:nvGrpSpPr>
+        <p:cNvPr id="1" name=""/>
+        <p:cNvGrpSpPr/>
+        <p:nvPr/>
+      </p:nvGrpSpPr>
+      <p:grpSpPr>
+        <a:xfrm>
+          <a:off x="0" y="0"/>
+          <a:ext cx="0" cy="0"/>
+          <a:chOff x="0" y="0"/>
+          <a:chExt cx="0" cy="0"/>
+        </a:xfrm>
+      </p:grpSpPr>
+      <p:sp>
+        <p:nvSpPr>
+          <p:cNvPr id="20" name="제목 1">
+            <a:extLst>
+              <a:ext uri="{FF2B5EF4-FFF2-40B4-BE49-F238E27FC236}">
+                <a16:creationId xmlns:a16="http://schemas.microsoft.com/office/drawing/2014/main" id="{5556A1E5-660A-D9CD-018B-56EF4D077259}"/>
+              </a:ext>
+            </a:extLst>
+          </p:cNvPr>
+          <p:cNvSpPr txBox="1">
+            <a:spLocks/>
+          </p:cNvSpPr>
+          <p:nvPr/>
+        </p:nvSpPr>
+        <p:spPr>
+          <a:xfrm>
+            <a:off x="839788" y="368301"/>
+            <a:ext cx="10512425" cy="1071562"/>
+          </a:xfrm>
+          <a:prstGeom prst="rect">
+            <a:avLst/>
+          </a:prstGeom>
+        </p:spPr>
+        <p:txBody>
+          <a:bodyPr vert="horz" wrap="square" lIns="91440" tIns="45720" rIns="91440" bIns="45720" numCol="1" rtlCol="0" anchor="ctr">
+            <a:normAutofit/>
+          </a:bodyPr>
+          <a:lstStyle>
+            <a:lvl1pPr algn="l" defTabSz="914400" rtl="0" eaLnBrk="1" latinLnBrk="1" hangingPunct="1">
+              <a:lnSpc>
+                <a:spcPct val="90000"/>
+              </a:lnSpc>
+              <a:spcBef>
+                <a:spcPct val="0"/>
+              </a:spcBef>
+              <a:buNone/>
+              <a:defRPr sz="4400" kern="1200">
+                <a:solidFill>
+                  <a:schemeClr val="tx1"/>
+                </a:solidFill>
+                <a:latin typeface="+mj-lt"/>
+                <a:ea typeface="+mj-ea"/>
+                <a:cs typeface="+mj-cs"/>
+              </a:defRPr>
+            </a:lvl1pPr>
+          </a:lstStyle>
+          <a:p>
+            <a:pPr latinLnBrk="0"/>
+            <a:r>
+              <a:rPr lang="ko-KR" altLang="en-US" dirty="0"/>
+              <a:t>스킬 컨셉</a:t>
+            </a:r>
+          </a:p>
+        </p:txBody>
+      </p:sp>
       <p:graphicFrame>
         <p:nvGraphicFramePr>
           <p:cNvPr id="23" name="표 22">
@@ -8803,8 +8983,8 @@
           <p:nvPr/>
         </p:nvGraphicFramePr>
         <p:xfrm>
-          <a:off x="1272857" y="3714116"/>
-          <a:ext cx="7507923" cy="1010920"/>
+          <a:off x="1272855" y="3423970"/>
+          <a:ext cx="7507923" cy="822960"/>
         </p:xfrm>
         <a:graphic>
           <a:graphicData uri="http://schemas.openxmlformats.org/drawingml/2006/table">
@@ -8828,7 +9008,7 @@
                   </a:extLst>
                 </a:gridCol>
               </a:tblGrid>
-              <a:tr h="370840">
+              <a:tr h="0">
                 <a:tc>
                   <a:txBody>
                     <a:bodyPr/>
@@ -8836,7 +9016,7 @@
                     <a:p>
                       <a:pPr algn="l" latinLnBrk="1"/>
                       <a:r>
-                        <a:rPr lang="en-US" altLang="ko-KR" b="0" dirty="0">
+                        <a:rPr lang="en-US" altLang="ko-KR" sz="1400" b="0" dirty="0">
                           <a:solidFill>
                             <a:schemeClr val="tx1"/>
                           </a:solidFill>
@@ -8844,7 +9024,7 @@
                         <a:t>W </a:t>
                       </a:r>
                       <a:r>
-                        <a:rPr lang="ko-KR" altLang="en-US" b="0" dirty="0">
+                        <a:rPr lang="ko-KR" altLang="en-US" sz="1400" b="0" dirty="0">
                           <a:solidFill>
                             <a:schemeClr val="tx1"/>
                           </a:solidFill>
@@ -8889,7 +9069,7 @@
                     <a:lstStyle/>
                     <a:p>
                       <a:pPr algn="l" latinLnBrk="1"/>
-                      <a:endParaRPr lang="ko-KR" altLang="en-US" b="0" dirty="0">
+                      <a:endParaRPr lang="ko-KR" altLang="en-US" sz="1400" b="0" dirty="0">
                         <a:solidFill>
                           <a:schemeClr val="tx1"/>
                         </a:solidFill>
@@ -8932,7 +9112,7 @@
                   </a:ext>
                 </a:extLst>
               </a:tr>
-              <a:tr h="370840">
+              <a:tr h="0">
                 <a:tc>
                   <a:txBody>
                     <a:bodyPr/>
@@ -8940,7 +9120,7 @@
                     <a:p>
                       <a:pPr algn="ctr" latinLnBrk="1"/>
                       <a:r>
-                        <a:rPr lang="ko-KR" altLang="en-US" b="0" dirty="0">
+                        <a:rPr lang="ko-KR" altLang="en-US" sz="1400" b="0" dirty="0">
                           <a:solidFill>
                             <a:schemeClr val="tx1"/>
                           </a:solidFill>
@@ -8992,7 +9172,7 @@
                     <a:p>
                       <a:pPr algn="l" latinLnBrk="1"/>
                       <a:r>
-                        <a:rPr lang="ko-KR" altLang="en-US" b="0" dirty="0">
+                        <a:rPr lang="ko-KR" altLang="en-US" sz="1400" b="0" dirty="0">
                           <a:solidFill>
                             <a:schemeClr val="tx1"/>
                           </a:solidFill>
@@ -9000,7 +9180,7 @@
                         <a:t>무기로 땅을 공격해 폭발을 일으킨다</a:t>
                       </a:r>
                       <a:r>
-                        <a:rPr lang="en-US" altLang="ko-KR" b="0" dirty="0">
+                        <a:rPr lang="en-US" altLang="ko-KR" sz="1400" b="0" dirty="0">
                           <a:solidFill>
                             <a:schemeClr val="tx1"/>
                           </a:solidFill>
@@ -9011,7 +9191,7 @@
                     <a:p>
                       <a:pPr algn="l" latinLnBrk="1"/>
                       <a:r>
-                        <a:rPr lang="ko-KR" altLang="en-US" b="0" dirty="0">
+                        <a:rPr lang="ko-KR" altLang="en-US" sz="1400" b="0" dirty="0">
                           <a:solidFill>
                             <a:schemeClr val="tx1"/>
                           </a:solidFill>
@@ -9019,14 +9199,14 @@
                         <a:t>공격 당한 대상은 범위 밖으로 밀려난다</a:t>
                       </a:r>
                       <a:r>
-                        <a:rPr lang="en-US" altLang="ko-KR" b="0" dirty="0">
+                        <a:rPr lang="en-US" altLang="ko-KR" sz="1400" b="0" dirty="0">
                           <a:solidFill>
                             <a:schemeClr val="tx1"/>
                           </a:solidFill>
                         </a:rPr>
                         <a:t>.</a:t>
                       </a:r>
-                      <a:endParaRPr lang="ko-KR" altLang="en-US" b="0" dirty="0">
+                      <a:endParaRPr lang="ko-KR" altLang="en-US" sz="1400" b="0" dirty="0">
                         <a:solidFill>
                           <a:schemeClr val="tx1"/>
                         </a:solidFill>
@@ -9079,6 +9259,91 @@
           </a:graphicData>
         </a:graphic>
       </p:graphicFrame>
+    </p:spTree>
+    <p:extLst>
+      <p:ext uri="{BB962C8B-B14F-4D97-AF65-F5344CB8AC3E}">
+        <p14:creationId xmlns:p14="http://schemas.microsoft.com/office/powerpoint/2010/main" val="1167823452"/>
+      </p:ext>
+    </p:extLst>
+  </p:cSld>
+  <p:clrMapOvr>
+    <a:masterClrMapping/>
+  </p:clrMapOvr>
+</p:sld>
+</file>
+
+<file path=ppt/slides/slide8.xml><?xml version="1.0" encoding="utf-8"?>
+<p:sld xmlns:a="http://schemas.openxmlformats.org/drawingml/2006/main" xmlns:r="http://schemas.openxmlformats.org/officeDocument/2006/relationships" xmlns:p="http://schemas.openxmlformats.org/presentationml/2006/main">
+  <p:cSld>
+    <p:spTree>
+      <p:nvGrpSpPr>
+        <p:cNvPr id="1" name=""/>
+        <p:cNvGrpSpPr/>
+        <p:nvPr/>
+      </p:nvGrpSpPr>
+      <p:grpSpPr>
+        <a:xfrm>
+          <a:off x="0" y="0"/>
+          <a:ext cx="0" cy="0"/>
+          <a:chOff x="0" y="0"/>
+          <a:chExt cx="0" cy="0"/>
+        </a:xfrm>
+      </p:grpSpPr>
+      <p:sp>
+        <p:nvSpPr>
+          <p:cNvPr id="20" name="제목 1">
+            <a:extLst>
+              <a:ext uri="{FF2B5EF4-FFF2-40B4-BE49-F238E27FC236}">
+                <a16:creationId xmlns:a16="http://schemas.microsoft.com/office/drawing/2014/main" id="{5556A1E5-660A-D9CD-018B-56EF4D077259}"/>
+              </a:ext>
+            </a:extLst>
+          </p:cNvPr>
+          <p:cNvSpPr txBox="1">
+            <a:spLocks/>
+          </p:cNvSpPr>
+          <p:nvPr/>
+        </p:nvSpPr>
+        <p:spPr>
+          <a:xfrm>
+            <a:off x="839788" y="368301"/>
+            <a:ext cx="10512425" cy="1071562"/>
+          </a:xfrm>
+          <a:prstGeom prst="rect">
+            <a:avLst/>
+          </a:prstGeom>
+        </p:spPr>
+        <p:txBody>
+          <a:bodyPr vert="horz" wrap="square" lIns="91440" tIns="45720" rIns="91440" bIns="45720" numCol="1" rtlCol="0" anchor="ctr">
+            <a:normAutofit/>
+          </a:bodyPr>
+          <a:lstStyle>
+            <a:lvl1pPr algn="l" defTabSz="914400" rtl="0" eaLnBrk="1" latinLnBrk="1" hangingPunct="1">
+              <a:lnSpc>
+                <a:spcPct val="90000"/>
+              </a:lnSpc>
+              <a:spcBef>
+                <a:spcPct val="0"/>
+              </a:spcBef>
+              <a:buNone/>
+              <a:defRPr sz="4400" kern="1200">
+                <a:solidFill>
+                  <a:schemeClr val="tx1"/>
+                </a:solidFill>
+                <a:latin typeface="+mj-lt"/>
+                <a:ea typeface="+mj-ea"/>
+                <a:cs typeface="+mj-cs"/>
+              </a:defRPr>
+            </a:lvl1pPr>
+          </a:lstStyle>
+          <a:p>
+            <a:pPr latinLnBrk="0"/>
+            <a:r>
+              <a:rPr lang="ko-KR" altLang="en-US" dirty="0"/>
+              <a:t>스킬 컨셉</a:t>
+            </a:r>
+          </a:p>
+        </p:txBody>
+      </p:sp>
       <p:graphicFrame>
         <p:nvGraphicFramePr>
           <p:cNvPr id="24" name="표 23">
@@ -9094,8 +9359,8 @@
           <p:nvPr/>
         </p:nvGraphicFramePr>
         <p:xfrm>
-          <a:off x="1272856" y="4646928"/>
-          <a:ext cx="7507923" cy="741680"/>
+          <a:off x="1272856" y="4246930"/>
+          <a:ext cx="7507923" cy="609600"/>
         </p:xfrm>
         <a:graphic>
           <a:graphicData uri="http://schemas.openxmlformats.org/drawingml/2006/table">
@@ -9119,7 +9384,7 @@
                   </a:extLst>
                 </a:gridCol>
               </a:tblGrid>
-              <a:tr h="370840">
+              <a:tr h="0">
                 <a:tc>
                   <a:txBody>
                     <a:bodyPr/>
@@ -9127,7 +9392,7 @@
                     <a:p>
                       <a:pPr algn="l" latinLnBrk="1"/>
                       <a:r>
-                        <a:rPr lang="en-US" altLang="ko-KR" b="0" dirty="0">
+                        <a:rPr lang="en-US" altLang="ko-KR" sz="1400" b="0" dirty="0">
                           <a:solidFill>
                             <a:schemeClr val="tx1"/>
                           </a:solidFill>
@@ -9135,7 +9400,7 @@
                         <a:t>E </a:t>
                       </a:r>
                       <a:r>
-                        <a:rPr lang="ko-KR" altLang="en-US" b="0" dirty="0">
+                        <a:rPr lang="ko-KR" altLang="en-US" sz="1400" b="0" dirty="0">
                           <a:solidFill>
                             <a:schemeClr val="tx1"/>
                           </a:solidFill>
@@ -9180,7 +9445,7 @@
                     <a:lstStyle/>
                     <a:p>
                       <a:pPr algn="l" latinLnBrk="1"/>
-                      <a:endParaRPr lang="ko-KR" altLang="en-US" b="0" dirty="0">
+                      <a:endParaRPr lang="ko-KR" altLang="en-US" sz="1400" b="0" dirty="0">
                         <a:solidFill>
                           <a:schemeClr val="tx1"/>
                         </a:solidFill>
@@ -9223,7 +9488,7 @@
                   </a:ext>
                 </a:extLst>
               </a:tr>
-              <a:tr h="370840">
+              <a:tr h="0">
                 <a:tc>
                   <a:txBody>
                     <a:bodyPr/>
@@ -9231,7 +9496,7 @@
                     <a:p>
                       <a:pPr algn="ctr" latinLnBrk="1"/>
                       <a:r>
-                        <a:rPr lang="ko-KR" altLang="en-US" b="0" dirty="0">
+                        <a:rPr lang="ko-KR" altLang="en-US" sz="1400" b="0" dirty="0">
                           <a:solidFill>
                             <a:schemeClr val="tx1"/>
                           </a:solidFill>
@@ -9283,7 +9548,7 @@
                     <a:p>
                       <a:pPr algn="l" latinLnBrk="1"/>
                       <a:r>
-                        <a:rPr lang="ko-KR" altLang="en-US" b="0" dirty="0">
+                        <a:rPr lang="ko-KR" altLang="en-US" sz="1400" b="0" dirty="0">
                           <a:solidFill>
                             <a:schemeClr val="tx1"/>
                           </a:solidFill>
@@ -9291,14 +9556,14 @@
                         <a:t>작은 폭발을 일으켜 뒤로 이동한다</a:t>
                       </a:r>
                       <a:r>
-                        <a:rPr lang="en-US" altLang="ko-KR" b="0" dirty="0">
+                        <a:rPr lang="en-US" altLang="ko-KR" sz="1400" b="0" dirty="0">
                           <a:solidFill>
                             <a:schemeClr val="tx1"/>
                           </a:solidFill>
                         </a:rPr>
                         <a:t>.</a:t>
                       </a:r>
-                      <a:endParaRPr lang="ko-KR" altLang="en-US" b="0" dirty="0">
+                      <a:endParaRPr lang="ko-KR" altLang="en-US" sz="1400" b="0" dirty="0">
                         <a:solidFill>
                           <a:schemeClr val="tx1"/>
                         </a:solidFill>
@@ -9351,6 +9616,91 @@
           </a:graphicData>
         </a:graphic>
       </p:graphicFrame>
+    </p:spTree>
+    <p:extLst>
+      <p:ext uri="{BB962C8B-B14F-4D97-AF65-F5344CB8AC3E}">
+        <p14:creationId xmlns:p14="http://schemas.microsoft.com/office/powerpoint/2010/main" val="2336916590"/>
+      </p:ext>
+    </p:extLst>
+  </p:cSld>
+  <p:clrMapOvr>
+    <a:masterClrMapping/>
+  </p:clrMapOvr>
+</p:sld>
+</file>
+
+<file path=ppt/slides/slide9.xml><?xml version="1.0" encoding="utf-8"?>
+<p:sld xmlns:a="http://schemas.openxmlformats.org/drawingml/2006/main" xmlns:r="http://schemas.openxmlformats.org/officeDocument/2006/relationships" xmlns:p="http://schemas.openxmlformats.org/presentationml/2006/main">
+  <p:cSld>
+    <p:spTree>
+      <p:nvGrpSpPr>
+        <p:cNvPr id="1" name=""/>
+        <p:cNvGrpSpPr/>
+        <p:nvPr/>
+      </p:nvGrpSpPr>
+      <p:grpSpPr>
+        <a:xfrm>
+          <a:off x="0" y="0"/>
+          <a:ext cx="0" cy="0"/>
+          <a:chOff x="0" y="0"/>
+          <a:chExt cx="0" cy="0"/>
+        </a:xfrm>
+      </p:grpSpPr>
+      <p:sp>
+        <p:nvSpPr>
+          <p:cNvPr id="20" name="제목 1">
+            <a:extLst>
+              <a:ext uri="{FF2B5EF4-FFF2-40B4-BE49-F238E27FC236}">
+                <a16:creationId xmlns:a16="http://schemas.microsoft.com/office/drawing/2014/main" id="{5556A1E5-660A-D9CD-018B-56EF4D077259}"/>
+              </a:ext>
+            </a:extLst>
+          </p:cNvPr>
+          <p:cNvSpPr txBox="1">
+            <a:spLocks/>
+          </p:cNvSpPr>
+          <p:nvPr/>
+        </p:nvSpPr>
+        <p:spPr>
+          <a:xfrm>
+            <a:off x="839788" y="368301"/>
+            <a:ext cx="10512425" cy="1071562"/>
+          </a:xfrm>
+          <a:prstGeom prst="rect">
+            <a:avLst/>
+          </a:prstGeom>
+        </p:spPr>
+        <p:txBody>
+          <a:bodyPr vert="horz" wrap="square" lIns="91440" tIns="45720" rIns="91440" bIns="45720" numCol="1" rtlCol="0" anchor="ctr">
+            <a:normAutofit/>
+          </a:bodyPr>
+          <a:lstStyle>
+            <a:lvl1pPr algn="l" defTabSz="914400" rtl="0" eaLnBrk="1" latinLnBrk="1" hangingPunct="1">
+              <a:lnSpc>
+                <a:spcPct val="90000"/>
+              </a:lnSpc>
+              <a:spcBef>
+                <a:spcPct val="0"/>
+              </a:spcBef>
+              <a:buNone/>
+              <a:defRPr sz="4400" kern="1200">
+                <a:solidFill>
+                  <a:schemeClr val="tx1"/>
+                </a:solidFill>
+                <a:latin typeface="+mj-lt"/>
+                <a:ea typeface="+mj-ea"/>
+                <a:cs typeface="+mj-cs"/>
+              </a:defRPr>
+            </a:lvl1pPr>
+          </a:lstStyle>
+          <a:p>
+            <a:pPr latinLnBrk="0"/>
+            <a:r>
+              <a:rPr lang="ko-KR" altLang="en-US" dirty="0"/>
+              <a:t>스킬 컨셉</a:t>
+            </a:r>
+          </a:p>
+        </p:txBody>
+      </p:sp>
       <p:graphicFrame>
         <p:nvGraphicFramePr>
           <p:cNvPr id="25" name="표 24">
@@ -9366,8 +9716,8 @@
           <p:nvPr/>
         </p:nvGraphicFramePr>
         <p:xfrm>
-          <a:off x="1272856" y="5415911"/>
-          <a:ext cx="7507923" cy="741680"/>
+          <a:off x="1272854" y="4931068"/>
+          <a:ext cx="7507923" cy="609600"/>
         </p:xfrm>
         <a:graphic>
           <a:graphicData uri="http://schemas.openxmlformats.org/drawingml/2006/table">
@@ -9391,7 +9741,7 @@
                   </a:extLst>
                 </a:gridCol>
               </a:tblGrid>
-              <a:tr h="370840">
+              <a:tr h="0">
                 <a:tc>
                   <a:txBody>
                     <a:bodyPr/>
@@ -9399,7 +9749,7 @@
                     <a:p>
                       <a:pPr algn="l" latinLnBrk="1"/>
                       <a:r>
-                        <a:rPr lang="en-US" altLang="ko-KR" b="0" dirty="0">
+                        <a:rPr lang="en-US" altLang="ko-KR" sz="1400" b="0" dirty="0">
                           <a:solidFill>
                             <a:schemeClr val="tx1"/>
                           </a:solidFill>
@@ -9407,7 +9757,7 @@
                         <a:t>R </a:t>
                       </a:r>
                       <a:r>
-                        <a:rPr lang="ko-KR" altLang="en-US" b="0" dirty="0">
+                        <a:rPr lang="ko-KR" altLang="en-US" sz="1400" b="0" dirty="0">
                           <a:solidFill>
                             <a:schemeClr val="tx1"/>
                           </a:solidFill>
@@ -9452,7 +9802,7 @@
                     <a:lstStyle/>
                     <a:p>
                       <a:pPr algn="l" latinLnBrk="1"/>
-                      <a:endParaRPr lang="ko-KR" altLang="en-US" b="0" dirty="0">
+                      <a:endParaRPr lang="ko-KR" altLang="en-US" sz="1400" b="0" dirty="0">
                         <a:solidFill>
                           <a:schemeClr val="tx1"/>
                         </a:solidFill>
@@ -9495,7 +9845,7 @@
                   </a:ext>
                 </a:extLst>
               </a:tr>
-              <a:tr h="370840">
+              <a:tr h="0">
                 <a:tc>
                   <a:txBody>
                     <a:bodyPr/>
@@ -9503,7 +9853,7 @@
                     <a:p>
                       <a:pPr algn="ctr" latinLnBrk="1"/>
                       <a:r>
-                        <a:rPr lang="ko-KR" altLang="en-US" b="0" dirty="0">
+                        <a:rPr lang="ko-KR" altLang="en-US" sz="1400" b="0" dirty="0">
                           <a:solidFill>
                             <a:schemeClr val="tx1"/>
                           </a:solidFill>
@@ -9555,7 +9905,7 @@
                     <a:p>
                       <a:pPr algn="l" latinLnBrk="1"/>
                       <a:r>
-                        <a:rPr lang="ko-KR" altLang="en-US" b="0" dirty="0">
+                        <a:rPr lang="ko-KR" altLang="en-US" sz="1400" b="0" dirty="0">
                           <a:solidFill>
                             <a:schemeClr val="tx1"/>
                           </a:solidFill>
@@ -9563,14 +9913,14 @@
                         <a:t>공중으로 뛰어오른 다음 적에게 돌진하여 공격한다</a:t>
                       </a:r>
                       <a:r>
-                        <a:rPr lang="en-US" altLang="ko-KR" b="0" dirty="0">
+                        <a:rPr lang="en-US" altLang="ko-KR" sz="1400" b="0" dirty="0">
                           <a:solidFill>
                             <a:schemeClr val="tx1"/>
                           </a:solidFill>
                         </a:rPr>
                         <a:t>.</a:t>
                       </a:r>
-                      <a:endParaRPr lang="ko-KR" altLang="en-US" b="0" dirty="0">
+                      <a:endParaRPr lang="ko-KR" altLang="en-US" sz="1400" b="0" dirty="0">
                         <a:solidFill>
                           <a:schemeClr val="tx1"/>
                         </a:solidFill>
@@ -9626,7 +9976,7 @@
     </p:spTree>
     <p:extLst>
       <p:ext uri="{BB962C8B-B14F-4D97-AF65-F5344CB8AC3E}">
-        <p14:creationId xmlns:p14="http://schemas.microsoft.com/office/powerpoint/2010/main" val="3326248223"/>
+        <p14:creationId xmlns:p14="http://schemas.microsoft.com/office/powerpoint/2010/main" val="2293143620"/>
       </p:ext>
     </p:extLst>
   </p:cSld>

--- a/기획/이터널 리턴/이터널 리턴 신규 실험체 기획서.pptx
+++ b/기획/이터널 리턴/이터널 리턴 신규 실험체 기획서.pptx
@@ -283,7 +283,7 @@
           <a:p>
             <a:fld id="{4E9214C1-2863-45BA-A7C5-D5EA3C3D4C30}" type="datetimeFigureOut">
               <a:rPr lang="ko-KR" altLang="en-US" smtClean="0"/>
-              <a:t>2024-04-03</a:t>
+              <a:t>2024-04-04</a:t>
             </a:fld>
             <a:endParaRPr lang="ko-KR" altLang="en-US"/>
           </a:p>
@@ -448,7 +448,7 @@
           <a:p>
             <a:fld id="{8F563C85-90F6-445D-9B5B-8ABB00FB3043}" type="datetimeFigureOut">
               <a:rPr lang="ko-KR" altLang="en-US" smtClean="0"/>
-              <a:t>2024-04-03</a:t>
+              <a:t>2024-04-04</a:t>
             </a:fld>
             <a:endParaRPr lang="ko-KR" altLang="en-US"/>
           </a:p>
@@ -939,7 +939,7 @@
             </a:pPr>
             <a:fld id="{B9320F77-B9A0-41C5-862A-B4B631284C64}" type="datetime1">
               <a:rPr lang="en-GB" altLang="en-US"/>
-              <a:t>03/04/2024</a:t>
+              <a:t>04/04/2024</a:t>
             </a:fld>
             <a:endParaRPr lang="ko-KR" altLang="en-US"/>
           </a:p>
@@ -1139,7 +1139,7 @@
             </a:pPr>
             <a:fld id="{B9320F77-B9A0-41C5-862A-B4B631284C64}" type="datetime1">
               <a:rPr lang="en-GB" altLang="en-US"/>
-              <a:t>03/04/2024</a:t>
+              <a:t>04/04/2024</a:t>
             </a:fld>
             <a:endParaRPr lang="ko-KR" altLang="en-US"/>
           </a:p>
@@ -1339,7 +1339,7 @@
             </a:pPr>
             <a:fld id="{B9320F77-B9A0-41C5-862A-B4B631284C64}" type="datetime1">
               <a:rPr lang="en-GB" altLang="en-US"/>
-              <a:t>03/04/2024</a:t>
+              <a:t>04/04/2024</a:t>
             </a:fld>
             <a:endParaRPr lang="ko-KR" altLang="en-US"/>
           </a:p>
@@ -1539,7 +1539,7 @@
             </a:pPr>
             <a:fld id="{B9320F77-B9A0-41C5-862A-B4B631284C64}" type="datetime1">
               <a:rPr lang="en-GB" altLang="en-US"/>
-              <a:t>03/04/2024</a:t>
+              <a:t>04/04/2024</a:t>
             </a:fld>
             <a:endParaRPr lang="ko-KR" altLang="en-US"/>
           </a:p>
@@ -1805,7 +1805,7 @@
             </a:pPr>
             <a:fld id="{B9320F77-B9A0-41C5-862A-B4B631284C64}" type="datetime1">
               <a:rPr lang="en-GB" altLang="en-US"/>
-              <a:t>03/04/2024</a:t>
+              <a:t>04/04/2024</a:t>
             </a:fld>
             <a:endParaRPr lang="ko-KR" altLang="en-US"/>
           </a:p>
@@ -2061,7 +2061,7 @@
             </a:pPr>
             <a:fld id="{B9320F77-B9A0-41C5-862A-B4B631284C64}" type="datetime1">
               <a:rPr lang="en-GB" altLang="en-US"/>
-              <a:t>03/04/2024</a:t>
+              <a:t>04/04/2024</a:t>
             </a:fld>
             <a:endParaRPr lang="ko-KR" altLang="en-US"/>
           </a:p>
@@ -2447,7 +2447,7 @@
             </a:pPr>
             <a:fld id="{B9320F77-B9A0-41C5-862A-B4B631284C64}" type="datetime1">
               <a:rPr lang="en-GB" altLang="en-US"/>
-              <a:t>03/04/2024</a:t>
+              <a:t>04/04/2024</a:t>
             </a:fld>
             <a:endParaRPr lang="ko-KR" altLang="en-US"/>
           </a:p>
@@ -2591,7 +2591,7 @@
             </a:pPr>
             <a:fld id="{B9320F77-B9A0-41C5-862A-B4B631284C64}" type="datetime1">
               <a:rPr lang="en-GB" altLang="en-US"/>
-              <a:t>03/04/2024</a:t>
+              <a:t>04/04/2024</a:t>
             </a:fld>
             <a:endParaRPr lang="ko-KR" altLang="en-US"/>
           </a:p>
@@ -2708,7 +2708,7 @@
             </a:pPr>
             <a:fld id="{B9320F77-B9A0-41C5-862A-B4B631284C64}" type="datetime1">
               <a:rPr lang="en-GB" altLang="en-US"/>
-              <a:t>03/04/2024</a:t>
+              <a:t>04/04/2024</a:t>
             </a:fld>
             <a:endParaRPr lang="ko-KR" altLang="en-US"/>
           </a:p>
@@ -3005,7 +3005,7 @@
             </a:pPr>
             <a:fld id="{B9320F77-B9A0-41C5-862A-B4B631284C64}" type="datetime1">
               <a:rPr lang="en-GB" altLang="en-US"/>
-              <a:t>03/04/2024</a:t>
+              <a:t>04/04/2024</a:t>
             </a:fld>
             <a:endParaRPr lang="ko-KR" altLang="en-US"/>
           </a:p>
@@ -3279,7 +3279,7 @@
             </a:pPr>
             <a:fld id="{B9320F77-B9A0-41C5-862A-B4B631284C64}" type="datetime1">
               <a:rPr lang="en-GB" altLang="en-US"/>
-              <a:t>03/04/2024</a:t>
+              <a:t>04/04/2024</a:t>
             </a:fld>
             <a:endParaRPr lang="ko-KR" altLang="en-US"/>
           </a:p>
@@ -3509,7 +3509,7 @@
             </a:pPr>
             <a:fld id="{B9320F77-B9A0-41C5-862A-B4B631284C64}" type="datetime1">
               <a:rPr lang="en-GB" altLang="en-US"/>
-              <a:t>03/04/2024</a:t>
+              <a:t>04/04/2024</a:t>
             </a:fld>
             <a:endParaRPr lang="ko-KR" altLang="en-US"/>
           </a:p>
@@ -8585,10 +8585,16 @@
           <p:cNvGraphicFramePr>
             <a:graphicFrameLocks noGrp="1"/>
           </p:cNvGraphicFramePr>
-          <p:nvPr/>
+          <p:nvPr>
+            <p:extLst>
+              <p:ext uri="{D42A27DB-BD31-4B8C-83A1-F6EECF244321}">
+                <p14:modId xmlns:p14="http://schemas.microsoft.com/office/powerpoint/2010/main" val="2950192083"/>
+              </p:ext>
+            </p:extLst>
+          </p:nvPr>
         </p:nvGraphicFramePr>
         <p:xfrm>
-          <a:off x="1272855" y="2221672"/>
+          <a:off x="1272855" y="1544664"/>
           <a:ext cx="7507924" cy="1036320"/>
         </p:xfrm>
         <a:graphic>
@@ -8782,7 +8788,7 @@
                             <a:schemeClr val="tx1"/>
                           </a:solidFill>
                         </a:rPr>
-                        <a:t>앞으로 돌진하여 적을 무기로 적을 공격한다</a:t>
+                        <a:t>짧게 사용할 경우와 길게 사용할 경우 효과가 바뀐다</a:t>
                       </a:r>
                       <a:r>
                         <a:rPr lang="en-US" altLang="ko-KR" sz="1400" b="0" dirty="0">
@@ -8801,7 +8807,7 @@
                             <a:schemeClr val="tx1"/>
                           </a:solidFill>
                         </a:rPr>
-                        <a:t>가까운 적 공격 시 작은 폭발을 일으켜 적을 뒤로 밀어내며 작은 피해를 준다</a:t>
+                        <a:t>짧게 사용할 경우 </a:t>
                       </a:r>
                       <a:r>
                         <a:rPr lang="en-US" altLang="ko-KR" sz="1400" b="0" dirty="0">
@@ -8809,7 +8815,39 @@
                             <a:schemeClr val="tx1"/>
                           </a:solidFill>
                         </a:rPr>
-                        <a:t>. </a:t>
+                        <a:t>(1/2/3/4/5)</a:t>
+                      </a:r>
+                      <a:r>
+                        <a:rPr lang="ko-KR" altLang="en-US" sz="1400" b="0" dirty="0">
+                          <a:solidFill>
+                            <a:schemeClr val="tx1"/>
+                          </a:solidFill>
+                        </a:rPr>
+                        <a:t>의 피해를 주고 적을 </a:t>
+                      </a:r>
+                      <a:r>
+                        <a:rPr lang="en-US" altLang="ko-KR" sz="1400" b="0" dirty="0">
+                          <a:solidFill>
+                            <a:schemeClr val="tx1"/>
+                          </a:solidFill>
+                        </a:rPr>
+                        <a:t>2m </a:t>
+                      </a:r>
+                      <a:r>
+                        <a:rPr lang="ko-KR" altLang="en-US" sz="1400" b="0" dirty="0">
+                          <a:solidFill>
+                            <a:schemeClr val="tx1"/>
+                          </a:solidFill>
+                        </a:rPr>
+                        <a:t>뒤로 밀어낸다</a:t>
+                      </a:r>
+                      <a:r>
+                        <a:rPr lang="en-US" altLang="ko-KR" sz="1400" b="0" dirty="0">
+                          <a:solidFill>
+                            <a:schemeClr val="tx1"/>
+                          </a:solidFill>
+                        </a:rPr>
+                        <a:t>.</a:t>
                       </a:r>
                     </a:p>
                     <a:p>
@@ -8820,7 +8858,39 @@
                             <a:schemeClr val="tx1"/>
                           </a:solidFill>
                         </a:rPr>
-                        <a:t>먼 적 공격 시 폭발을 일으키며 큰 피해를 준다</a:t>
+                        <a:t>길게 사용할 경우 앞으로 </a:t>
+                      </a:r>
+                      <a:r>
+                        <a:rPr lang="en-US" altLang="ko-KR" sz="1400" b="0" dirty="0">
+                          <a:solidFill>
+                            <a:schemeClr val="tx1"/>
+                          </a:solidFill>
+                        </a:rPr>
+                        <a:t>2m </a:t>
+                      </a:r>
+                      <a:r>
+                        <a:rPr lang="ko-KR" altLang="en-US" sz="1400" b="0" dirty="0">
+                          <a:solidFill>
+                            <a:schemeClr val="tx1"/>
+                          </a:solidFill>
+                        </a:rPr>
+                        <a:t>돌진하여 </a:t>
+                      </a:r>
+                      <a:r>
+                        <a:rPr lang="en-US" altLang="ko-KR" sz="1400" b="0" dirty="0">
+                          <a:solidFill>
+                            <a:schemeClr val="tx1"/>
+                          </a:solidFill>
+                        </a:rPr>
+                        <a:t>(1/2/3/4/5)</a:t>
+                      </a:r>
+                      <a:r>
+                        <a:rPr lang="ko-KR" altLang="en-US" sz="1400" b="0" dirty="0">
+                          <a:solidFill>
+                            <a:schemeClr val="tx1"/>
+                          </a:solidFill>
+                        </a:rPr>
+                        <a:t>의 피해를 준다</a:t>
                       </a:r>
                       <a:r>
                         <a:rPr lang="en-US" altLang="ko-KR" sz="1400" b="0" dirty="0">
@@ -8883,6 +8953,2414 @@
           </a:graphicData>
         </a:graphic>
       </p:graphicFrame>
+      <p:pic>
+        <p:nvPicPr>
+          <p:cNvPr id="7" name="그림 6">
+            <a:extLst>
+              <a:ext uri="{FF2B5EF4-FFF2-40B4-BE49-F238E27FC236}">
+                <a16:creationId xmlns:a16="http://schemas.microsoft.com/office/drawing/2014/main" id="{FD934DCD-4E4E-4F58-AF26-C84CC41A2C51}"/>
+              </a:ext>
+            </a:extLst>
+          </p:cNvPr>
+          <p:cNvPicPr>
+            <a:picLocks noChangeAspect="1"/>
+          </p:cNvPicPr>
+          <p:nvPr/>
+        </p:nvPicPr>
+        <p:blipFill rotWithShape="1">
+          <a:blip r:embed="rId2">
+            <a:extLst>
+              <a:ext uri="{BEBA8EAE-BF5A-486C-A8C5-ECC9F3942E4B}">
+                <a14:imgProps xmlns:a14="http://schemas.microsoft.com/office/drawing/2010/main">
+                  <a14:imgLayer r:embed="rId3">
+                    <a14:imgEffect>
+                      <a14:backgroundRemoval t="9977" b="95708" l="9553" r="89431">
+                        <a14:foregroundMark x1="23374" y1="91647" x2="23374" y2="91647"/>
+                        <a14:foregroundMark x1="31098" y1="92691" x2="31098" y2="92691"/>
+                        <a14:foregroundMark x1="73374" y1="93155" x2="73374" y2="93155"/>
+                        <a14:foregroundMark x1="70528" y1="93852" x2="71361" y2="94134"/>
+                        <a14:foregroundMark x1="23374" y1="35267" x2="23374" y2="35267"/>
+                        <a14:backgroundMark x1="36382" y1="9165" x2="47967" y2="12181"/>
+                        <a14:backgroundMark x1="47967" y1="12181" x2="47764" y2="11253"/>
+                        <a14:backgroundMark x1="36585" y1="11949" x2="36585" y2="11949"/>
+                        <a14:backgroundMark x1="39837" y1="12877" x2="39837" y2="12877"/>
+                        <a14:backgroundMark x1="37805" y1="14617" x2="37805" y2="14617"/>
+                        <a14:backgroundMark x1="39228" y1="13921" x2="39228" y2="13921"/>
+                        <a14:backgroundMark x1="41667" y1="13689" x2="41667" y2="13689"/>
+                        <a14:backgroundMark x1="43902" y1="13457" x2="43902" y2="13457"/>
+                        <a14:backgroundMark x1="51829" y1="10905" x2="51829" y2="10905"/>
+                        <a14:backgroundMark x1="49797" y1="13109" x2="49797" y2="13109"/>
+                        <a14:backgroundMark x1="51626" y1="13341" x2="51626" y2="13341"/>
+                        <a14:backgroundMark x1="43902" y1="13341" x2="43902" y2="13341"/>
+                        <a14:backgroundMark x1="41260" y1="13921" x2="41260" y2="13921"/>
+                        <a14:backgroundMark x1="41260" y1="13805" x2="42276" y2="13805"/>
+                        <a14:backgroundMark x1="40447" y1="13457" x2="44715" y2="14153"/>
+                        <a14:backgroundMark x1="43902" y1="44432" x2="43902" y2="44432"/>
+                        <a14:backgroundMark x1="57520" y1="58237" x2="57520" y2="59629"/>
+                        <a14:backgroundMark x1="71545" y1="81323" x2="77033" y2="90603"/>
+                        <a14:backgroundMark x1="74593" y1="95244" x2="79065" y2="99536"/>
+                        <a14:backgroundMark x1="73374" y1="95012" x2="84350" y2="89327"/>
+                        <a14:backgroundMark x1="36992" y1="87935" x2="51220" y2="80278"/>
+                        <a14:backgroundMark x1="26220" y1="91183" x2="39024" y2="87703"/>
+                        <a14:backgroundMark x1="42073" y1="84687" x2="38618" y2="67633"/>
+                        <a14:backgroundMark x1="61585" y1="59513" x2="70935" y2="74710"/>
+                        <a14:backgroundMark x1="47561" y1="73898" x2="44512" y2="81787"/>
+                        <a14:backgroundMark x1="71545" y1="93852" x2="75000" y2="89791"/>
+                        <a14:backgroundMark x1="74797" y1="95012" x2="75203" y2="91415"/>
+                        <a14:backgroundMark x1="69512" y1="95360" x2="75203" y2="95476"/>
+                        <a14:backgroundMark x1="72561" y1="95128" x2="71748" y2="93271"/>
+                        <a14:backgroundMark x1="64634" y1="23318" x2="77033" y2="41415"/>
+                        <a14:backgroundMark x1="59553" y1="17053" x2="68902" y2="29234"/>
+                        <a14:backgroundMark x1="65854" y1="25290" x2="71545" y2="50464"/>
+                        <a14:backgroundMark x1="67683" y1="39791" x2="66057" y2="58701"/>
+                        <a14:backgroundMark x1="63008" y1="47448" x2="66463" y2="59281"/>
+                        <a14:backgroundMark x1="54472" y1="49536" x2="56301" y2="67285"/>
+                        <a14:backgroundMark x1="32520" y1="53248" x2="44512" y2="72622"/>
+                        <a14:backgroundMark x1="31301" y1="48956" x2="35366" y2="61137"/>
+                        <a14:backgroundMark x1="36179" y1="46520" x2="48577" y2="62413"/>
+                        <a14:backgroundMark x1="44715" y1="32831" x2="51829" y2="49420"/>
+                        <a14:backgroundMark x1="40447" y1="40487" x2="43089" y2="47680"/>
+                        <a14:backgroundMark x1="33740" y1="42807" x2="34553" y2="44084"/>
+                        <a14:backgroundMark x1="32927" y1="43503" x2="32927" y2="43503"/>
+                        <a14:backgroundMark x1="33130" y1="39559" x2="33130" y2="39559"/>
+                        <a14:backgroundMark x1="48374" y1="32715" x2="48374" y2="32715"/>
+                        <a14:backgroundMark x1="55691" y1="36543" x2="55691" y2="36543"/>
+                        <a14:backgroundMark x1="59350" y1="26914" x2="59350" y2="26914"/>
+                        <a14:backgroundMark x1="54268" y1="21578" x2="53252" y2="25058"/>
+                        <a14:backgroundMark x1="55894" y1="15081" x2="56504" y2="17401"/>
+                        <a14:backgroundMark x1="54878" y1="17981" x2="54472" y2="22042"/>
+                        <a14:backgroundMark x1="57114" y1="29930" x2="58740" y2="34223"/>
+                        <a14:backgroundMark x1="48780" y1="27146" x2="49797" y2="33875"/>
+                        <a14:backgroundMark x1="38618" y1="26682" x2="42886" y2="33411"/>
+                        <a14:backgroundMark x1="34553" y1="28074" x2="40244" y2="32715"/>
+                        <a14:backgroundMark x1="33130" y1="32715" x2="40447" y2="37703"/>
+                        <a14:backgroundMark x1="34146" y1="23898" x2="36992" y2="31439"/>
+                        <a14:backgroundMark x1="30081" y1="23318" x2="34146" y2="26566"/>
+                        <a14:backgroundMark x1="37398" y1="19258" x2="45325" y2="22042"/>
+                        <a14:backgroundMark x1="34350" y1="19606" x2="44512" y2="22622"/>
+                        <a14:backgroundMark x1="26423" y1="44780" x2="26423" y2="44780"/>
+                        <a14:backgroundMark x1="28252" y1="42459" x2="28252" y2="42459"/>
+                        <a14:backgroundMark x1="27846" y1="42111" x2="29878" y2="40951"/>
+                      </a14:backgroundRemoval>
+                    </a14:imgEffect>
+                  </a14:imgLayer>
+                </a14:imgProps>
+              </a:ext>
+            </a:extLst>
+          </a:blip>
+          <a:srcRect l="14132" t="29208" r="68482" b="47786"/>
+          <a:stretch/>
+        </p:blipFill>
+        <p:spPr>
+          <a:xfrm rot="2931090">
+            <a:off x="3489018" y="3821960"/>
+            <a:ext cx="257568" cy="453921"/>
+          </a:xfrm>
+          <a:prstGeom prst="rect">
+            <a:avLst/>
+          </a:prstGeom>
+        </p:spPr>
+      </p:pic>
+      <p:pic>
+        <p:nvPicPr>
+          <p:cNvPr id="8" name="그림 7">
+            <a:extLst>
+              <a:ext uri="{FF2B5EF4-FFF2-40B4-BE49-F238E27FC236}">
+                <a16:creationId xmlns:a16="http://schemas.microsoft.com/office/drawing/2014/main" id="{C81A54B6-28EA-43F7-A906-1E3B6DA98E73}"/>
+              </a:ext>
+            </a:extLst>
+          </p:cNvPr>
+          <p:cNvPicPr>
+            <a:picLocks noChangeAspect="1"/>
+          </p:cNvPicPr>
+          <p:nvPr/>
+        </p:nvPicPr>
+        <p:blipFill rotWithShape="1">
+          <a:blip r:embed="rId4">
+            <a:extLst>
+              <a:ext uri="{BEBA8EAE-BF5A-486C-A8C5-ECC9F3942E4B}">
+                <a14:imgProps xmlns:a14="http://schemas.microsoft.com/office/drawing/2010/main">
+                  <a14:imgLayer r:embed="rId3">
+                    <a14:imgEffect>
+                      <a14:backgroundRemoval t="9977" b="95708" l="9553" r="89431">
+                        <a14:foregroundMark x1="23374" y1="91647" x2="23374" y2="91647"/>
+                        <a14:foregroundMark x1="53049" y1="56845" x2="53049" y2="56845"/>
+                        <a14:backgroundMark x1="36382" y1="9165" x2="47967" y2="12181"/>
+                        <a14:backgroundMark x1="47967" y1="12181" x2="47764" y2="11253"/>
+                        <a14:backgroundMark x1="36585" y1="11949" x2="36585" y2="11949"/>
+                        <a14:backgroundMark x1="39837" y1="12877" x2="39837" y2="12877"/>
+                        <a14:backgroundMark x1="37805" y1="14617" x2="37805" y2="14617"/>
+                        <a14:backgroundMark x1="39228" y1="13921" x2="39228" y2="13921"/>
+                        <a14:backgroundMark x1="41667" y1="13689" x2="41667" y2="13689"/>
+                        <a14:backgroundMark x1="43902" y1="13457" x2="43902" y2="13457"/>
+                        <a14:backgroundMark x1="51829" y1="10905" x2="51829" y2="10905"/>
+                        <a14:backgroundMark x1="49797" y1="13109" x2="49797" y2="13109"/>
+                        <a14:backgroundMark x1="51626" y1="13341" x2="51626" y2="13341"/>
+                        <a14:backgroundMark x1="43902" y1="13341" x2="43902" y2="13341"/>
+                        <a14:backgroundMark x1="41260" y1="13921" x2="41260" y2="13921"/>
+                        <a14:backgroundMark x1="41260" y1="13805" x2="42276" y2="13805"/>
+                        <a14:backgroundMark x1="40447" y1="13457" x2="44715" y2="14153"/>
+                        <a14:backgroundMark x1="62602" y1="70766" x2="65244" y2="73666"/>
+                        <a14:backgroundMark x1="57724" y1="70302" x2="74187" y2="84455"/>
+                        <a14:backgroundMark x1="74593" y1="88167" x2="78049" y2="97332"/>
+                        <a14:backgroundMark x1="66870" y1="68677" x2="72764" y2="77146"/>
+                        <a14:backgroundMark x1="37805" y1="56497" x2="37398" y2="78190"/>
+                        <a14:backgroundMark x1="39431" y1="72506" x2="46545" y2="88515"/>
+                        <a14:backgroundMark x1="33537" y1="83875" x2="34350" y2="94896"/>
+                        <a14:backgroundMark x1="26626" y1="90487" x2="40447" y2="88979"/>
+                        <a14:backgroundMark x1="46138" y1="75870" x2="48577" y2="82251"/>
+                        <a14:backgroundMark x1="70935" y1="94084" x2="77439" y2="97216"/>
+                        <a14:backgroundMark x1="71138" y1="93852" x2="74390" y2="96056"/>
+                        <a14:backgroundMark x1="70732" y1="94664" x2="70732" y2="94664"/>
+                        <a14:backgroundMark x1="70732" y1="93852" x2="70732" y2="93852"/>
+                        <a14:backgroundMark x1="69512" y1="93968" x2="69919" y2="94084"/>
+                        <a14:backgroundMark x1="70528" y1="93968" x2="70528" y2="93968"/>
+                        <a14:backgroundMark x1="23780" y1="91879" x2="23780" y2="91879"/>
+                        <a14:backgroundMark x1="23374" y1="91763" x2="23374" y2="91067"/>
+                        <a14:backgroundMark x1="43293" y1="30510" x2="55894" y2="28306"/>
+                        <a14:backgroundMark x1="41260" y1="39095" x2="67886" y2="26334"/>
+                        <a14:backgroundMark x1="32927" y1="41879" x2="78862" y2="28886"/>
+                        <a14:backgroundMark x1="71341" y1="35499" x2="73171" y2="49420"/>
+                        <a14:backgroundMark x1="68293" y1="49072" x2="74187" y2="53016"/>
+                        <a14:backgroundMark x1="27033" y1="43735" x2="22764" y2="56032"/>
+                        <a14:backgroundMark x1="33537" y1="48840" x2="35976" y2="63805"/>
+                        <a14:backgroundMark x1="18496" y1="34803" x2="20732" y2="51972"/>
+                        <a14:backgroundMark x1="36382" y1="22622" x2="39837" y2="37239"/>
+                        <a14:backgroundMark x1="38211" y1="40255" x2="37398" y2="54408"/>
+                        <a14:backgroundMark x1="31098" y1="24246" x2="34350" y2="42575"/>
+                        <a14:backgroundMark x1="40447" y1="55916" x2="41870" y2="59513"/>
+                        <a14:backgroundMark x1="41463" y1="57773" x2="45935" y2="63341"/>
+                        <a14:backgroundMark x1="38618" y1="49420" x2="41057" y2="56497"/>
+                        <a14:backgroundMark x1="41870" y1="52204" x2="42276" y2="55336"/>
+                        <a14:backgroundMark x1="39837" y1="48724" x2="39837" y2="48724"/>
+                        <a14:backgroundMark x1="40447" y1="49304" x2="40447" y2="49304"/>
+                        <a14:backgroundMark x1="41260" y1="48260" x2="41260" y2="48260"/>
+                        <a14:backgroundMark x1="41667" y1="47680" x2="41667" y2="47680"/>
+                        <a14:backgroundMark x1="42480" y1="46404" x2="42480" y2="46404"/>
+                        <a14:backgroundMark x1="46138" y1="40023" x2="46138" y2="40023"/>
+                        <a14:backgroundMark x1="41870" y1="42227" x2="41870" y2="42227"/>
+                        <a14:backgroundMark x1="50203" y1="40139" x2="50203" y2="40139"/>
+                        <a14:backgroundMark x1="48780" y1="44548" x2="54472" y2="42691"/>
+                        <a14:backgroundMark x1="42480" y1="27610" x2="56911" y2="26798"/>
+                        <a14:backgroundMark x1="43293" y1="22158" x2="70935" y2="15661"/>
+                        <a14:backgroundMark x1="43902" y1="42111" x2="43293" y2="41763"/>
+                        <a14:backgroundMark x1="44715" y1="42111" x2="44715" y2="42111"/>
+                      </a14:backgroundRemoval>
+                    </a14:imgEffect>
+                  </a14:imgLayer>
+                </a14:imgProps>
+              </a:ext>
+            </a:extLst>
+          </a:blip>
+          <a:srcRect l="45196" t="40658" r="31082" b="33580"/>
+          <a:stretch/>
+        </p:blipFill>
+        <p:spPr>
+          <a:xfrm rot="20594144">
+            <a:off x="4173839" y="4228552"/>
+            <a:ext cx="351424" cy="508281"/>
+          </a:xfrm>
+          <a:prstGeom prst="rect">
+            <a:avLst/>
+          </a:prstGeom>
+        </p:spPr>
+      </p:pic>
+      <p:pic>
+        <p:nvPicPr>
+          <p:cNvPr id="9" name="그림 8">
+            <a:extLst>
+              <a:ext uri="{FF2B5EF4-FFF2-40B4-BE49-F238E27FC236}">
+                <a16:creationId xmlns:a16="http://schemas.microsoft.com/office/drawing/2014/main" id="{6C903257-A52A-46B0-ADBF-E80DA0DA505A}"/>
+              </a:ext>
+            </a:extLst>
+          </p:cNvPr>
+          <p:cNvPicPr>
+            <a:picLocks noChangeAspect="1"/>
+          </p:cNvPicPr>
+          <p:nvPr/>
+        </p:nvPicPr>
+        <p:blipFill rotWithShape="1">
+          <a:blip r:embed="rId5">
+            <a:extLst>
+              <a:ext uri="{BEBA8EAE-BF5A-486C-A8C5-ECC9F3942E4B}">
+                <a14:imgProps xmlns:a14="http://schemas.microsoft.com/office/drawing/2010/main">
+                  <a14:imgLayer r:embed="rId3">
+                    <a14:imgEffect>
+                      <a14:backgroundRemoval t="9977" b="95708" l="9553" r="89431">
+                        <a14:foregroundMark x1="23374" y1="91647" x2="23374" y2="91647"/>
+                        <a14:foregroundMark x1="31098" y1="92691" x2="31098" y2="92691"/>
+                        <a14:foregroundMark x1="33390" y1="50116" x2="42480" y2="60325"/>
+                        <a14:foregroundMark x1="31841" y1="48376" x2="33390" y2="50116"/>
+                        <a14:foregroundMark x1="29878" y1="46172" x2="31841" y2="48376"/>
+                        <a14:foregroundMark x1="31925" y1="48376" x2="30285" y2="46520"/>
+                        <a14:foregroundMark x1="33462" y1="50116" x2="31925" y2="48376"/>
+                        <a14:foregroundMark x1="42480" y1="60325" x2="33462" y2="50116"/>
+                        <a14:foregroundMark x1="30285" y1="46520" x2="29268" y2="48260"/>
+                        <a14:backgroundMark x1="36382" y1="9165" x2="47967" y2="12181"/>
+                        <a14:backgroundMark x1="47967" y1="12181" x2="47764" y2="11253"/>
+                        <a14:backgroundMark x1="36585" y1="11949" x2="36585" y2="11949"/>
+                        <a14:backgroundMark x1="39837" y1="12877" x2="39837" y2="12877"/>
+                        <a14:backgroundMark x1="37805" y1="14617" x2="37805" y2="14617"/>
+                        <a14:backgroundMark x1="39228" y1="13921" x2="39228" y2="13921"/>
+                        <a14:backgroundMark x1="41667" y1="13689" x2="41667" y2="13689"/>
+                        <a14:backgroundMark x1="43902" y1="13457" x2="43902" y2="13457"/>
+                        <a14:backgroundMark x1="51829" y1="10905" x2="51829" y2="10905"/>
+                        <a14:backgroundMark x1="49797" y1="13109" x2="49797" y2="13109"/>
+                        <a14:backgroundMark x1="51626" y1="13341" x2="51626" y2="13341"/>
+                        <a14:backgroundMark x1="43902" y1="13341" x2="43902" y2="13341"/>
+                        <a14:backgroundMark x1="41260" y1="13921" x2="41260" y2="13921"/>
+                        <a14:backgroundMark x1="41260" y1="13805" x2="42276" y2="13805"/>
+                        <a14:backgroundMark x1="40447" y1="13457" x2="44715" y2="14153"/>
+                        <a14:backgroundMark x1="49390" y1="26914" x2="49390" y2="26914"/>
+                        <a14:backgroundMark x1="38008" y1="27262" x2="38008" y2="27262"/>
+                        <a14:backgroundMark x1="21545" y1="43387" x2="35772" y2="33875"/>
+                        <a14:backgroundMark x1="36789" y1="43039" x2="65244" y2="36659"/>
+                        <a14:backgroundMark x1="37398" y1="74826" x2="37195" y2="87703"/>
+                        <a14:backgroundMark x1="37805" y1="70186" x2="41667" y2="80742"/>
+                        <a14:backgroundMark x1="36585" y1="64965" x2="43902" y2="73550"/>
+                        <a14:backgroundMark x1="52033" y1="48376" x2="61585" y2="69722"/>
+                        <a14:backgroundMark x1="67683" y1="71462" x2="72967" y2="95244"/>
+                        <a14:backgroundMark x1="26626" y1="91415" x2="33130" y2="88863"/>
+                        <a14:backgroundMark x1="45122" y1="76682" x2="51829" y2="81555"/>
+                        <a14:backgroundMark x1="75000" y1="93039" x2="78659" y2="99652"/>
+                        <a14:backgroundMark x1="70935" y1="96288" x2="82317" y2="97448"/>
+                        <a14:backgroundMark x1="46951" y1="75290" x2="46951" y2="76102"/>
+                        <a14:backgroundMark x1="44919" y1="76566" x2="56098" y2="74478"/>
+                        <a14:backgroundMark x1="62398" y1="24246" x2="78659" y2="28654"/>
+                        <a14:backgroundMark x1="46951" y1="18910" x2="68699" y2="33295"/>
+                        <a14:backgroundMark x1="72764" y1="37123" x2="71748" y2="48608"/>
+                        <a14:backgroundMark x1="67073" y1="43735" x2="72358" y2="56845"/>
+                        <a14:backgroundMark x1="63821" y1="49420" x2="68699" y2="56613"/>
+                        <a14:backgroundMark x1="35366" y1="22854" x2="44715" y2="39443"/>
+                        <a14:backgroundMark x1="42276" y1="43619" x2="50407" y2="59513"/>
+                        <a14:backgroundMark x1="50407" y1="59513" x2="59350" y2="42923"/>
+                        <a14:backgroundMark x1="59350" y1="42923" x2="58537" y2="40719"/>
+                        <a14:backgroundMark x1="44919" y1="24478" x2="45528" y2="24710"/>
+                        <a14:backgroundMark x1="45528" y1="52552" x2="50203" y2="59049"/>
+                        <a14:backgroundMark x1="45122" y1="52668" x2="46341" y2="57425"/>
+                        <a14:backgroundMark x1="35976" y1="44200" x2="41870" y2="50116"/>
+                        <a14:backgroundMark x1="29268" y1="22042" x2="53659" y2="15197"/>
+                        <a14:backgroundMark x1="52439" y1="27958" x2="61585" y2="34223"/>
+                        <a14:backgroundMark x1="30894" y1="43039" x2="30894" y2="43039"/>
+                        <a14:backgroundMark x1="38821" y1="49884" x2="38821" y2="49884"/>
+                        <a14:backgroundMark x1="36789" y1="50116" x2="36789" y2="50116"/>
+                        <a14:backgroundMark x1="35366" y1="48376" x2="35366" y2="48376"/>
+                        <a14:backgroundMark x1="35366" y1="46984" x2="35366" y2="46984"/>
+                        <a14:backgroundMark x1="33943" y1="45824" x2="33943" y2="45824"/>
+                      </a14:backgroundRemoval>
+                    </a14:imgEffect>
+                  </a14:imgLayer>
+                </a14:imgProps>
+              </a:ext>
+            </a:extLst>
+          </a:blip>
+          <a:srcRect l="21570" t="43097" r="52875" b="34379"/>
+          <a:stretch/>
+        </p:blipFill>
+        <p:spPr>
+          <a:xfrm rot="1898142">
+            <a:off x="3827455" y="4055240"/>
+            <a:ext cx="287789" cy="698034"/>
+          </a:xfrm>
+          <a:prstGeom prst="rect">
+            <a:avLst/>
+          </a:prstGeom>
+        </p:spPr>
+      </p:pic>
+      <p:pic>
+        <p:nvPicPr>
+          <p:cNvPr id="10" name="그림 9">
+            <a:extLst>
+              <a:ext uri="{FF2B5EF4-FFF2-40B4-BE49-F238E27FC236}">
+                <a16:creationId xmlns:a16="http://schemas.microsoft.com/office/drawing/2014/main" id="{304F8410-A2F0-4442-93C7-C83F445E4DD5}"/>
+              </a:ext>
+            </a:extLst>
+          </p:cNvPr>
+          <p:cNvPicPr>
+            <a:picLocks noChangeAspect="1"/>
+          </p:cNvPicPr>
+          <p:nvPr/>
+        </p:nvPicPr>
+        <p:blipFill rotWithShape="1">
+          <a:blip r:embed="rId6">
+            <a:extLst>
+              <a:ext uri="{BEBA8EAE-BF5A-486C-A8C5-ECC9F3942E4B}">
+                <a14:imgProps xmlns:a14="http://schemas.microsoft.com/office/drawing/2010/main">
+                  <a14:imgLayer r:embed="rId3">
+                    <a14:imgEffect>
+                      <a14:backgroundRemoval t="9977" b="95708" l="9553" r="89431">
+                        <a14:foregroundMark x1="28659" y1="89675" x2="28193" y2="90141"/>
+                        <a14:foregroundMark x1="45528" y1="76102" x2="45528" y2="76102"/>
+                        <a14:foregroundMark x1="47358" y1="75638" x2="47358" y2="75638"/>
+                        <a14:foregroundMark x1="47154" y1="77030" x2="47154" y2="77030"/>
+                        <a14:foregroundMark x1="23374" y1="91647" x2="23374" y2="91647"/>
+                        <a14:foregroundMark x1="31098" y1="92691" x2="31098" y2="92691"/>
+                        <a14:foregroundMark x1="75640" y1="95581" x2="76016" y2="95708"/>
+                        <a14:foregroundMark x1="58333" y1="18794" x2="58333" y2="18794"/>
+                        <a14:foregroundMark x1="64024" y1="27494" x2="64024" y2="27494"/>
+                        <a14:foregroundMark x1="68293" y1="32715" x2="68293" y2="32715"/>
+                        <a14:backgroundMark x1="36382" y1="9165" x2="47967" y2="12181"/>
+                        <a14:backgroundMark x1="47967" y1="12181" x2="47764" y2="11253"/>
+                        <a14:backgroundMark x1="36585" y1="11949" x2="36585" y2="11949"/>
+                        <a14:backgroundMark x1="39837" y1="12877" x2="39837" y2="12877"/>
+                        <a14:backgroundMark x1="37805" y1="14617" x2="37805" y2="14617"/>
+                        <a14:backgroundMark x1="39228" y1="13921" x2="39228" y2="13921"/>
+                        <a14:backgroundMark x1="41667" y1="13689" x2="41667" y2="13689"/>
+                        <a14:backgroundMark x1="43902" y1="13457" x2="43902" y2="13457"/>
+                        <a14:backgroundMark x1="51829" y1="10905" x2="51829" y2="10905"/>
+                        <a14:backgroundMark x1="49797" y1="13109" x2="49797" y2="13109"/>
+                        <a14:backgroundMark x1="51626" y1="13341" x2="51626" y2="13341"/>
+                        <a14:backgroundMark x1="43902" y1="13341" x2="43902" y2="13341"/>
+                        <a14:backgroundMark x1="41260" y1="13921" x2="41260" y2="13921"/>
+                        <a14:backgroundMark x1="41260" y1="13805" x2="42276" y2="13805"/>
+                        <a14:backgroundMark x1="40447" y1="13457" x2="44715" y2="14153"/>
+                        <a14:backgroundMark x1="69512" y1="41647" x2="75407" y2="42459"/>
+                        <a14:backgroundMark x1="72764" y1="35847" x2="70325" y2="43735"/>
+                        <a14:backgroundMark x1="69512" y1="39907" x2="77642" y2="44200"/>
+                        <a14:backgroundMark x1="68902" y1="46172" x2="75407" y2="52784"/>
+                        <a14:backgroundMark x1="65447" y1="46520" x2="67276" y2="54756"/>
+                        <a14:backgroundMark x1="60976" y1="46404" x2="70732" y2="59861"/>
+                        <a14:backgroundMark x1="53862" y1="62297" x2="75407" y2="85383"/>
+                        <a14:backgroundMark x1="70732" y1="76682" x2="81098" y2="96752"/>
+                        <a14:backgroundMark x1="43089" y1="82019" x2="44512" y2="82599"/>
+                        <a14:backgroundMark x1="74593" y1="93852" x2="74593" y2="93852"/>
+                        <a14:backgroundMark x1="70122" y1="93852" x2="75203" y2="95824"/>
+                        <a14:backgroundMark x1="77642" y1="96172" x2="77439" y2="98724"/>
+                        <a14:backgroundMark x1="38211" y1="58585" x2="38211" y2="58585"/>
+                        <a14:backgroundMark x1="34350" y1="44548" x2="34350" y2="44548"/>
+                        <a14:backgroundMark x1="41260" y1="19838" x2="41260" y2="19838"/>
+                        <a14:backgroundMark x1="32114" y1="22390" x2="56301" y2="12877"/>
+                        <a14:backgroundMark x1="54268" y1="15429" x2="19309" y2="29582"/>
+                        <a14:backgroundMark x1="47764" y1="16589" x2="46545" y2="39211"/>
+                        <a14:backgroundMark x1="20732" y1="30742" x2="38211" y2="62761"/>
+                        <a14:backgroundMark x1="31911" y1="53248" x2="46545" y2="87239"/>
+                        <a14:backgroundMark x1="56504" y1="57193" x2="80285" y2="87471"/>
+                        <a14:backgroundMark x1="39634" y1="76682" x2="43293" y2="98724"/>
+                        <a14:backgroundMark x1="30285" y1="89095" x2="42480" y2="94896"/>
+                        <a14:backgroundMark x1="26626" y1="90835" x2="28862" y2="93155"/>
+                        <a14:backgroundMark x1="31098" y1="92807" x2="31098" y2="92807"/>
+                        <a14:backgroundMark x1="27846" y1="90139" x2="27846" y2="90139"/>
+                        <a14:backgroundMark x1="29675" y1="92111" x2="29675" y2="92111"/>
+                        <a14:backgroundMark x1="50610" y1="69606" x2="50610" y2="69606"/>
+                        <a14:backgroundMark x1="46138" y1="71694" x2="46138" y2="71694"/>
+                        <a14:backgroundMark x1="44512" y1="68213" x2="44512" y2="68213"/>
+                        <a14:backgroundMark x1="42480" y1="57541" x2="42480" y2="57541"/>
+                        <a14:backgroundMark x1="36992" y1="50116" x2="36992" y2="50116"/>
+                        <a14:backgroundMark x1="38415" y1="47796" x2="52236" y2="56729"/>
+                        <a14:backgroundMark x1="42683" y1="45708" x2="55488" y2="60209"/>
+                        <a14:backgroundMark x1="46138" y1="33179" x2="58130" y2="48144"/>
+                        <a14:backgroundMark x1="31911" y1="29002" x2="53252" y2="51508"/>
+                        <a14:backgroundMark x1="57114" y1="25754" x2="57114" y2="25754"/>
+                        <a14:backgroundMark x1="55081" y1="25290" x2="57724" y2="29002"/>
+                        <a14:backgroundMark x1="49797" y1="19142" x2="52439" y2="20882"/>
+                        <a14:backgroundMark x1="57114" y1="26798" x2="59756" y2="29930"/>
+                      </a14:backgroundRemoval>
+                    </a14:imgEffect>
+                  </a14:imgLayer>
+                </a14:imgProps>
+              </a:ext>
+            </a:extLst>
+          </a:blip>
+          <a:srcRect l="48573" t="12500" r="22742" b="63222"/>
+          <a:stretch/>
+        </p:blipFill>
+        <p:spPr>
+          <a:xfrm rot="753889" flipH="1">
+            <a:off x="3650232" y="3664463"/>
+            <a:ext cx="426316" cy="479008"/>
+          </a:xfrm>
+          <a:prstGeom prst="rect">
+            <a:avLst/>
+          </a:prstGeom>
+        </p:spPr>
+      </p:pic>
+      <p:pic>
+        <p:nvPicPr>
+          <p:cNvPr id="11" name="그림 10" descr="무기, 밤이(가) 표시된 사진&#10;&#10;자동 생성된 설명">
+            <a:extLst>
+              <a:ext uri="{FF2B5EF4-FFF2-40B4-BE49-F238E27FC236}">
+                <a16:creationId xmlns:a16="http://schemas.microsoft.com/office/drawing/2014/main" id="{0FF2A7F3-C0D2-4AB9-8742-E16297C1CF56}"/>
+              </a:ext>
+            </a:extLst>
+          </p:cNvPr>
+          <p:cNvPicPr>
+            <a:picLocks noChangeAspect="1"/>
+          </p:cNvPicPr>
+          <p:nvPr/>
+        </p:nvPicPr>
+        <p:blipFill rotWithShape="1">
+          <a:blip r:embed="rId7" cstate="print">
+            <a:extLst>
+              <a:ext uri="{28A0092B-C50C-407E-A947-70E740481C1C}">
+                <a14:useLocalDpi xmlns:a14="http://schemas.microsoft.com/office/drawing/2010/main" val="0"/>
+              </a:ext>
+            </a:extLst>
+          </a:blip>
+          <a:srcRect/>
+          <a:stretch/>
+        </p:blipFill>
+        <p:spPr>
+          <a:xfrm rot="21402830">
+            <a:off x="1725571" y="3985768"/>
+            <a:ext cx="3273172" cy="237366"/>
+          </a:xfrm>
+          <a:prstGeom prst="rect">
+            <a:avLst/>
+          </a:prstGeom>
+        </p:spPr>
+      </p:pic>
+      <p:pic>
+        <p:nvPicPr>
+          <p:cNvPr id="12" name="그림 11">
+            <a:extLst>
+              <a:ext uri="{FF2B5EF4-FFF2-40B4-BE49-F238E27FC236}">
+                <a16:creationId xmlns:a16="http://schemas.microsoft.com/office/drawing/2014/main" id="{A93E8AD0-58D8-4EFE-87AB-A79341BA1CC3}"/>
+              </a:ext>
+            </a:extLst>
+          </p:cNvPr>
+          <p:cNvPicPr>
+            <a:picLocks noChangeAspect="1"/>
+          </p:cNvPicPr>
+          <p:nvPr/>
+        </p:nvPicPr>
+        <p:blipFill>
+          <a:blip r:embed="rId8">
+            <a:extLst>
+              <a:ext uri="{BEBA8EAE-BF5A-486C-A8C5-ECC9F3942E4B}">
+                <a14:imgProps xmlns:a14="http://schemas.microsoft.com/office/drawing/2010/main">
+                  <a14:imgLayer r:embed="rId9">
+                    <a14:imgEffect>
+                      <a14:backgroundRemoval t="10000" b="90000" l="10000" r="90000"/>
+                    </a14:imgEffect>
+                  </a14:imgLayer>
+                </a14:imgProps>
+              </a:ext>
+            </a:extLst>
+          </a:blip>
+          <a:stretch>
+            <a:fillRect/>
+          </a:stretch>
+        </p:blipFill>
+        <p:spPr>
+          <a:xfrm flipH="1">
+            <a:off x="3918710" y="3478843"/>
+            <a:ext cx="468991" cy="354290"/>
+          </a:xfrm>
+          <a:prstGeom prst="rect">
+            <a:avLst/>
+          </a:prstGeom>
+        </p:spPr>
+      </p:pic>
+      <p:pic>
+        <p:nvPicPr>
+          <p:cNvPr id="13" name="그림 12">
+            <a:extLst>
+              <a:ext uri="{FF2B5EF4-FFF2-40B4-BE49-F238E27FC236}">
+                <a16:creationId xmlns:a16="http://schemas.microsoft.com/office/drawing/2014/main" id="{C977D8BC-9978-42D8-9429-5ECF69D0BB99}"/>
+              </a:ext>
+            </a:extLst>
+          </p:cNvPr>
+          <p:cNvPicPr>
+            <a:picLocks noChangeAspect="1"/>
+          </p:cNvPicPr>
+          <p:nvPr/>
+        </p:nvPicPr>
+        <p:blipFill rotWithShape="1">
+          <a:blip r:embed="rId10">
+            <a:extLst>
+              <a:ext uri="{BEBA8EAE-BF5A-486C-A8C5-ECC9F3942E4B}">
+                <a14:imgProps xmlns:a14="http://schemas.microsoft.com/office/drawing/2010/main">
+                  <a14:imgLayer r:embed="rId3">
+                    <a14:imgEffect>
+                      <a14:backgroundRemoval t="9977" b="95708" l="9553" r="89431">
+                        <a14:foregroundMark x1="43293" y1="77262" x2="43293" y2="77262"/>
+                        <a14:foregroundMark x1="45528" y1="76102" x2="45528" y2="76102"/>
+                        <a14:foregroundMark x1="47358" y1="75638" x2="47358" y2="75638"/>
+                        <a14:foregroundMark x1="47154" y1="77030" x2="47154" y2="77030"/>
+                        <a14:foregroundMark x1="45122" y1="77842" x2="45122" y2="77842"/>
+                        <a14:foregroundMark x1="23374" y1="91647" x2="23374" y2="91647"/>
+                        <a14:backgroundMark x1="36382" y1="9165" x2="47967" y2="12181"/>
+                        <a14:backgroundMark x1="47967" y1="12181" x2="47764" y2="11253"/>
+                        <a14:backgroundMark x1="36585" y1="11949" x2="36585" y2="11949"/>
+                        <a14:backgroundMark x1="39837" y1="12877" x2="39837" y2="12877"/>
+                        <a14:backgroundMark x1="37805" y1="14617" x2="37805" y2="14617"/>
+                        <a14:backgroundMark x1="39228" y1="13921" x2="39228" y2="13921"/>
+                        <a14:backgroundMark x1="41667" y1="13689" x2="41667" y2="13689"/>
+                        <a14:backgroundMark x1="43902" y1="13457" x2="43902" y2="13457"/>
+                        <a14:backgroundMark x1="51829" y1="10905" x2="51829" y2="10905"/>
+                        <a14:backgroundMark x1="49797" y1="13109" x2="49797" y2="13109"/>
+                        <a14:backgroundMark x1="51626" y1="13341" x2="51626" y2="13341"/>
+                        <a14:backgroundMark x1="43902" y1="13341" x2="43902" y2="13341"/>
+                        <a14:backgroundMark x1="41260" y1="13921" x2="41260" y2="13921"/>
+                        <a14:backgroundMark x1="41260" y1="13805" x2="42276" y2="13805"/>
+                        <a14:backgroundMark x1="40447" y1="13457" x2="44715" y2="14153"/>
+                        <a14:backgroundMark x1="29675" y1="24710" x2="68496" y2="21346"/>
+                        <a14:backgroundMark x1="35976" y1="20766" x2="69919" y2="19374"/>
+                        <a14:backgroundMark x1="49797" y1="43155" x2="49797" y2="43155"/>
+                        <a14:backgroundMark x1="38821" y1="46984" x2="46341" y2="49420"/>
+                        <a14:backgroundMark x1="38415" y1="50232" x2="46341" y2="55104"/>
+                        <a14:backgroundMark x1="41870" y1="53364" x2="46951" y2="58469"/>
+                        <a14:backgroundMark x1="29472" y1="47680" x2="49593" y2="51044"/>
+                        <a14:backgroundMark x1="53252" y1="42923" x2="66260" y2="55568"/>
+                        <a14:backgroundMark x1="64024" y1="69954" x2="74797" y2="86311"/>
+                        <a14:backgroundMark x1="78659" y1="81323" x2="79268" y2="91299"/>
+                        <a14:backgroundMark x1="73374" y1="91763" x2="75407" y2="99072"/>
+                        <a14:backgroundMark x1="21138" y1="46172" x2="31504" y2="26914"/>
+                        <a14:backgroundMark x1="29268" y1="88863" x2="29268" y2="88863"/>
+                        <a14:backgroundMark x1="31707" y1="86891" x2="36992" y2="89211"/>
+                        <a14:backgroundMark x1="30285" y1="90951" x2="26016" y2="90835"/>
+                        <a14:backgroundMark x1="27846" y1="92227" x2="31911" y2="94780"/>
+                      </a14:backgroundRemoval>
+                    </a14:imgEffect>
+                  </a14:imgLayer>
+                </a14:imgProps>
+              </a:ext>
+            </a:extLst>
+          </a:blip>
+          <a:srcRect l="20623" t="54926" r="46022" b="11004"/>
+          <a:stretch/>
+        </p:blipFill>
+        <p:spPr>
+          <a:xfrm rot="21348979">
+            <a:off x="3745815" y="4416781"/>
+            <a:ext cx="375635" cy="884270"/>
+          </a:xfrm>
+          <a:prstGeom prst="rect">
+            <a:avLst/>
+          </a:prstGeom>
+        </p:spPr>
+      </p:pic>
+      <p:pic>
+        <p:nvPicPr>
+          <p:cNvPr id="14" name="그림 13">
+            <a:extLst>
+              <a:ext uri="{FF2B5EF4-FFF2-40B4-BE49-F238E27FC236}">
+                <a16:creationId xmlns:a16="http://schemas.microsoft.com/office/drawing/2014/main" id="{B0D6A9EC-8BFC-45ED-AA09-06972845777C}"/>
+              </a:ext>
+            </a:extLst>
+          </p:cNvPr>
+          <p:cNvPicPr>
+            <a:picLocks noChangeAspect="1"/>
+          </p:cNvPicPr>
+          <p:nvPr/>
+        </p:nvPicPr>
+        <p:blipFill rotWithShape="1">
+          <a:blip r:embed="rId11">
+            <a:extLst>
+              <a:ext uri="{BEBA8EAE-BF5A-486C-A8C5-ECC9F3942E4B}">
+                <a14:imgProps xmlns:a14="http://schemas.microsoft.com/office/drawing/2010/main">
+                  <a14:imgLayer r:embed="rId3">
+                    <a14:imgEffect>
+                      <a14:backgroundRemoval t="9977" b="95708" l="9553" r="89431">
+                        <a14:foregroundMark x1="28659" y1="89675" x2="27846" y2="90487"/>
+                        <a14:foregroundMark x1="23374" y1="91647" x2="23374" y2="91647"/>
+                        <a14:foregroundMark x1="31098" y1="92691" x2="31098" y2="92691"/>
+                        <a14:foregroundMark x1="31911" y1="86543" x2="31911" y2="86543"/>
+                        <a14:backgroundMark x1="36382" y1="9165" x2="47967" y2="12181"/>
+                        <a14:backgroundMark x1="47967" y1="12181" x2="47764" y2="11253"/>
+                        <a14:backgroundMark x1="36585" y1="11949" x2="36585" y2="11949"/>
+                        <a14:backgroundMark x1="39837" y1="12877" x2="39837" y2="12877"/>
+                        <a14:backgroundMark x1="37805" y1="14617" x2="37805" y2="14617"/>
+                        <a14:backgroundMark x1="39228" y1="13921" x2="39228" y2="13921"/>
+                        <a14:backgroundMark x1="41667" y1="13689" x2="41667" y2="13689"/>
+                        <a14:backgroundMark x1="43902" y1="13457" x2="43902" y2="13457"/>
+                        <a14:backgroundMark x1="51829" y1="10905" x2="51829" y2="10905"/>
+                        <a14:backgroundMark x1="49797" y1="13109" x2="49797" y2="13109"/>
+                        <a14:backgroundMark x1="51626" y1="13341" x2="51626" y2="13341"/>
+                        <a14:backgroundMark x1="43902" y1="13341" x2="43902" y2="13341"/>
+                        <a14:backgroundMark x1="41260" y1="13921" x2="41260" y2="13921"/>
+                        <a14:backgroundMark x1="41260" y1="13805" x2="42276" y2="13805"/>
+                        <a14:backgroundMark x1="40447" y1="13457" x2="44715" y2="14153"/>
+                        <a14:backgroundMark x1="29675" y1="24710" x2="68496" y2="21346"/>
+                        <a14:backgroundMark x1="35976" y1="20766" x2="69919" y2="19374"/>
+                        <a14:backgroundMark x1="49797" y1="43155" x2="49797" y2="43155"/>
+                        <a14:backgroundMark x1="38821" y1="46984" x2="46341" y2="49420"/>
+                        <a14:backgroundMark x1="38415" y1="50232" x2="46341" y2="55104"/>
+                        <a14:backgroundMark x1="41870" y1="53364" x2="46951" y2="58469"/>
+                        <a14:backgroundMark x1="29472" y1="47680" x2="49593" y2="51044"/>
+                        <a14:backgroundMark x1="53252" y1="42923" x2="66260" y2="55568"/>
+                        <a14:backgroundMark x1="64024" y1="69954" x2="74797" y2="86311"/>
+                        <a14:backgroundMark x1="78659" y1="81323" x2="79268" y2="91299"/>
+                        <a14:backgroundMark x1="73374" y1="91763" x2="75407" y2="99072"/>
+                        <a14:backgroundMark x1="21138" y1="46172" x2="31504" y2="26914"/>
+                        <a14:backgroundMark x1="35163" y1="82831" x2="33333" y2="67749"/>
+                        <a14:backgroundMark x1="33333" y1="67749" x2="42276" y2="84455"/>
+                        <a14:backgroundMark x1="42276" y1="84455" x2="44919" y2="85383"/>
+                        <a14:backgroundMark x1="40244" y1="84571" x2="46341" y2="88051"/>
+                        <a14:backgroundMark x1="41667" y1="85731" x2="45732" y2="89095"/>
+                        <a14:backgroundMark x1="45122" y1="76682" x2="47764" y2="80974"/>
+                        <a14:backgroundMark x1="33943" y1="61833" x2="41260" y2="71578"/>
+                        <a14:backgroundMark x1="44715" y1="30046" x2="47561" y2="40371"/>
+                        <a14:backgroundMark x1="41260" y1="68677" x2="46951" y2="79582"/>
+                      </a14:backgroundRemoval>
+                    </a14:imgEffect>
+                  </a14:imgLayer>
+                </a14:imgProps>
+              </a:ext>
+            </a:extLst>
+          </a:blip>
+          <a:srcRect l="20623" t="81403" r="53405" b="6117"/>
+          <a:stretch/>
+        </p:blipFill>
+        <p:spPr>
+          <a:xfrm rot="152166">
+            <a:off x="3727065" y="5085439"/>
+            <a:ext cx="384783" cy="246232"/>
+          </a:xfrm>
+          <a:prstGeom prst="rect">
+            <a:avLst/>
+          </a:prstGeom>
+        </p:spPr>
+      </p:pic>
+      <p:pic>
+        <p:nvPicPr>
+          <p:cNvPr id="15" name="그림 14">
+            <a:extLst>
+              <a:ext uri="{FF2B5EF4-FFF2-40B4-BE49-F238E27FC236}">
+                <a16:creationId xmlns:a16="http://schemas.microsoft.com/office/drawing/2014/main" id="{10350CE8-0786-46F0-9517-59BD036FD3D7}"/>
+              </a:ext>
+            </a:extLst>
+          </p:cNvPr>
+          <p:cNvPicPr>
+            <a:picLocks noChangeAspect="1"/>
+          </p:cNvPicPr>
+          <p:nvPr/>
+        </p:nvPicPr>
+        <p:blipFill rotWithShape="1">
+          <a:blip r:embed="rId12">
+            <a:extLst>
+              <a:ext uri="{BEBA8EAE-BF5A-486C-A8C5-ECC9F3942E4B}">
+                <a14:imgProps xmlns:a14="http://schemas.microsoft.com/office/drawing/2010/main">
+                  <a14:imgLayer r:embed="rId3">
+                    <a14:imgEffect>
+                      <a14:backgroundRemoval t="9977" b="95708" l="9553" r="89431">
+                        <a14:foregroundMark x1="23374" y1="91647" x2="23374" y2="91647"/>
+                        <a14:foregroundMark x1="73374" y1="93155" x2="73374" y2="93155"/>
+                        <a14:foregroundMark x1="70528" y1="93852" x2="76016" y2="95708"/>
+                        <a14:backgroundMark x1="36382" y1="9165" x2="47967" y2="12181"/>
+                        <a14:backgroundMark x1="47967" y1="12181" x2="47764" y2="11253"/>
+                        <a14:backgroundMark x1="36585" y1="11949" x2="36585" y2="11949"/>
+                        <a14:backgroundMark x1="39837" y1="12877" x2="39837" y2="12877"/>
+                        <a14:backgroundMark x1="37805" y1="14617" x2="37805" y2="14617"/>
+                        <a14:backgroundMark x1="39228" y1="13921" x2="39228" y2="13921"/>
+                        <a14:backgroundMark x1="41667" y1="13689" x2="41667" y2="13689"/>
+                        <a14:backgroundMark x1="43902" y1="13457" x2="43902" y2="13457"/>
+                        <a14:backgroundMark x1="51829" y1="10905" x2="51829" y2="10905"/>
+                        <a14:backgroundMark x1="49797" y1="13109" x2="49797" y2="13109"/>
+                        <a14:backgroundMark x1="51626" y1="13341" x2="51626" y2="13341"/>
+                        <a14:backgroundMark x1="43902" y1="13341" x2="43902" y2="13341"/>
+                        <a14:backgroundMark x1="41260" y1="13921" x2="41260" y2="13921"/>
+                        <a14:backgroundMark x1="41260" y1="13805" x2="42276" y2="13805"/>
+                        <a14:backgroundMark x1="40447" y1="13457" x2="44715" y2="14153"/>
+                        <a14:backgroundMark x1="35772" y1="75754" x2="34756" y2="86659"/>
+                        <a14:backgroundMark x1="43293" y1="85731" x2="43293" y2="85731"/>
+                        <a14:backgroundMark x1="31301" y1="90255" x2="31301" y2="90255"/>
+                        <a14:backgroundMark x1="39228" y1="90951" x2="42480" y2="88167"/>
+                        <a14:backgroundMark x1="38821" y1="77146" x2="42886" y2="82019"/>
+                        <a14:backgroundMark x1="40041" y1="74594" x2="37195" y2="88283"/>
+                        <a14:backgroundMark x1="29878" y1="90951" x2="41057" y2="84223"/>
+                        <a14:backgroundMark x1="29675" y1="88167" x2="27439" y2="95128"/>
+                        <a14:backgroundMark x1="30081" y1="91183" x2="30081" y2="91183"/>
+                        <a14:backgroundMark x1="43293" y1="71810" x2="43293" y2="71810"/>
+                        <a14:backgroundMark x1="45732" y1="76682" x2="45732" y2="76682"/>
+                        <a14:backgroundMark x1="47967" y1="73782" x2="47967" y2="73782"/>
+                        <a14:backgroundMark x1="46138" y1="74942" x2="46951" y2="78770"/>
+                        <a14:backgroundMark x1="39837" y1="65081" x2="39837" y2="65081"/>
+                        <a14:backgroundMark x1="31707" y1="57541" x2="36382" y2="67865"/>
+                        <a14:backgroundMark x1="41667" y1="40139" x2="45935" y2="43039"/>
+                        <a14:backgroundMark x1="37195" y1="45244" x2="46138" y2="45708"/>
+                        <a14:backgroundMark x1="30285" y1="33991" x2="21138" y2="53712"/>
+                        <a14:backgroundMark x1="32520" y1="27262" x2="26220" y2="32947"/>
+                        <a14:backgroundMark x1="29065" y1="21578" x2="32520" y2="32599"/>
+                        <a14:backgroundMark x1="25610" y1="20534" x2="32927" y2="31206"/>
+                        <a14:backgroundMark x1="29878" y1="18794" x2="52846" y2="39559"/>
+                        <a14:backgroundMark x1="35569" y1="18329" x2="55894" y2="31206"/>
+                        <a14:backgroundMark x1="42886" y1="17517" x2="64431" y2="29930"/>
+                        <a14:backgroundMark x1="75407" y1="35615" x2="77642" y2="40719"/>
+                        <a14:backgroundMark x1="70935" y1="40139" x2="75203" y2="48492"/>
+                        <a14:backgroundMark x1="69106" y1="41183" x2="71545" y2="52320"/>
+                        <a14:backgroundMark x1="64837" y1="48956" x2="70732" y2="52784"/>
+                        <a14:backgroundMark x1="56707" y1="39559" x2="60772" y2="45940"/>
+                        <a14:backgroundMark x1="47358" y1="41531" x2="34959" y2="46404"/>
+                        <a14:backgroundMark x1="45935" y1="43619" x2="31911" y2="53364"/>
+                        <a14:backgroundMark x1="38211" y1="48492" x2="39024" y2="60325"/>
+                      </a14:backgroundRemoval>
+                    </a14:imgEffect>
+                  </a14:imgLayer>
+                </a14:imgProps>
+              </a:ext>
+            </a:extLst>
+          </a:blip>
+          <a:srcRect l="48587" t="63427" r="1319" b="-477"/>
+          <a:stretch/>
+        </p:blipFill>
+        <p:spPr>
+          <a:xfrm rot="196757">
+            <a:off x="4226294" y="4624851"/>
+            <a:ext cx="667298" cy="657333"/>
+          </a:xfrm>
+          <a:prstGeom prst="rect">
+            <a:avLst/>
+          </a:prstGeom>
+        </p:spPr>
+      </p:pic>
+      <p:pic>
+        <p:nvPicPr>
+          <p:cNvPr id="16" name="그림 15">
+            <a:extLst>
+              <a:ext uri="{FF2B5EF4-FFF2-40B4-BE49-F238E27FC236}">
+                <a16:creationId xmlns:a16="http://schemas.microsoft.com/office/drawing/2014/main" id="{066E9F67-68BD-4A88-AB99-7D42C162C461}"/>
+              </a:ext>
+            </a:extLst>
+          </p:cNvPr>
+          <p:cNvPicPr>
+            <a:picLocks noChangeAspect="1"/>
+          </p:cNvPicPr>
+          <p:nvPr/>
+        </p:nvPicPr>
+        <p:blipFill>
+          <a:blip r:embed="rId13">
+            <a:extLst>
+              <a:ext uri="{BEBA8EAE-BF5A-486C-A8C5-ECC9F3942E4B}">
+                <a14:imgProps xmlns:a14="http://schemas.microsoft.com/office/drawing/2010/main">
+                  <a14:imgLayer r:embed="rId14">
+                    <a14:imgEffect>
+                      <a14:backgroundRemoval t="9920" b="97989" l="9658" r="89940">
+                        <a14:foregroundMark x1="34004" y1="84584" x2="33199" y2="91153"/>
+                        <a14:foregroundMark x1="29376" y1="83914" x2="39437" y2="90080"/>
+                        <a14:foregroundMark x1="28370" y1="94370" x2="35010" y2="97989"/>
+                        <a14:backgroundMark x1="53722" y1="15818" x2="91952" y2="9651"/>
+                        <a14:backgroundMark x1="55734" y1="18633" x2="85513" y2="13539"/>
+                        <a14:backgroundMark x1="55734" y1="18231" x2="74648" y2="14209"/>
+                        <a14:backgroundMark x1="72636" y1="65952" x2="63581" y2="92895"/>
+                        <a14:backgroundMark x1="71630" y1="42627" x2="66197" y2="49330"/>
+                        <a14:backgroundMark x1="74849" y1="42359" x2="76861" y2="41957"/>
+                        <a14:backgroundMark x1="75252" y1="40214" x2="79678" y2="43432"/>
+                        <a14:backgroundMark x1="75252" y1="41287" x2="66197" y2="51206"/>
+                        <a14:backgroundMark x1="66197" y1="68767" x2="63179" y2="91421"/>
+                      </a14:backgroundRemoval>
+                    </a14:imgEffect>
+                  </a14:imgLayer>
+                </a14:imgProps>
+              </a:ext>
+            </a:extLst>
+          </a:blip>
+          <a:stretch>
+            <a:fillRect/>
+          </a:stretch>
+        </p:blipFill>
+        <p:spPr>
+          <a:xfrm rot="1939436">
+            <a:off x="3574606" y="3550420"/>
+            <a:ext cx="526487" cy="436734"/>
+          </a:xfrm>
+          <a:prstGeom prst="rect">
+            <a:avLst/>
+          </a:prstGeom>
+        </p:spPr>
+      </p:pic>
+      <p:pic>
+        <p:nvPicPr>
+          <p:cNvPr id="17" name="그림 16">
+            <a:extLst>
+              <a:ext uri="{FF2B5EF4-FFF2-40B4-BE49-F238E27FC236}">
+                <a16:creationId xmlns:a16="http://schemas.microsoft.com/office/drawing/2014/main" id="{D937F8E1-2AAC-4741-8521-E263535D3505}"/>
+              </a:ext>
+            </a:extLst>
+          </p:cNvPr>
+          <p:cNvPicPr>
+            <a:picLocks noChangeAspect="1"/>
+          </p:cNvPicPr>
+          <p:nvPr/>
+        </p:nvPicPr>
+        <p:blipFill rotWithShape="1">
+          <a:blip r:embed="rId15">
+            <a:extLst>
+              <a:ext uri="{BEBA8EAE-BF5A-486C-A8C5-ECC9F3942E4B}">
+                <a14:imgProps xmlns:a14="http://schemas.microsoft.com/office/drawing/2010/main">
+                  <a14:imgLayer r:embed="rId3">
+                    <a14:imgEffect>
+                      <a14:backgroundRemoval t="9977" b="95708" l="9553" r="89431">
+                        <a14:foregroundMark x1="47358" y1="75638" x2="47358" y2="75638"/>
+                        <a14:backgroundMark x1="36382" y1="9165" x2="47967" y2="12181"/>
+                        <a14:backgroundMark x1="47967" y1="12181" x2="47764" y2="11253"/>
+                        <a14:backgroundMark x1="36585" y1="11949" x2="36585" y2="11949"/>
+                        <a14:backgroundMark x1="39837" y1="12877" x2="39837" y2="12877"/>
+                        <a14:backgroundMark x1="37805" y1="14617" x2="37805" y2="14617"/>
+                        <a14:backgroundMark x1="39228" y1="13921" x2="39228" y2="13921"/>
+                        <a14:backgroundMark x1="41667" y1="13689" x2="41667" y2="13689"/>
+                        <a14:backgroundMark x1="43902" y1="13457" x2="43902" y2="13457"/>
+                        <a14:backgroundMark x1="51829" y1="10905" x2="51829" y2="10905"/>
+                        <a14:backgroundMark x1="49797" y1="13109" x2="49797" y2="13109"/>
+                        <a14:backgroundMark x1="51626" y1="13341" x2="51626" y2="13341"/>
+                        <a14:backgroundMark x1="43902" y1="13341" x2="43902" y2="13341"/>
+                        <a14:backgroundMark x1="41260" y1="13921" x2="41260" y2="13921"/>
+                        <a14:backgroundMark x1="41260" y1="13805" x2="42276" y2="13805"/>
+                        <a14:backgroundMark x1="40447" y1="13457" x2="44715" y2="14153"/>
+                        <a14:backgroundMark x1="23374" y1="28306" x2="24187" y2="38979"/>
+                        <a14:backgroundMark x1="25610" y1="31206" x2="25610" y2="31206"/>
+                        <a14:backgroundMark x1="24187" y1="28422" x2="24187" y2="28422"/>
+                        <a14:backgroundMark x1="25000" y1="28654" x2="25000" y2="28654"/>
+                        <a14:backgroundMark x1="24593" y1="27378" x2="24593" y2="27378"/>
+                        <a14:backgroundMark x1="23577" y1="21926" x2="23577" y2="21926"/>
+                        <a14:backgroundMark x1="24187" y1="20302" x2="24390" y2="27842"/>
+                        <a14:backgroundMark x1="25000" y1="20766" x2="23984" y2="19026"/>
+                        <a14:backgroundMark x1="23984" y1="20766" x2="23984" y2="21810"/>
+                        <a14:backgroundMark x1="18496" y1="34571" x2="19106" y2="49420"/>
+                        <a14:backgroundMark x1="28252" y1="48956" x2="35976" y2="73202"/>
+                        <a14:backgroundMark x1="34553" y1="67169" x2="42073" y2="87819"/>
+                        <a14:backgroundMark x1="42886" y1="69722" x2="45935" y2="89907"/>
+                        <a14:backgroundMark x1="40650" y1="76218" x2="28862" y2="93039"/>
+                        <a14:backgroundMark x1="32114" y1="87819" x2="47967" y2="89559"/>
+                        <a14:backgroundMark x1="65650" y1="74246" x2="78252" y2="92111"/>
+                        <a14:backgroundMark x1="27033" y1="89675" x2="22561" y2="92459"/>
+                        <a14:backgroundMark x1="29675" y1="90139" x2="78659" y2="95940"/>
+                        <a14:backgroundMark x1="69715" y1="94084" x2="83537" y2="90835"/>
+                        <a14:backgroundMark x1="75407" y1="91531" x2="77236" y2="96752"/>
+                        <a14:backgroundMark x1="57520" y1="61369" x2="70528" y2="65893"/>
+                        <a14:backgroundMark x1="53252" y1="59281" x2="66463" y2="64733"/>
+                        <a14:backgroundMark x1="55488" y1="57773" x2="66870" y2="64269"/>
+                        <a14:backgroundMark x1="49187" y1="51624" x2="60366" y2="59049"/>
+                        <a14:backgroundMark x1="44715" y1="46752" x2="61382" y2="58469"/>
+                        <a14:backgroundMark x1="52236" y1="46984" x2="66463" y2="57657"/>
+                        <a14:backgroundMark x1="63618" y1="19026" x2="78659" y2="35847"/>
+                        <a14:backgroundMark x1="66260" y1="24362" x2="75000" y2="38399"/>
+                        <a14:backgroundMark x1="65650" y1="27726" x2="68496" y2="34107"/>
+                        <a14:backgroundMark x1="60976" y1="22506" x2="65650" y2="29234"/>
+                        <a14:backgroundMark x1="60366" y1="16473" x2="66667" y2="21578"/>
+                        <a14:backgroundMark x1="60569" y1="15197" x2="65447" y2="18213"/>
+                        <a14:backgroundMark x1="63415" y1="30974" x2="63618" y2="31787"/>
+                        <a14:backgroundMark x1="62398" y1="29930" x2="64228" y2="32715"/>
+                        <a14:backgroundMark x1="62195" y1="28306" x2="65650" y2="32715"/>
+                        <a14:backgroundMark x1="29675" y1="21694" x2="50407" y2="22158"/>
+                        <a14:backgroundMark x1="30894" y1="26218" x2="52642" y2="28074"/>
+                        <a14:backgroundMark x1="33333" y1="31787" x2="52642" y2="32135"/>
+                      </a14:backgroundRemoval>
+                    </a14:imgEffect>
+                  </a14:imgLayer>
+                </a14:imgProps>
+              </a:ext>
+            </a:extLst>
+          </a:blip>
+          <a:srcRect l="27123" t="20143" r="36810" b="45682"/>
+          <a:stretch/>
+        </p:blipFill>
+        <p:spPr>
+          <a:xfrm>
+            <a:off x="3914963" y="3862012"/>
+            <a:ext cx="534326" cy="674297"/>
+          </a:xfrm>
+          <a:prstGeom prst="rect">
+            <a:avLst/>
+          </a:prstGeom>
+        </p:spPr>
+      </p:pic>
+      <p:pic>
+        <p:nvPicPr>
+          <p:cNvPr id="18" name="그림 17">
+            <a:extLst>
+              <a:ext uri="{FF2B5EF4-FFF2-40B4-BE49-F238E27FC236}">
+                <a16:creationId xmlns:a16="http://schemas.microsoft.com/office/drawing/2014/main" id="{C38476D6-ADBA-4280-8938-9F783E72C82A}"/>
+              </a:ext>
+            </a:extLst>
+          </p:cNvPr>
+          <p:cNvPicPr>
+            <a:picLocks noChangeAspect="1"/>
+          </p:cNvPicPr>
+          <p:nvPr/>
+        </p:nvPicPr>
+        <p:blipFill rotWithShape="1">
+          <a:blip r:embed="rId6">
+            <a:extLst>
+              <a:ext uri="{BEBA8EAE-BF5A-486C-A8C5-ECC9F3942E4B}">
+                <a14:imgProps xmlns:a14="http://schemas.microsoft.com/office/drawing/2010/main">
+                  <a14:imgLayer r:embed="rId3">
+                    <a14:imgEffect>
+                      <a14:backgroundRemoval t="9977" b="95708" l="9553" r="89431">
+                        <a14:foregroundMark x1="28659" y1="89675" x2="28193" y2="90141"/>
+                        <a14:foregroundMark x1="45528" y1="76102" x2="45528" y2="76102"/>
+                        <a14:foregroundMark x1="47358" y1="75638" x2="47358" y2="75638"/>
+                        <a14:foregroundMark x1="47154" y1="77030" x2="47154" y2="77030"/>
+                        <a14:foregroundMark x1="23374" y1="91647" x2="23374" y2="91647"/>
+                        <a14:foregroundMark x1="31098" y1="92691" x2="31098" y2="92691"/>
+                        <a14:foregroundMark x1="75640" y1="95581" x2="76016" y2="95708"/>
+                        <a14:foregroundMark x1="58333" y1="18794" x2="58333" y2="18794"/>
+                        <a14:foregroundMark x1="64024" y1="27494" x2="64024" y2="27494"/>
+                        <a14:foregroundMark x1="68293" y1="32715" x2="68293" y2="32715"/>
+                        <a14:backgroundMark x1="36382" y1="9165" x2="47967" y2="12181"/>
+                        <a14:backgroundMark x1="47967" y1="12181" x2="47764" y2="11253"/>
+                        <a14:backgroundMark x1="36585" y1="11949" x2="36585" y2="11949"/>
+                        <a14:backgroundMark x1="39837" y1="12877" x2="39837" y2="12877"/>
+                        <a14:backgroundMark x1="37805" y1="14617" x2="37805" y2="14617"/>
+                        <a14:backgroundMark x1="39228" y1="13921" x2="39228" y2="13921"/>
+                        <a14:backgroundMark x1="41667" y1="13689" x2="41667" y2="13689"/>
+                        <a14:backgroundMark x1="43902" y1="13457" x2="43902" y2="13457"/>
+                        <a14:backgroundMark x1="51829" y1="10905" x2="51829" y2="10905"/>
+                        <a14:backgroundMark x1="49797" y1="13109" x2="49797" y2="13109"/>
+                        <a14:backgroundMark x1="51626" y1="13341" x2="51626" y2="13341"/>
+                        <a14:backgroundMark x1="43902" y1="13341" x2="43902" y2="13341"/>
+                        <a14:backgroundMark x1="41260" y1="13921" x2="41260" y2="13921"/>
+                        <a14:backgroundMark x1="41260" y1="13805" x2="42276" y2="13805"/>
+                        <a14:backgroundMark x1="40447" y1="13457" x2="44715" y2="14153"/>
+                        <a14:backgroundMark x1="69512" y1="41647" x2="75407" y2="42459"/>
+                        <a14:backgroundMark x1="72764" y1="35847" x2="70325" y2="43735"/>
+                        <a14:backgroundMark x1="69512" y1="39907" x2="77642" y2="44200"/>
+                        <a14:backgroundMark x1="68902" y1="46172" x2="75407" y2="52784"/>
+                        <a14:backgroundMark x1="65447" y1="46520" x2="67276" y2="54756"/>
+                        <a14:backgroundMark x1="60976" y1="46404" x2="70732" y2="59861"/>
+                        <a14:backgroundMark x1="53862" y1="62297" x2="75407" y2="85383"/>
+                        <a14:backgroundMark x1="70732" y1="76682" x2="81098" y2="96752"/>
+                        <a14:backgroundMark x1="43089" y1="82019" x2="44512" y2="82599"/>
+                        <a14:backgroundMark x1="74593" y1="93852" x2="74593" y2="93852"/>
+                        <a14:backgroundMark x1="70122" y1="93852" x2="75203" y2="95824"/>
+                        <a14:backgroundMark x1="77642" y1="96172" x2="77439" y2="98724"/>
+                        <a14:backgroundMark x1="38211" y1="58585" x2="38211" y2="58585"/>
+                        <a14:backgroundMark x1="34350" y1="44548" x2="34350" y2="44548"/>
+                        <a14:backgroundMark x1="41260" y1="19838" x2="41260" y2="19838"/>
+                        <a14:backgroundMark x1="32114" y1="22390" x2="56301" y2="12877"/>
+                        <a14:backgroundMark x1="54268" y1="15429" x2="19309" y2="29582"/>
+                        <a14:backgroundMark x1="47764" y1="16589" x2="46545" y2="39211"/>
+                        <a14:backgroundMark x1="20732" y1="30742" x2="38211" y2="62761"/>
+                        <a14:backgroundMark x1="31911" y1="53248" x2="46545" y2="87239"/>
+                        <a14:backgroundMark x1="56504" y1="57193" x2="80285" y2="87471"/>
+                        <a14:backgroundMark x1="39634" y1="76682" x2="43293" y2="98724"/>
+                        <a14:backgroundMark x1="30285" y1="89095" x2="42480" y2="94896"/>
+                        <a14:backgroundMark x1="26626" y1="90835" x2="28862" y2="93155"/>
+                        <a14:backgroundMark x1="31098" y1="92807" x2="31098" y2="92807"/>
+                        <a14:backgroundMark x1="27846" y1="90139" x2="27846" y2="90139"/>
+                        <a14:backgroundMark x1="29675" y1="92111" x2="29675" y2="92111"/>
+                        <a14:backgroundMark x1="50610" y1="69606" x2="50610" y2="69606"/>
+                        <a14:backgroundMark x1="46138" y1="71694" x2="46138" y2="71694"/>
+                        <a14:backgroundMark x1="44512" y1="68213" x2="44512" y2="68213"/>
+                        <a14:backgroundMark x1="42480" y1="57541" x2="42480" y2="57541"/>
+                        <a14:backgroundMark x1="36992" y1="50116" x2="36992" y2="50116"/>
+                        <a14:backgroundMark x1="38415" y1="47796" x2="52236" y2="56729"/>
+                        <a14:backgroundMark x1="42683" y1="45708" x2="55488" y2="60209"/>
+                        <a14:backgroundMark x1="46138" y1="33179" x2="58130" y2="48144"/>
+                        <a14:backgroundMark x1="31911" y1="29002" x2="53252" y2="51508"/>
+                        <a14:backgroundMark x1="57114" y1="25754" x2="57114" y2="25754"/>
+                        <a14:backgroundMark x1="55081" y1="25290" x2="57724" y2="29002"/>
+                        <a14:backgroundMark x1="49797" y1="19142" x2="52439" y2="20882"/>
+                        <a14:backgroundMark x1="57114" y1="26798" x2="59756" y2="29930"/>
+                      </a14:backgroundRemoval>
+                    </a14:imgEffect>
+                  </a14:imgLayer>
+                </a14:imgProps>
+              </a:ext>
+            </a:extLst>
+          </a:blip>
+          <a:srcRect l="48573" t="12500" r="22742" b="63222"/>
+          <a:stretch/>
+        </p:blipFill>
+        <p:spPr>
+          <a:xfrm rot="19989340">
+            <a:off x="4228527" y="3647021"/>
+            <a:ext cx="424954" cy="479008"/>
+          </a:xfrm>
+          <a:prstGeom prst="rect">
+            <a:avLst/>
+          </a:prstGeom>
+        </p:spPr>
+      </p:pic>
+      <p:pic>
+        <p:nvPicPr>
+          <p:cNvPr id="19" name="그림 18">
+            <a:extLst>
+              <a:ext uri="{FF2B5EF4-FFF2-40B4-BE49-F238E27FC236}">
+                <a16:creationId xmlns:a16="http://schemas.microsoft.com/office/drawing/2014/main" id="{833AC72B-5B79-46A1-A8A0-7D8CA4AD2EDB}"/>
+              </a:ext>
+            </a:extLst>
+          </p:cNvPr>
+          <p:cNvPicPr>
+            <a:picLocks noChangeAspect="1"/>
+          </p:cNvPicPr>
+          <p:nvPr/>
+        </p:nvPicPr>
+        <p:blipFill rotWithShape="1">
+          <a:blip r:embed="rId16">
+            <a:extLst>
+              <a:ext uri="{BEBA8EAE-BF5A-486C-A8C5-ECC9F3942E4B}">
+                <a14:imgProps xmlns:a14="http://schemas.microsoft.com/office/drawing/2010/main">
+                  <a14:imgLayer r:embed="rId3">
+                    <a14:imgEffect>
+                      <a14:backgroundRemoval t="9977" b="95708" l="9553" r="89431">
+                        <a14:foregroundMark x1="47358" y1="75638" x2="47358" y2="75638"/>
+                        <a14:backgroundMark x1="36382" y1="9165" x2="47967" y2="12181"/>
+                        <a14:backgroundMark x1="47967" y1="12181" x2="47764" y2="11253"/>
+                        <a14:backgroundMark x1="36585" y1="11949" x2="36585" y2="11949"/>
+                        <a14:backgroundMark x1="39837" y1="12877" x2="39837" y2="12877"/>
+                        <a14:backgroundMark x1="37805" y1="14617" x2="37805" y2="14617"/>
+                        <a14:backgroundMark x1="39228" y1="13921" x2="39228" y2="13921"/>
+                        <a14:backgroundMark x1="41667" y1="13689" x2="41667" y2="13689"/>
+                        <a14:backgroundMark x1="43902" y1="13457" x2="43902" y2="13457"/>
+                        <a14:backgroundMark x1="51829" y1="10905" x2="51829" y2="10905"/>
+                        <a14:backgroundMark x1="49797" y1="13109" x2="49797" y2="13109"/>
+                        <a14:backgroundMark x1="51626" y1="13341" x2="51626" y2="13341"/>
+                        <a14:backgroundMark x1="43902" y1="13341" x2="43902" y2="13341"/>
+                        <a14:backgroundMark x1="41260" y1="13921" x2="41260" y2="13921"/>
+                        <a14:backgroundMark x1="41260" y1="13805" x2="42276" y2="13805"/>
+                        <a14:backgroundMark x1="40447" y1="13457" x2="44715" y2="14153"/>
+                        <a14:backgroundMark x1="23374" y1="28306" x2="24187" y2="38979"/>
+                        <a14:backgroundMark x1="25610" y1="31206" x2="25610" y2="31206"/>
+                        <a14:backgroundMark x1="24187" y1="28422" x2="24187" y2="28422"/>
+                        <a14:backgroundMark x1="25000" y1="28654" x2="25000" y2="28654"/>
+                        <a14:backgroundMark x1="24593" y1="27378" x2="24593" y2="27378"/>
+                        <a14:backgroundMark x1="23577" y1="21926" x2="23577" y2="21926"/>
+                        <a14:backgroundMark x1="24187" y1="20302" x2="24390" y2="27842"/>
+                        <a14:backgroundMark x1="25000" y1="20766" x2="23984" y2="19026"/>
+                        <a14:backgroundMark x1="23984" y1="20766" x2="23984" y2="21810"/>
+                        <a14:backgroundMark x1="18496" y1="34571" x2="19106" y2="49420"/>
+                        <a14:backgroundMark x1="28252" y1="48956" x2="35976" y2="73202"/>
+                        <a14:backgroundMark x1="34553" y1="67169" x2="42073" y2="87819"/>
+                        <a14:backgroundMark x1="42886" y1="69722" x2="45935" y2="89907"/>
+                        <a14:backgroundMark x1="40650" y1="76218" x2="28862" y2="93039"/>
+                        <a14:backgroundMark x1="32114" y1="87819" x2="47967" y2="89559"/>
+                        <a14:backgroundMark x1="65650" y1="74246" x2="78252" y2="92111"/>
+                        <a14:backgroundMark x1="27033" y1="89675" x2="22561" y2="92459"/>
+                        <a14:backgroundMark x1="29675" y1="90139" x2="78659" y2="95940"/>
+                        <a14:backgroundMark x1="69715" y1="94084" x2="83537" y2="90835"/>
+                        <a14:backgroundMark x1="75407" y1="91531" x2="77236" y2="96752"/>
+                        <a14:backgroundMark x1="57520" y1="61369" x2="70528" y2="65893"/>
+                        <a14:backgroundMark x1="53252" y1="59281" x2="66463" y2="64733"/>
+                        <a14:backgroundMark x1="55488" y1="57773" x2="66870" y2="64269"/>
+                        <a14:backgroundMark x1="49187" y1="51624" x2="60366" y2="59049"/>
+                        <a14:backgroundMark x1="44715" y1="46752" x2="61382" y2="58469"/>
+                        <a14:backgroundMark x1="52236" y1="46984" x2="66463" y2="57657"/>
+                        <a14:backgroundMark x1="63618" y1="19026" x2="78659" y2="35847"/>
+                        <a14:backgroundMark x1="66260" y1="24362" x2="75000" y2="38399"/>
+                        <a14:backgroundMark x1="65650" y1="27726" x2="68496" y2="34107"/>
+                        <a14:backgroundMark x1="60976" y1="22506" x2="65650" y2="29234"/>
+                        <a14:backgroundMark x1="60366" y1="16473" x2="66667" y2="21578"/>
+                        <a14:backgroundMark x1="60569" y1="15197" x2="65447" y2="18213"/>
+                        <a14:backgroundMark x1="63415" y1="30974" x2="63618" y2="31787"/>
+                        <a14:backgroundMark x1="62398" y1="29930" x2="64228" y2="32715"/>
+                        <a14:backgroundMark x1="62195" y1="28306" x2="65650" y2="32715"/>
+                        <a14:backgroundMark x1="36789" y1="39791" x2="44512" y2="40603"/>
+                        <a14:backgroundMark x1="36992" y1="36891" x2="53455" y2="36195"/>
+                        <a14:backgroundMark x1="33740" y1="39907" x2="38211" y2="50696"/>
+                      </a14:backgroundRemoval>
+                    </a14:imgEffect>
+                  </a14:imgLayer>
+                </a14:imgProps>
+              </a:ext>
+            </a:extLst>
+          </a:blip>
+          <a:srcRect l="27123" t="13271" r="36810" b="45682"/>
+          <a:stretch/>
+        </p:blipFill>
+        <p:spPr>
+          <a:xfrm rot="346853">
+            <a:off x="3912876" y="3693574"/>
+            <a:ext cx="534326" cy="809887"/>
+          </a:xfrm>
+          <a:prstGeom prst="rect">
+            <a:avLst/>
+          </a:prstGeom>
+        </p:spPr>
+      </p:pic>
+      <p:pic>
+        <p:nvPicPr>
+          <p:cNvPr id="22" name="그림 21">
+            <a:extLst>
+              <a:ext uri="{FF2B5EF4-FFF2-40B4-BE49-F238E27FC236}">
+                <a16:creationId xmlns:a16="http://schemas.microsoft.com/office/drawing/2014/main" id="{343E2E97-5F4E-4AD1-A041-6E9F4AD91E24}"/>
+              </a:ext>
+            </a:extLst>
+          </p:cNvPr>
+          <p:cNvPicPr>
+            <a:picLocks noChangeAspect="1"/>
+          </p:cNvPicPr>
+          <p:nvPr/>
+        </p:nvPicPr>
+        <p:blipFill rotWithShape="1">
+          <a:blip r:embed="rId17">
+            <a:extLst>
+              <a:ext uri="{BEBA8EAE-BF5A-486C-A8C5-ECC9F3942E4B}">
+                <a14:imgProps xmlns:a14="http://schemas.microsoft.com/office/drawing/2010/main">
+                  <a14:imgLayer r:embed="rId3">
+                    <a14:imgEffect>
+                      <a14:backgroundRemoval t="9977" b="95708" l="9553" r="89431">
+                        <a14:foregroundMark x1="23374" y1="91647" x2="23374" y2="91647"/>
+                        <a14:foregroundMark x1="70935" y1="34339" x2="72764" y2="42227"/>
+                        <a14:foregroundMark x1="68089" y1="48028" x2="68089" y2="48028"/>
+                        <a14:foregroundMark x1="64837" y1="47216" x2="64837" y2="47216"/>
+                        <a14:foregroundMark x1="69512" y1="50116" x2="69512" y2="50116"/>
+                        <a14:foregroundMark x1="69715" y1="51160" x2="69715" y2="51160"/>
+                        <a14:backgroundMark x1="36382" y1="9165" x2="47967" y2="12181"/>
+                        <a14:backgroundMark x1="47967" y1="12181" x2="47764" y2="11253"/>
+                        <a14:backgroundMark x1="36585" y1="11949" x2="36585" y2="11949"/>
+                        <a14:backgroundMark x1="39837" y1="12877" x2="39837" y2="12877"/>
+                        <a14:backgroundMark x1="37805" y1="14617" x2="37805" y2="14617"/>
+                        <a14:backgroundMark x1="39228" y1="13921" x2="39228" y2="13921"/>
+                        <a14:backgroundMark x1="41667" y1="13689" x2="41667" y2="13689"/>
+                        <a14:backgroundMark x1="43902" y1="13457" x2="43902" y2="13457"/>
+                        <a14:backgroundMark x1="51829" y1="10905" x2="51829" y2="10905"/>
+                        <a14:backgroundMark x1="49797" y1="13109" x2="49797" y2="13109"/>
+                        <a14:backgroundMark x1="51626" y1="13341" x2="51626" y2="13341"/>
+                        <a14:backgroundMark x1="43902" y1="13341" x2="43902" y2="13341"/>
+                        <a14:backgroundMark x1="41260" y1="13921" x2="41260" y2="13921"/>
+                        <a14:backgroundMark x1="41260" y1="13805" x2="42276" y2="13805"/>
+                        <a14:backgroundMark x1="40447" y1="13457" x2="44715" y2="14153"/>
+                        <a14:backgroundMark x1="47764" y1="18213" x2="48374" y2="43619"/>
+                        <a14:backgroundMark x1="41870" y1="23550" x2="49390" y2="59513"/>
+                        <a14:backgroundMark x1="32317" y1="43619" x2="46341" y2="82715"/>
+                        <a14:backgroundMark x1="34350" y1="60209" x2="60976" y2="89791"/>
+                        <a14:backgroundMark x1="33740" y1="77262" x2="60772" y2="88631"/>
+                        <a14:backgroundMark x1="60772" y1="88631" x2="69715" y2="85151"/>
+                        <a14:backgroundMark x1="61382" y1="77494" x2="86992" y2="94316"/>
+                        <a14:backgroundMark x1="57724" y1="65081" x2="81098" y2="91531"/>
+                        <a14:backgroundMark x1="33943" y1="77726" x2="50610" y2="95128"/>
+                        <a14:backgroundMark x1="50610" y1="95128" x2="58333" y2="91763"/>
+                        <a14:backgroundMark x1="31098" y1="84107" x2="50000" y2="94780"/>
+                        <a14:backgroundMark x1="34350" y1="90487" x2="34350" y2="90487"/>
+                        <a14:backgroundMark x1="29268" y1="89907" x2="29268" y2="89907"/>
+                        <a14:backgroundMark x1="27236" y1="89211" x2="41667" y2="95476"/>
+                        <a14:backgroundMark x1="28659" y1="88399" x2="50610" y2="94664"/>
+                        <a14:backgroundMark x1="74593" y1="93155" x2="82317" y2="98144"/>
+                        <a14:backgroundMark x1="69309" y1="92459" x2="78455" y2="98492"/>
+                        <a14:backgroundMark x1="23577" y1="21694" x2="23577" y2="21694"/>
+                        <a14:backgroundMark x1="30894" y1="20302" x2="34756" y2="28190"/>
+                        <a14:backgroundMark x1="38618" y1="17053" x2="38618" y2="17053"/>
+                        <a14:backgroundMark x1="32520" y1="17169" x2="50610" y2="16705"/>
+                        <a14:backgroundMark x1="42683" y1="14849" x2="59756" y2="14965"/>
+                        <a14:backgroundMark x1="47764" y1="14385" x2="62195" y2="19142"/>
+                        <a14:backgroundMark x1="54065" y1="19490" x2="53455" y2="29234"/>
+                        <a14:backgroundMark x1="54268" y1="23782" x2="57114" y2="29234"/>
+                        <a14:backgroundMark x1="53455" y1="44200" x2="53455" y2="44200"/>
+                        <a14:backgroundMark x1="60163" y1="59745" x2="60163" y2="59745"/>
+                        <a14:backgroundMark x1="55285" y1="59977" x2="63821" y2="64965"/>
+                        <a14:backgroundMark x1="63618" y1="57309" x2="72154" y2="62181"/>
+                        <a14:backgroundMark x1="60976" y1="53596" x2="69309" y2="60209"/>
+                        <a14:backgroundMark x1="21951" y1="29814" x2="39634" y2="53132"/>
+                        <a14:backgroundMark x1="38211" y1="30394" x2="49187" y2="52320"/>
+                        <a14:backgroundMark x1="60569" y1="49768" x2="60569" y2="49768"/>
+                        <a14:backgroundMark x1="59146" y1="41067" x2="59146" y2="41067"/>
+                        <a14:backgroundMark x1="62398" y1="39211" x2="62398" y2="39211"/>
+                        <a14:backgroundMark x1="61382" y1="48260" x2="61382" y2="48260"/>
+                      </a14:backgroundRemoval>
+                    </a14:imgEffect>
+                  </a14:imgLayer>
+                </a14:imgProps>
+              </a:ext>
+            </a:extLst>
+          </a:blip>
+          <a:srcRect l="57659" t="29897" r="19748" b="44747"/>
+          <a:stretch/>
+        </p:blipFill>
+        <p:spPr>
+          <a:xfrm rot="3512780">
+            <a:off x="4328081" y="3747738"/>
+            <a:ext cx="254434" cy="658142"/>
+          </a:xfrm>
+          <a:prstGeom prst="rect">
+            <a:avLst/>
+          </a:prstGeom>
+        </p:spPr>
+      </p:pic>
+      <p:pic>
+        <p:nvPicPr>
+          <p:cNvPr id="29" name="그림 28">
+            <a:extLst>
+              <a:ext uri="{FF2B5EF4-FFF2-40B4-BE49-F238E27FC236}">
+                <a16:creationId xmlns:a16="http://schemas.microsoft.com/office/drawing/2014/main" id="{5488D127-9D5F-4E1F-8E00-B23A3CA51181}"/>
+              </a:ext>
+            </a:extLst>
+          </p:cNvPr>
+          <p:cNvPicPr>
+            <a:picLocks noChangeAspect="1"/>
+          </p:cNvPicPr>
+          <p:nvPr/>
+        </p:nvPicPr>
+        <p:blipFill rotWithShape="1">
+          <a:blip r:embed="rId2">
+            <a:extLst>
+              <a:ext uri="{BEBA8EAE-BF5A-486C-A8C5-ECC9F3942E4B}">
+                <a14:imgProps xmlns:a14="http://schemas.microsoft.com/office/drawing/2010/main">
+                  <a14:imgLayer r:embed="rId3">
+                    <a14:imgEffect>
+                      <a14:backgroundRemoval t="9977" b="95708" l="9553" r="89431">
+                        <a14:foregroundMark x1="23374" y1="91647" x2="23374" y2="91647"/>
+                        <a14:foregroundMark x1="31098" y1="92691" x2="31098" y2="92691"/>
+                        <a14:foregroundMark x1="73374" y1="93155" x2="73374" y2="93155"/>
+                        <a14:foregroundMark x1="70528" y1="93852" x2="71361" y2="94134"/>
+                        <a14:foregroundMark x1="23374" y1="35267" x2="23374" y2="35267"/>
+                        <a14:backgroundMark x1="36382" y1="9165" x2="47967" y2="12181"/>
+                        <a14:backgroundMark x1="47967" y1="12181" x2="47764" y2="11253"/>
+                        <a14:backgroundMark x1="36585" y1="11949" x2="36585" y2="11949"/>
+                        <a14:backgroundMark x1="39837" y1="12877" x2="39837" y2="12877"/>
+                        <a14:backgroundMark x1="37805" y1="14617" x2="37805" y2="14617"/>
+                        <a14:backgroundMark x1="39228" y1="13921" x2="39228" y2="13921"/>
+                        <a14:backgroundMark x1="41667" y1="13689" x2="41667" y2="13689"/>
+                        <a14:backgroundMark x1="43902" y1="13457" x2="43902" y2="13457"/>
+                        <a14:backgroundMark x1="51829" y1="10905" x2="51829" y2="10905"/>
+                        <a14:backgroundMark x1="49797" y1="13109" x2="49797" y2="13109"/>
+                        <a14:backgroundMark x1="51626" y1="13341" x2="51626" y2="13341"/>
+                        <a14:backgroundMark x1="43902" y1="13341" x2="43902" y2="13341"/>
+                        <a14:backgroundMark x1="41260" y1="13921" x2="41260" y2="13921"/>
+                        <a14:backgroundMark x1="41260" y1="13805" x2="42276" y2="13805"/>
+                        <a14:backgroundMark x1="40447" y1="13457" x2="44715" y2="14153"/>
+                        <a14:backgroundMark x1="43902" y1="44432" x2="43902" y2="44432"/>
+                        <a14:backgroundMark x1="57520" y1="58237" x2="57520" y2="59629"/>
+                        <a14:backgroundMark x1="71545" y1="81323" x2="77033" y2="90603"/>
+                        <a14:backgroundMark x1="74593" y1="95244" x2="79065" y2="99536"/>
+                        <a14:backgroundMark x1="73374" y1="95012" x2="84350" y2="89327"/>
+                        <a14:backgroundMark x1="36992" y1="87935" x2="51220" y2="80278"/>
+                        <a14:backgroundMark x1="26220" y1="91183" x2="39024" y2="87703"/>
+                        <a14:backgroundMark x1="42073" y1="84687" x2="38618" y2="67633"/>
+                        <a14:backgroundMark x1="61585" y1="59513" x2="70935" y2="74710"/>
+                        <a14:backgroundMark x1="47561" y1="73898" x2="44512" y2="81787"/>
+                        <a14:backgroundMark x1="71545" y1="93852" x2="75000" y2="89791"/>
+                        <a14:backgroundMark x1="74797" y1="95012" x2="75203" y2="91415"/>
+                        <a14:backgroundMark x1="69512" y1="95360" x2="75203" y2="95476"/>
+                        <a14:backgroundMark x1="72561" y1="95128" x2="71748" y2="93271"/>
+                        <a14:backgroundMark x1="64634" y1="23318" x2="77033" y2="41415"/>
+                        <a14:backgroundMark x1="59553" y1="17053" x2="68902" y2="29234"/>
+                        <a14:backgroundMark x1="65854" y1="25290" x2="71545" y2="50464"/>
+                        <a14:backgroundMark x1="67683" y1="39791" x2="66057" y2="58701"/>
+                        <a14:backgroundMark x1="63008" y1="47448" x2="66463" y2="59281"/>
+                        <a14:backgroundMark x1="54472" y1="49536" x2="56301" y2="67285"/>
+                        <a14:backgroundMark x1="32520" y1="53248" x2="44512" y2="72622"/>
+                        <a14:backgroundMark x1="31301" y1="48956" x2="35366" y2="61137"/>
+                        <a14:backgroundMark x1="36179" y1="46520" x2="48577" y2="62413"/>
+                        <a14:backgroundMark x1="44715" y1="32831" x2="51829" y2="49420"/>
+                        <a14:backgroundMark x1="40447" y1="40487" x2="43089" y2="47680"/>
+                        <a14:backgroundMark x1="33740" y1="42807" x2="34553" y2="44084"/>
+                        <a14:backgroundMark x1="32927" y1="43503" x2="32927" y2="43503"/>
+                        <a14:backgroundMark x1="33130" y1="39559" x2="33130" y2="39559"/>
+                        <a14:backgroundMark x1="48374" y1="32715" x2="48374" y2="32715"/>
+                        <a14:backgroundMark x1="55691" y1="36543" x2="55691" y2="36543"/>
+                        <a14:backgroundMark x1="59350" y1="26914" x2="59350" y2="26914"/>
+                        <a14:backgroundMark x1="54268" y1="21578" x2="53252" y2="25058"/>
+                        <a14:backgroundMark x1="55894" y1="15081" x2="56504" y2="17401"/>
+                        <a14:backgroundMark x1="54878" y1="17981" x2="54472" y2="22042"/>
+                        <a14:backgroundMark x1="57114" y1="29930" x2="58740" y2="34223"/>
+                        <a14:backgroundMark x1="48780" y1="27146" x2="49797" y2="33875"/>
+                        <a14:backgroundMark x1="38618" y1="26682" x2="42886" y2="33411"/>
+                        <a14:backgroundMark x1="34553" y1="28074" x2="40244" y2="32715"/>
+                        <a14:backgroundMark x1="33130" y1="32715" x2="40447" y2="37703"/>
+                        <a14:backgroundMark x1="34146" y1="23898" x2="36992" y2="31439"/>
+                        <a14:backgroundMark x1="30081" y1="23318" x2="34146" y2="26566"/>
+                        <a14:backgroundMark x1="37398" y1="19258" x2="45325" y2="22042"/>
+                        <a14:backgroundMark x1="34350" y1="19606" x2="44512" y2="22622"/>
+                        <a14:backgroundMark x1="26423" y1="44780" x2="26423" y2="44780"/>
+                        <a14:backgroundMark x1="28252" y1="42459" x2="28252" y2="42459"/>
+                        <a14:backgroundMark x1="27846" y1="42111" x2="29878" y2="40951"/>
+                      </a14:backgroundRemoval>
+                    </a14:imgEffect>
+                  </a14:imgLayer>
+                </a14:imgProps>
+              </a:ext>
+            </a:extLst>
+          </a:blip>
+          <a:srcRect l="14132" t="29208" r="68482" b="47786"/>
+          <a:stretch/>
+        </p:blipFill>
+        <p:spPr>
+          <a:xfrm rot="3471992">
+            <a:off x="7255101" y="4379342"/>
+            <a:ext cx="257568" cy="453921"/>
+          </a:xfrm>
+          <a:prstGeom prst="rect">
+            <a:avLst/>
+          </a:prstGeom>
+        </p:spPr>
+      </p:pic>
+      <p:pic>
+        <p:nvPicPr>
+          <p:cNvPr id="30" name="그림 29">
+            <a:extLst>
+              <a:ext uri="{FF2B5EF4-FFF2-40B4-BE49-F238E27FC236}">
+                <a16:creationId xmlns:a16="http://schemas.microsoft.com/office/drawing/2014/main" id="{0372A3DC-8F7A-4AA6-8089-BC158F769EC5}"/>
+              </a:ext>
+            </a:extLst>
+          </p:cNvPr>
+          <p:cNvPicPr>
+            <a:picLocks noChangeAspect="1"/>
+          </p:cNvPicPr>
+          <p:nvPr/>
+        </p:nvPicPr>
+        <p:blipFill rotWithShape="1">
+          <a:blip r:embed="rId4">
+            <a:extLst>
+              <a:ext uri="{BEBA8EAE-BF5A-486C-A8C5-ECC9F3942E4B}">
+                <a14:imgProps xmlns:a14="http://schemas.microsoft.com/office/drawing/2010/main">
+                  <a14:imgLayer r:embed="rId3">
+                    <a14:imgEffect>
+                      <a14:backgroundRemoval t="9977" b="95708" l="9553" r="89431">
+                        <a14:foregroundMark x1="23374" y1="91647" x2="23374" y2="91647"/>
+                        <a14:foregroundMark x1="53049" y1="56845" x2="53049" y2="56845"/>
+                        <a14:backgroundMark x1="36382" y1="9165" x2="47967" y2="12181"/>
+                        <a14:backgroundMark x1="47967" y1="12181" x2="47764" y2="11253"/>
+                        <a14:backgroundMark x1="36585" y1="11949" x2="36585" y2="11949"/>
+                        <a14:backgroundMark x1="39837" y1="12877" x2="39837" y2="12877"/>
+                        <a14:backgroundMark x1="37805" y1="14617" x2="37805" y2="14617"/>
+                        <a14:backgroundMark x1="39228" y1="13921" x2="39228" y2="13921"/>
+                        <a14:backgroundMark x1="41667" y1="13689" x2="41667" y2="13689"/>
+                        <a14:backgroundMark x1="43902" y1="13457" x2="43902" y2="13457"/>
+                        <a14:backgroundMark x1="51829" y1="10905" x2="51829" y2="10905"/>
+                        <a14:backgroundMark x1="49797" y1="13109" x2="49797" y2="13109"/>
+                        <a14:backgroundMark x1="51626" y1="13341" x2="51626" y2="13341"/>
+                        <a14:backgroundMark x1="43902" y1="13341" x2="43902" y2="13341"/>
+                        <a14:backgroundMark x1="41260" y1="13921" x2="41260" y2="13921"/>
+                        <a14:backgroundMark x1="41260" y1="13805" x2="42276" y2="13805"/>
+                        <a14:backgroundMark x1="40447" y1="13457" x2="44715" y2="14153"/>
+                        <a14:backgroundMark x1="62602" y1="70766" x2="65244" y2="73666"/>
+                        <a14:backgroundMark x1="57724" y1="70302" x2="74187" y2="84455"/>
+                        <a14:backgroundMark x1="74593" y1="88167" x2="78049" y2="97332"/>
+                        <a14:backgroundMark x1="66870" y1="68677" x2="72764" y2="77146"/>
+                        <a14:backgroundMark x1="37805" y1="56497" x2="37398" y2="78190"/>
+                        <a14:backgroundMark x1="39431" y1="72506" x2="46545" y2="88515"/>
+                        <a14:backgroundMark x1="33537" y1="83875" x2="34350" y2="94896"/>
+                        <a14:backgroundMark x1="26626" y1="90487" x2="40447" y2="88979"/>
+                        <a14:backgroundMark x1="46138" y1="75870" x2="48577" y2="82251"/>
+                        <a14:backgroundMark x1="70935" y1="94084" x2="77439" y2="97216"/>
+                        <a14:backgroundMark x1="71138" y1="93852" x2="74390" y2="96056"/>
+                        <a14:backgroundMark x1="70732" y1="94664" x2="70732" y2="94664"/>
+                        <a14:backgroundMark x1="70732" y1="93852" x2="70732" y2="93852"/>
+                        <a14:backgroundMark x1="69512" y1="93968" x2="69919" y2="94084"/>
+                        <a14:backgroundMark x1="70528" y1="93968" x2="70528" y2="93968"/>
+                        <a14:backgroundMark x1="23780" y1="91879" x2="23780" y2="91879"/>
+                        <a14:backgroundMark x1="23374" y1="91763" x2="23374" y2="91067"/>
+                        <a14:backgroundMark x1="43293" y1="30510" x2="55894" y2="28306"/>
+                        <a14:backgroundMark x1="41260" y1="39095" x2="67886" y2="26334"/>
+                        <a14:backgroundMark x1="32927" y1="41879" x2="78862" y2="28886"/>
+                        <a14:backgroundMark x1="71341" y1="35499" x2="73171" y2="49420"/>
+                        <a14:backgroundMark x1="68293" y1="49072" x2="74187" y2="53016"/>
+                        <a14:backgroundMark x1="27033" y1="43735" x2="22764" y2="56032"/>
+                        <a14:backgroundMark x1="33537" y1="48840" x2="35976" y2="63805"/>
+                        <a14:backgroundMark x1="18496" y1="34803" x2="20732" y2="51972"/>
+                        <a14:backgroundMark x1="36382" y1="22622" x2="39837" y2="37239"/>
+                        <a14:backgroundMark x1="38211" y1="40255" x2="37398" y2="54408"/>
+                        <a14:backgroundMark x1="31098" y1="24246" x2="34350" y2="42575"/>
+                        <a14:backgroundMark x1="40447" y1="55916" x2="41870" y2="59513"/>
+                        <a14:backgroundMark x1="41463" y1="57773" x2="45935" y2="63341"/>
+                        <a14:backgroundMark x1="38618" y1="49420" x2="41057" y2="56497"/>
+                        <a14:backgroundMark x1="41870" y1="52204" x2="42276" y2="55336"/>
+                        <a14:backgroundMark x1="39837" y1="48724" x2="39837" y2="48724"/>
+                        <a14:backgroundMark x1="40447" y1="49304" x2="40447" y2="49304"/>
+                        <a14:backgroundMark x1="41260" y1="48260" x2="41260" y2="48260"/>
+                        <a14:backgroundMark x1="41667" y1="47680" x2="41667" y2="47680"/>
+                        <a14:backgroundMark x1="42480" y1="46404" x2="42480" y2="46404"/>
+                        <a14:backgroundMark x1="46138" y1="40023" x2="46138" y2="40023"/>
+                        <a14:backgroundMark x1="41870" y1="42227" x2="41870" y2="42227"/>
+                        <a14:backgroundMark x1="50203" y1="40139" x2="50203" y2="40139"/>
+                        <a14:backgroundMark x1="48780" y1="44548" x2="54472" y2="42691"/>
+                        <a14:backgroundMark x1="42480" y1="27610" x2="56911" y2="26798"/>
+                        <a14:backgroundMark x1="43293" y1="22158" x2="70935" y2="15661"/>
+                        <a14:backgroundMark x1="43902" y1="42111" x2="43293" y2="41763"/>
+                        <a14:backgroundMark x1="44715" y1="42111" x2="44715" y2="42111"/>
+                      </a14:backgroundRemoval>
+                    </a14:imgEffect>
+                  </a14:imgLayer>
+                </a14:imgProps>
+              </a:ext>
+            </a:extLst>
+          </a:blip>
+          <a:srcRect l="45196" t="40658" r="31082" b="33580"/>
+          <a:stretch/>
+        </p:blipFill>
+        <p:spPr>
+          <a:xfrm rot="18748509">
+            <a:off x="7922181" y="4440466"/>
+            <a:ext cx="351424" cy="508281"/>
+          </a:xfrm>
+          <a:prstGeom prst="rect">
+            <a:avLst/>
+          </a:prstGeom>
+        </p:spPr>
+      </p:pic>
+      <p:pic>
+        <p:nvPicPr>
+          <p:cNvPr id="31" name="그림 30">
+            <a:extLst>
+              <a:ext uri="{FF2B5EF4-FFF2-40B4-BE49-F238E27FC236}">
+                <a16:creationId xmlns:a16="http://schemas.microsoft.com/office/drawing/2014/main" id="{E6A12DCF-3B66-4733-8CF9-80D257CC1BDF}"/>
+              </a:ext>
+            </a:extLst>
+          </p:cNvPr>
+          <p:cNvPicPr>
+            <a:picLocks noChangeAspect="1"/>
+          </p:cNvPicPr>
+          <p:nvPr/>
+        </p:nvPicPr>
+        <p:blipFill rotWithShape="1">
+          <a:blip r:embed="rId5">
+            <a:extLst>
+              <a:ext uri="{BEBA8EAE-BF5A-486C-A8C5-ECC9F3942E4B}">
+                <a14:imgProps xmlns:a14="http://schemas.microsoft.com/office/drawing/2010/main">
+                  <a14:imgLayer r:embed="rId3">
+                    <a14:imgEffect>
+                      <a14:backgroundRemoval t="9977" b="95708" l="9553" r="89431">
+                        <a14:foregroundMark x1="23374" y1="91647" x2="23374" y2="91647"/>
+                        <a14:foregroundMark x1="31098" y1="92691" x2="31098" y2="92691"/>
+                        <a14:foregroundMark x1="33390" y1="50116" x2="42480" y2="60325"/>
+                        <a14:foregroundMark x1="31841" y1="48376" x2="33390" y2="50116"/>
+                        <a14:foregroundMark x1="29878" y1="46172" x2="31841" y2="48376"/>
+                        <a14:foregroundMark x1="31925" y1="48376" x2="30285" y2="46520"/>
+                        <a14:foregroundMark x1="33462" y1="50116" x2="31925" y2="48376"/>
+                        <a14:foregroundMark x1="42480" y1="60325" x2="33462" y2="50116"/>
+                        <a14:foregroundMark x1="30285" y1="46520" x2="29268" y2="48260"/>
+                        <a14:backgroundMark x1="36382" y1="9165" x2="47967" y2="12181"/>
+                        <a14:backgroundMark x1="47967" y1="12181" x2="47764" y2="11253"/>
+                        <a14:backgroundMark x1="36585" y1="11949" x2="36585" y2="11949"/>
+                        <a14:backgroundMark x1="39837" y1="12877" x2="39837" y2="12877"/>
+                        <a14:backgroundMark x1="37805" y1="14617" x2="37805" y2="14617"/>
+                        <a14:backgroundMark x1="39228" y1="13921" x2="39228" y2="13921"/>
+                        <a14:backgroundMark x1="41667" y1="13689" x2="41667" y2="13689"/>
+                        <a14:backgroundMark x1="43902" y1="13457" x2="43902" y2="13457"/>
+                        <a14:backgroundMark x1="51829" y1="10905" x2="51829" y2="10905"/>
+                        <a14:backgroundMark x1="49797" y1="13109" x2="49797" y2="13109"/>
+                        <a14:backgroundMark x1="51626" y1="13341" x2="51626" y2="13341"/>
+                        <a14:backgroundMark x1="43902" y1="13341" x2="43902" y2="13341"/>
+                        <a14:backgroundMark x1="41260" y1="13921" x2="41260" y2="13921"/>
+                        <a14:backgroundMark x1="41260" y1="13805" x2="42276" y2="13805"/>
+                        <a14:backgroundMark x1="40447" y1="13457" x2="44715" y2="14153"/>
+                        <a14:backgroundMark x1="49390" y1="26914" x2="49390" y2="26914"/>
+                        <a14:backgroundMark x1="38008" y1="27262" x2="38008" y2="27262"/>
+                        <a14:backgroundMark x1="21545" y1="43387" x2="35772" y2="33875"/>
+                        <a14:backgroundMark x1="36789" y1="43039" x2="65244" y2="36659"/>
+                        <a14:backgroundMark x1="37398" y1="74826" x2="37195" y2="87703"/>
+                        <a14:backgroundMark x1="37805" y1="70186" x2="41667" y2="80742"/>
+                        <a14:backgroundMark x1="36585" y1="64965" x2="43902" y2="73550"/>
+                        <a14:backgroundMark x1="52033" y1="48376" x2="61585" y2="69722"/>
+                        <a14:backgroundMark x1="67683" y1="71462" x2="72967" y2="95244"/>
+                        <a14:backgroundMark x1="26626" y1="91415" x2="33130" y2="88863"/>
+                        <a14:backgroundMark x1="45122" y1="76682" x2="51829" y2="81555"/>
+                        <a14:backgroundMark x1="75000" y1="93039" x2="78659" y2="99652"/>
+                        <a14:backgroundMark x1="70935" y1="96288" x2="82317" y2="97448"/>
+                        <a14:backgroundMark x1="46951" y1="75290" x2="46951" y2="76102"/>
+                        <a14:backgroundMark x1="44919" y1="76566" x2="56098" y2="74478"/>
+                        <a14:backgroundMark x1="62398" y1="24246" x2="78659" y2="28654"/>
+                        <a14:backgroundMark x1="46951" y1="18910" x2="68699" y2="33295"/>
+                        <a14:backgroundMark x1="72764" y1="37123" x2="71748" y2="48608"/>
+                        <a14:backgroundMark x1="67073" y1="43735" x2="72358" y2="56845"/>
+                        <a14:backgroundMark x1="63821" y1="49420" x2="68699" y2="56613"/>
+                        <a14:backgroundMark x1="35366" y1="22854" x2="44715" y2="39443"/>
+                        <a14:backgroundMark x1="42276" y1="43619" x2="50407" y2="59513"/>
+                        <a14:backgroundMark x1="50407" y1="59513" x2="59350" y2="42923"/>
+                        <a14:backgroundMark x1="59350" y1="42923" x2="58537" y2="40719"/>
+                        <a14:backgroundMark x1="44919" y1="24478" x2="45528" y2="24710"/>
+                        <a14:backgroundMark x1="45528" y1="52552" x2="50203" y2="59049"/>
+                        <a14:backgroundMark x1="45122" y1="52668" x2="46341" y2="57425"/>
+                        <a14:backgroundMark x1="35976" y1="44200" x2="41870" y2="50116"/>
+                        <a14:backgroundMark x1="29268" y1="22042" x2="53659" y2="15197"/>
+                        <a14:backgroundMark x1="52439" y1="27958" x2="61585" y2="34223"/>
+                        <a14:backgroundMark x1="30894" y1="43039" x2="30894" y2="43039"/>
+                        <a14:backgroundMark x1="38821" y1="49884" x2="38821" y2="49884"/>
+                        <a14:backgroundMark x1="36789" y1="50116" x2="36789" y2="50116"/>
+                        <a14:backgroundMark x1="35366" y1="48376" x2="35366" y2="48376"/>
+                        <a14:backgroundMark x1="35366" y1="46984" x2="35366" y2="46984"/>
+                        <a14:backgroundMark x1="33943" y1="45824" x2="33943" y2="45824"/>
+                      </a14:backgroundRemoval>
+                    </a14:imgEffect>
+                  </a14:imgLayer>
+                </a14:imgProps>
+              </a:ext>
+            </a:extLst>
+          </a:blip>
+          <a:srcRect l="21570" t="43097" r="52875" b="34379"/>
+          <a:stretch/>
+        </p:blipFill>
+        <p:spPr>
+          <a:xfrm rot="3958961">
+            <a:off x="7563045" y="4343552"/>
+            <a:ext cx="287789" cy="698034"/>
+          </a:xfrm>
+          <a:prstGeom prst="rect">
+            <a:avLst/>
+          </a:prstGeom>
+        </p:spPr>
+      </p:pic>
+      <p:pic>
+        <p:nvPicPr>
+          <p:cNvPr id="32" name="그림 31">
+            <a:extLst>
+              <a:ext uri="{FF2B5EF4-FFF2-40B4-BE49-F238E27FC236}">
+                <a16:creationId xmlns:a16="http://schemas.microsoft.com/office/drawing/2014/main" id="{10F74B35-99D9-468C-9EF0-71283086F907}"/>
+              </a:ext>
+            </a:extLst>
+          </p:cNvPr>
+          <p:cNvPicPr>
+            <a:picLocks noChangeAspect="1"/>
+          </p:cNvPicPr>
+          <p:nvPr/>
+        </p:nvPicPr>
+        <p:blipFill rotWithShape="1">
+          <a:blip r:embed="rId6">
+            <a:extLst>
+              <a:ext uri="{BEBA8EAE-BF5A-486C-A8C5-ECC9F3942E4B}">
+                <a14:imgProps xmlns:a14="http://schemas.microsoft.com/office/drawing/2010/main">
+                  <a14:imgLayer r:embed="rId3">
+                    <a14:imgEffect>
+                      <a14:backgroundRemoval t="9977" b="95708" l="9553" r="89431">
+                        <a14:foregroundMark x1="28659" y1="89675" x2="28193" y2="90141"/>
+                        <a14:foregroundMark x1="45528" y1="76102" x2="45528" y2="76102"/>
+                        <a14:foregroundMark x1="47358" y1="75638" x2="47358" y2="75638"/>
+                        <a14:foregroundMark x1="47154" y1="77030" x2="47154" y2="77030"/>
+                        <a14:foregroundMark x1="23374" y1="91647" x2="23374" y2="91647"/>
+                        <a14:foregroundMark x1="31098" y1="92691" x2="31098" y2="92691"/>
+                        <a14:foregroundMark x1="75640" y1="95581" x2="76016" y2="95708"/>
+                        <a14:foregroundMark x1="58333" y1="18794" x2="58333" y2="18794"/>
+                        <a14:foregroundMark x1="64024" y1="27494" x2="64024" y2="27494"/>
+                        <a14:foregroundMark x1="68293" y1="32715" x2="68293" y2="32715"/>
+                        <a14:backgroundMark x1="36382" y1="9165" x2="47967" y2="12181"/>
+                        <a14:backgroundMark x1="47967" y1="12181" x2="47764" y2="11253"/>
+                        <a14:backgroundMark x1="36585" y1="11949" x2="36585" y2="11949"/>
+                        <a14:backgroundMark x1="39837" y1="12877" x2="39837" y2="12877"/>
+                        <a14:backgroundMark x1="37805" y1="14617" x2="37805" y2="14617"/>
+                        <a14:backgroundMark x1="39228" y1="13921" x2="39228" y2="13921"/>
+                        <a14:backgroundMark x1="41667" y1="13689" x2="41667" y2="13689"/>
+                        <a14:backgroundMark x1="43902" y1="13457" x2="43902" y2="13457"/>
+                        <a14:backgroundMark x1="51829" y1="10905" x2="51829" y2="10905"/>
+                        <a14:backgroundMark x1="49797" y1="13109" x2="49797" y2="13109"/>
+                        <a14:backgroundMark x1="51626" y1="13341" x2="51626" y2="13341"/>
+                        <a14:backgroundMark x1="43902" y1="13341" x2="43902" y2="13341"/>
+                        <a14:backgroundMark x1="41260" y1="13921" x2="41260" y2="13921"/>
+                        <a14:backgroundMark x1="41260" y1="13805" x2="42276" y2="13805"/>
+                        <a14:backgroundMark x1="40447" y1="13457" x2="44715" y2="14153"/>
+                        <a14:backgroundMark x1="69512" y1="41647" x2="75407" y2="42459"/>
+                        <a14:backgroundMark x1="72764" y1="35847" x2="70325" y2="43735"/>
+                        <a14:backgroundMark x1="69512" y1="39907" x2="77642" y2="44200"/>
+                        <a14:backgroundMark x1="68902" y1="46172" x2="75407" y2="52784"/>
+                        <a14:backgroundMark x1="65447" y1="46520" x2="67276" y2="54756"/>
+                        <a14:backgroundMark x1="60976" y1="46404" x2="70732" y2="59861"/>
+                        <a14:backgroundMark x1="53862" y1="62297" x2="75407" y2="85383"/>
+                        <a14:backgroundMark x1="70732" y1="76682" x2="81098" y2="96752"/>
+                        <a14:backgroundMark x1="43089" y1="82019" x2="44512" y2="82599"/>
+                        <a14:backgroundMark x1="74593" y1="93852" x2="74593" y2="93852"/>
+                        <a14:backgroundMark x1="70122" y1="93852" x2="75203" y2="95824"/>
+                        <a14:backgroundMark x1="77642" y1="96172" x2="77439" y2="98724"/>
+                        <a14:backgroundMark x1="38211" y1="58585" x2="38211" y2="58585"/>
+                        <a14:backgroundMark x1="34350" y1="44548" x2="34350" y2="44548"/>
+                        <a14:backgroundMark x1="41260" y1="19838" x2="41260" y2="19838"/>
+                        <a14:backgroundMark x1="32114" y1="22390" x2="56301" y2="12877"/>
+                        <a14:backgroundMark x1="54268" y1="15429" x2="19309" y2="29582"/>
+                        <a14:backgroundMark x1="47764" y1="16589" x2="46545" y2="39211"/>
+                        <a14:backgroundMark x1="20732" y1="30742" x2="38211" y2="62761"/>
+                        <a14:backgroundMark x1="31911" y1="53248" x2="46545" y2="87239"/>
+                        <a14:backgroundMark x1="56504" y1="57193" x2="80285" y2="87471"/>
+                        <a14:backgroundMark x1="39634" y1="76682" x2="43293" y2="98724"/>
+                        <a14:backgroundMark x1="30285" y1="89095" x2="42480" y2="94896"/>
+                        <a14:backgroundMark x1="26626" y1="90835" x2="28862" y2="93155"/>
+                        <a14:backgroundMark x1="31098" y1="92807" x2="31098" y2="92807"/>
+                        <a14:backgroundMark x1="27846" y1="90139" x2="27846" y2="90139"/>
+                        <a14:backgroundMark x1="29675" y1="92111" x2="29675" y2="92111"/>
+                        <a14:backgroundMark x1="50610" y1="69606" x2="50610" y2="69606"/>
+                        <a14:backgroundMark x1="46138" y1="71694" x2="46138" y2="71694"/>
+                        <a14:backgroundMark x1="44512" y1="68213" x2="44512" y2="68213"/>
+                        <a14:backgroundMark x1="42480" y1="57541" x2="42480" y2="57541"/>
+                        <a14:backgroundMark x1="36992" y1="50116" x2="36992" y2="50116"/>
+                        <a14:backgroundMark x1="38415" y1="47796" x2="52236" y2="56729"/>
+                        <a14:backgroundMark x1="42683" y1="45708" x2="55488" y2="60209"/>
+                        <a14:backgroundMark x1="46138" y1="33179" x2="58130" y2="48144"/>
+                        <a14:backgroundMark x1="31911" y1="29002" x2="53252" y2="51508"/>
+                        <a14:backgroundMark x1="57114" y1="25754" x2="57114" y2="25754"/>
+                        <a14:backgroundMark x1="55081" y1="25290" x2="57724" y2="29002"/>
+                        <a14:backgroundMark x1="49797" y1="19142" x2="52439" y2="20882"/>
+                        <a14:backgroundMark x1="57114" y1="26798" x2="59756" y2="29930"/>
+                      </a14:backgroundRemoval>
+                    </a14:imgEffect>
+                  </a14:imgLayer>
+                </a14:imgProps>
+              </a:ext>
+            </a:extLst>
+          </a:blip>
+          <a:srcRect l="48573" t="12500" r="22742" b="63222"/>
+          <a:stretch/>
+        </p:blipFill>
+        <p:spPr>
+          <a:xfrm flipH="1">
+            <a:off x="7391955" y="4138953"/>
+            <a:ext cx="426316" cy="479008"/>
+          </a:xfrm>
+          <a:prstGeom prst="rect">
+            <a:avLst/>
+          </a:prstGeom>
+        </p:spPr>
+      </p:pic>
+      <p:pic>
+        <p:nvPicPr>
+          <p:cNvPr id="33" name="그림 32" descr="무기, 밤이(가) 표시된 사진&#10;&#10;자동 생성된 설명">
+            <a:extLst>
+              <a:ext uri="{FF2B5EF4-FFF2-40B4-BE49-F238E27FC236}">
+                <a16:creationId xmlns:a16="http://schemas.microsoft.com/office/drawing/2014/main" id="{E8684B4F-9367-4E22-BDF1-316C62021164}"/>
+              </a:ext>
+            </a:extLst>
+          </p:cNvPr>
+          <p:cNvPicPr>
+            <a:picLocks noChangeAspect="1"/>
+          </p:cNvPicPr>
+          <p:nvPr/>
+        </p:nvPicPr>
+        <p:blipFill rotWithShape="1">
+          <a:blip r:embed="rId7" cstate="print">
+            <a:extLst>
+              <a:ext uri="{28A0092B-C50C-407E-A947-70E740481C1C}">
+                <a14:useLocalDpi xmlns:a14="http://schemas.microsoft.com/office/drawing/2010/main" val="0"/>
+              </a:ext>
+            </a:extLst>
+          </a:blip>
+          <a:srcRect/>
+          <a:stretch/>
+        </p:blipFill>
+        <p:spPr>
+          <a:xfrm rot="21402830">
+            <a:off x="5605468" y="4497876"/>
+            <a:ext cx="3273172" cy="237366"/>
+          </a:xfrm>
+          <a:prstGeom prst="rect">
+            <a:avLst/>
+          </a:prstGeom>
+        </p:spPr>
+      </p:pic>
+      <p:pic>
+        <p:nvPicPr>
+          <p:cNvPr id="34" name="그림 33">
+            <a:extLst>
+              <a:ext uri="{FF2B5EF4-FFF2-40B4-BE49-F238E27FC236}">
+                <a16:creationId xmlns:a16="http://schemas.microsoft.com/office/drawing/2014/main" id="{14970006-CBFE-4247-853A-45B851747023}"/>
+              </a:ext>
+            </a:extLst>
+          </p:cNvPr>
+          <p:cNvPicPr>
+            <a:picLocks noChangeAspect="1"/>
+          </p:cNvPicPr>
+          <p:nvPr/>
+        </p:nvPicPr>
+        <p:blipFill>
+          <a:blip r:embed="rId8">
+            <a:extLst>
+              <a:ext uri="{BEBA8EAE-BF5A-486C-A8C5-ECC9F3942E4B}">
+                <a14:imgProps xmlns:a14="http://schemas.microsoft.com/office/drawing/2010/main">
+                  <a14:imgLayer r:embed="rId9">
+                    <a14:imgEffect>
+                      <a14:backgroundRemoval t="10000" b="90000" l="10000" r="90000"/>
+                    </a14:imgEffect>
+                  </a14:imgLayer>
+                </a14:imgProps>
+              </a:ext>
+            </a:extLst>
+          </a:blip>
+          <a:stretch>
+            <a:fillRect/>
+          </a:stretch>
+        </p:blipFill>
+        <p:spPr>
+          <a:xfrm flipH="1">
+            <a:off x="7519683" y="3895952"/>
+            <a:ext cx="468991" cy="354290"/>
+          </a:xfrm>
+          <a:prstGeom prst="rect">
+            <a:avLst/>
+          </a:prstGeom>
+        </p:spPr>
+      </p:pic>
+      <p:pic>
+        <p:nvPicPr>
+          <p:cNvPr id="35" name="그림 34">
+            <a:extLst>
+              <a:ext uri="{FF2B5EF4-FFF2-40B4-BE49-F238E27FC236}">
+                <a16:creationId xmlns:a16="http://schemas.microsoft.com/office/drawing/2014/main" id="{9311BC20-57D6-4EEC-A9E6-11746E921734}"/>
+              </a:ext>
+            </a:extLst>
+          </p:cNvPr>
+          <p:cNvPicPr>
+            <a:picLocks noChangeAspect="1"/>
+          </p:cNvPicPr>
+          <p:nvPr/>
+        </p:nvPicPr>
+        <p:blipFill rotWithShape="1">
+          <a:blip r:embed="rId10">
+            <a:extLst>
+              <a:ext uri="{BEBA8EAE-BF5A-486C-A8C5-ECC9F3942E4B}">
+                <a14:imgProps xmlns:a14="http://schemas.microsoft.com/office/drawing/2010/main">
+                  <a14:imgLayer r:embed="rId3">
+                    <a14:imgEffect>
+                      <a14:backgroundRemoval t="9977" b="95708" l="9553" r="89431">
+                        <a14:foregroundMark x1="43293" y1="77262" x2="43293" y2="77262"/>
+                        <a14:foregroundMark x1="45528" y1="76102" x2="45528" y2="76102"/>
+                        <a14:foregroundMark x1="47358" y1="75638" x2="47358" y2="75638"/>
+                        <a14:foregroundMark x1="47154" y1="77030" x2="47154" y2="77030"/>
+                        <a14:foregroundMark x1="45122" y1="77842" x2="45122" y2="77842"/>
+                        <a14:foregroundMark x1="23374" y1="91647" x2="23374" y2="91647"/>
+                        <a14:backgroundMark x1="36382" y1="9165" x2="47967" y2="12181"/>
+                        <a14:backgroundMark x1="47967" y1="12181" x2="47764" y2="11253"/>
+                        <a14:backgroundMark x1="36585" y1="11949" x2="36585" y2="11949"/>
+                        <a14:backgroundMark x1="39837" y1="12877" x2="39837" y2="12877"/>
+                        <a14:backgroundMark x1="37805" y1="14617" x2="37805" y2="14617"/>
+                        <a14:backgroundMark x1="39228" y1="13921" x2="39228" y2="13921"/>
+                        <a14:backgroundMark x1="41667" y1="13689" x2="41667" y2="13689"/>
+                        <a14:backgroundMark x1="43902" y1="13457" x2="43902" y2="13457"/>
+                        <a14:backgroundMark x1="51829" y1="10905" x2="51829" y2="10905"/>
+                        <a14:backgroundMark x1="49797" y1="13109" x2="49797" y2="13109"/>
+                        <a14:backgroundMark x1="51626" y1="13341" x2="51626" y2="13341"/>
+                        <a14:backgroundMark x1="43902" y1="13341" x2="43902" y2="13341"/>
+                        <a14:backgroundMark x1="41260" y1="13921" x2="41260" y2="13921"/>
+                        <a14:backgroundMark x1="41260" y1="13805" x2="42276" y2="13805"/>
+                        <a14:backgroundMark x1="40447" y1="13457" x2="44715" y2="14153"/>
+                        <a14:backgroundMark x1="29675" y1="24710" x2="68496" y2="21346"/>
+                        <a14:backgroundMark x1="35976" y1="20766" x2="69919" y2="19374"/>
+                        <a14:backgroundMark x1="49797" y1="43155" x2="49797" y2="43155"/>
+                        <a14:backgroundMark x1="38821" y1="46984" x2="46341" y2="49420"/>
+                        <a14:backgroundMark x1="38415" y1="50232" x2="46341" y2="55104"/>
+                        <a14:backgroundMark x1="41870" y1="53364" x2="46951" y2="58469"/>
+                        <a14:backgroundMark x1="29472" y1="47680" x2="49593" y2="51044"/>
+                        <a14:backgroundMark x1="53252" y1="42923" x2="66260" y2="55568"/>
+                        <a14:backgroundMark x1="64024" y1="69954" x2="74797" y2="86311"/>
+                        <a14:backgroundMark x1="78659" y1="81323" x2="79268" y2="91299"/>
+                        <a14:backgroundMark x1="73374" y1="91763" x2="75407" y2="99072"/>
+                        <a14:backgroundMark x1="21138" y1="46172" x2="31504" y2="26914"/>
+                        <a14:backgroundMark x1="29268" y1="88863" x2="29268" y2="88863"/>
+                        <a14:backgroundMark x1="31707" y1="86891" x2="36992" y2="89211"/>
+                        <a14:backgroundMark x1="30285" y1="90951" x2="26016" y2="90835"/>
+                        <a14:backgroundMark x1="27846" y1="92227" x2="31911" y2="94780"/>
+                      </a14:backgroundRemoval>
+                    </a14:imgEffect>
+                  </a14:imgLayer>
+                </a14:imgProps>
+              </a:ext>
+            </a:extLst>
+          </a:blip>
+          <a:srcRect l="20623" t="54926" r="46022" b="11004"/>
+          <a:stretch/>
+        </p:blipFill>
+        <p:spPr>
+          <a:xfrm rot="19877772">
+            <a:off x="7518840" y="4614885"/>
+            <a:ext cx="375635" cy="884270"/>
+          </a:xfrm>
+          <a:prstGeom prst="rect">
+            <a:avLst/>
+          </a:prstGeom>
+        </p:spPr>
+      </p:pic>
+      <p:pic>
+        <p:nvPicPr>
+          <p:cNvPr id="36" name="그림 35">
+            <a:extLst>
+              <a:ext uri="{FF2B5EF4-FFF2-40B4-BE49-F238E27FC236}">
+                <a16:creationId xmlns:a16="http://schemas.microsoft.com/office/drawing/2014/main" id="{475BD460-7DE8-4342-BF97-59116A008D01}"/>
+              </a:ext>
+            </a:extLst>
+          </p:cNvPr>
+          <p:cNvPicPr>
+            <a:picLocks noChangeAspect="1"/>
+          </p:cNvPicPr>
+          <p:nvPr/>
+        </p:nvPicPr>
+        <p:blipFill rotWithShape="1">
+          <a:blip r:embed="rId11">
+            <a:extLst>
+              <a:ext uri="{BEBA8EAE-BF5A-486C-A8C5-ECC9F3942E4B}">
+                <a14:imgProps xmlns:a14="http://schemas.microsoft.com/office/drawing/2010/main">
+                  <a14:imgLayer r:embed="rId3">
+                    <a14:imgEffect>
+                      <a14:backgroundRemoval t="9977" b="95708" l="9553" r="89431">
+                        <a14:foregroundMark x1="28659" y1="89675" x2="27846" y2="90487"/>
+                        <a14:foregroundMark x1="23374" y1="91647" x2="23374" y2="91647"/>
+                        <a14:foregroundMark x1="31098" y1="92691" x2="31098" y2="92691"/>
+                        <a14:foregroundMark x1="31911" y1="86543" x2="31911" y2="86543"/>
+                        <a14:backgroundMark x1="36382" y1="9165" x2="47967" y2="12181"/>
+                        <a14:backgroundMark x1="47967" y1="12181" x2="47764" y2="11253"/>
+                        <a14:backgroundMark x1="36585" y1="11949" x2="36585" y2="11949"/>
+                        <a14:backgroundMark x1="39837" y1="12877" x2="39837" y2="12877"/>
+                        <a14:backgroundMark x1="37805" y1="14617" x2="37805" y2="14617"/>
+                        <a14:backgroundMark x1="39228" y1="13921" x2="39228" y2="13921"/>
+                        <a14:backgroundMark x1="41667" y1="13689" x2="41667" y2="13689"/>
+                        <a14:backgroundMark x1="43902" y1="13457" x2="43902" y2="13457"/>
+                        <a14:backgroundMark x1="51829" y1="10905" x2="51829" y2="10905"/>
+                        <a14:backgroundMark x1="49797" y1="13109" x2="49797" y2="13109"/>
+                        <a14:backgroundMark x1="51626" y1="13341" x2="51626" y2="13341"/>
+                        <a14:backgroundMark x1="43902" y1="13341" x2="43902" y2="13341"/>
+                        <a14:backgroundMark x1="41260" y1="13921" x2="41260" y2="13921"/>
+                        <a14:backgroundMark x1="41260" y1="13805" x2="42276" y2="13805"/>
+                        <a14:backgroundMark x1="40447" y1="13457" x2="44715" y2="14153"/>
+                        <a14:backgroundMark x1="29675" y1="24710" x2="68496" y2="21346"/>
+                        <a14:backgroundMark x1="35976" y1="20766" x2="69919" y2="19374"/>
+                        <a14:backgroundMark x1="49797" y1="43155" x2="49797" y2="43155"/>
+                        <a14:backgroundMark x1="38821" y1="46984" x2="46341" y2="49420"/>
+                        <a14:backgroundMark x1="38415" y1="50232" x2="46341" y2="55104"/>
+                        <a14:backgroundMark x1="41870" y1="53364" x2="46951" y2="58469"/>
+                        <a14:backgroundMark x1="29472" y1="47680" x2="49593" y2="51044"/>
+                        <a14:backgroundMark x1="53252" y1="42923" x2="66260" y2="55568"/>
+                        <a14:backgroundMark x1="64024" y1="69954" x2="74797" y2="86311"/>
+                        <a14:backgroundMark x1="78659" y1="81323" x2="79268" y2="91299"/>
+                        <a14:backgroundMark x1="73374" y1="91763" x2="75407" y2="99072"/>
+                        <a14:backgroundMark x1="21138" y1="46172" x2="31504" y2="26914"/>
+                        <a14:backgroundMark x1="35163" y1="82831" x2="33333" y2="67749"/>
+                        <a14:backgroundMark x1="33333" y1="67749" x2="42276" y2="84455"/>
+                        <a14:backgroundMark x1="42276" y1="84455" x2="44919" y2="85383"/>
+                        <a14:backgroundMark x1="40244" y1="84571" x2="46341" y2="88051"/>
+                        <a14:backgroundMark x1="41667" y1="85731" x2="45732" y2="89095"/>
+                        <a14:backgroundMark x1="45122" y1="76682" x2="47764" y2="80974"/>
+                        <a14:backgroundMark x1="33943" y1="61833" x2="41260" y2="71578"/>
+                        <a14:backgroundMark x1="44715" y1="30046" x2="47561" y2="40371"/>
+                        <a14:backgroundMark x1="41260" y1="68677" x2="46951" y2="79582"/>
+                      </a14:backgroundRemoval>
+                    </a14:imgEffect>
+                  </a14:imgLayer>
+                </a14:imgProps>
+              </a:ext>
+            </a:extLst>
+          </a:blip>
+          <a:srcRect l="20623" t="81403" r="53405" b="6117"/>
+          <a:stretch/>
+        </p:blipFill>
+        <p:spPr>
+          <a:xfrm rot="152166">
+            <a:off x="7620447" y="5206698"/>
+            <a:ext cx="384783" cy="246232"/>
+          </a:xfrm>
+          <a:prstGeom prst="rect">
+            <a:avLst/>
+          </a:prstGeom>
+        </p:spPr>
+      </p:pic>
+      <p:pic>
+        <p:nvPicPr>
+          <p:cNvPr id="37" name="그림 36">
+            <a:extLst>
+              <a:ext uri="{FF2B5EF4-FFF2-40B4-BE49-F238E27FC236}">
+                <a16:creationId xmlns:a16="http://schemas.microsoft.com/office/drawing/2014/main" id="{855E0D97-E4BC-46CA-83A3-80ACC7112AFB}"/>
+              </a:ext>
+            </a:extLst>
+          </p:cNvPr>
+          <p:cNvPicPr>
+            <a:picLocks noChangeAspect="1"/>
+          </p:cNvPicPr>
+          <p:nvPr/>
+        </p:nvPicPr>
+        <p:blipFill rotWithShape="1">
+          <a:blip r:embed="rId12">
+            <a:extLst>
+              <a:ext uri="{BEBA8EAE-BF5A-486C-A8C5-ECC9F3942E4B}">
+                <a14:imgProps xmlns:a14="http://schemas.microsoft.com/office/drawing/2010/main">
+                  <a14:imgLayer r:embed="rId3">
+                    <a14:imgEffect>
+                      <a14:backgroundRemoval t="9977" b="95708" l="9553" r="89431">
+                        <a14:foregroundMark x1="23374" y1="91647" x2="23374" y2="91647"/>
+                        <a14:foregroundMark x1="73374" y1="93155" x2="73374" y2="93155"/>
+                        <a14:foregroundMark x1="70528" y1="93852" x2="76016" y2="95708"/>
+                        <a14:backgroundMark x1="36382" y1="9165" x2="47967" y2="12181"/>
+                        <a14:backgroundMark x1="47967" y1="12181" x2="47764" y2="11253"/>
+                        <a14:backgroundMark x1="36585" y1="11949" x2="36585" y2="11949"/>
+                        <a14:backgroundMark x1="39837" y1="12877" x2="39837" y2="12877"/>
+                        <a14:backgroundMark x1="37805" y1="14617" x2="37805" y2="14617"/>
+                        <a14:backgroundMark x1="39228" y1="13921" x2="39228" y2="13921"/>
+                        <a14:backgroundMark x1="41667" y1="13689" x2="41667" y2="13689"/>
+                        <a14:backgroundMark x1="43902" y1="13457" x2="43902" y2="13457"/>
+                        <a14:backgroundMark x1="51829" y1="10905" x2="51829" y2="10905"/>
+                        <a14:backgroundMark x1="49797" y1="13109" x2="49797" y2="13109"/>
+                        <a14:backgroundMark x1="51626" y1="13341" x2="51626" y2="13341"/>
+                        <a14:backgroundMark x1="43902" y1="13341" x2="43902" y2="13341"/>
+                        <a14:backgroundMark x1="41260" y1="13921" x2="41260" y2="13921"/>
+                        <a14:backgroundMark x1="41260" y1="13805" x2="42276" y2="13805"/>
+                        <a14:backgroundMark x1="40447" y1="13457" x2="44715" y2="14153"/>
+                        <a14:backgroundMark x1="35772" y1="75754" x2="34756" y2="86659"/>
+                        <a14:backgroundMark x1="43293" y1="85731" x2="43293" y2="85731"/>
+                        <a14:backgroundMark x1="31301" y1="90255" x2="31301" y2="90255"/>
+                        <a14:backgroundMark x1="39228" y1="90951" x2="42480" y2="88167"/>
+                        <a14:backgroundMark x1="38821" y1="77146" x2="42886" y2="82019"/>
+                        <a14:backgroundMark x1="40041" y1="74594" x2="37195" y2="88283"/>
+                        <a14:backgroundMark x1="29878" y1="90951" x2="41057" y2="84223"/>
+                        <a14:backgroundMark x1="29675" y1="88167" x2="27439" y2="95128"/>
+                        <a14:backgroundMark x1="30081" y1="91183" x2="30081" y2="91183"/>
+                        <a14:backgroundMark x1="43293" y1="71810" x2="43293" y2="71810"/>
+                        <a14:backgroundMark x1="45732" y1="76682" x2="45732" y2="76682"/>
+                        <a14:backgroundMark x1="47967" y1="73782" x2="47967" y2="73782"/>
+                        <a14:backgroundMark x1="46138" y1="74942" x2="46951" y2="78770"/>
+                        <a14:backgroundMark x1="39837" y1="65081" x2="39837" y2="65081"/>
+                        <a14:backgroundMark x1="31707" y1="57541" x2="36382" y2="67865"/>
+                        <a14:backgroundMark x1="41667" y1="40139" x2="45935" y2="43039"/>
+                        <a14:backgroundMark x1="37195" y1="45244" x2="46138" y2="45708"/>
+                        <a14:backgroundMark x1="30285" y1="33991" x2="21138" y2="53712"/>
+                        <a14:backgroundMark x1="32520" y1="27262" x2="26220" y2="32947"/>
+                        <a14:backgroundMark x1="29065" y1="21578" x2="32520" y2="32599"/>
+                        <a14:backgroundMark x1="25610" y1="20534" x2="32927" y2="31206"/>
+                        <a14:backgroundMark x1="29878" y1="18794" x2="52846" y2="39559"/>
+                        <a14:backgroundMark x1="35569" y1="18329" x2="55894" y2="31206"/>
+                        <a14:backgroundMark x1="42886" y1="17517" x2="64431" y2="29930"/>
+                        <a14:backgroundMark x1="75407" y1="35615" x2="77642" y2="40719"/>
+                        <a14:backgroundMark x1="70935" y1="40139" x2="75203" y2="48492"/>
+                        <a14:backgroundMark x1="69106" y1="41183" x2="71545" y2="52320"/>
+                        <a14:backgroundMark x1="64837" y1="48956" x2="70732" y2="52784"/>
+                        <a14:backgroundMark x1="56707" y1="39559" x2="60772" y2="45940"/>
+                        <a14:backgroundMark x1="47358" y1="41531" x2="34959" y2="46404"/>
+                        <a14:backgroundMark x1="45935" y1="43619" x2="31911" y2="53364"/>
+                        <a14:backgroundMark x1="38211" y1="48492" x2="39024" y2="60325"/>
+                      </a14:backgroundRemoval>
+                    </a14:imgEffect>
+                  </a14:imgLayer>
+                </a14:imgProps>
+              </a:ext>
+            </a:extLst>
+          </a:blip>
+          <a:srcRect l="48587" t="63427" r="1319" b="-477"/>
+          <a:stretch/>
+        </p:blipFill>
+        <p:spPr>
+          <a:xfrm rot="196757">
+            <a:off x="8029307" y="4795208"/>
+            <a:ext cx="667298" cy="657333"/>
+          </a:xfrm>
+          <a:prstGeom prst="rect">
+            <a:avLst/>
+          </a:prstGeom>
+        </p:spPr>
+      </p:pic>
+      <p:pic>
+        <p:nvPicPr>
+          <p:cNvPr id="38" name="그림 37">
+            <a:extLst>
+              <a:ext uri="{FF2B5EF4-FFF2-40B4-BE49-F238E27FC236}">
+                <a16:creationId xmlns:a16="http://schemas.microsoft.com/office/drawing/2014/main" id="{7EEC5A55-5837-4E62-959C-B57DFDD2CB88}"/>
+              </a:ext>
+            </a:extLst>
+          </p:cNvPr>
+          <p:cNvPicPr>
+            <a:picLocks noChangeAspect="1"/>
+          </p:cNvPicPr>
+          <p:nvPr/>
+        </p:nvPicPr>
+        <p:blipFill>
+          <a:blip r:embed="rId13">
+            <a:extLst>
+              <a:ext uri="{BEBA8EAE-BF5A-486C-A8C5-ECC9F3942E4B}">
+                <a14:imgProps xmlns:a14="http://schemas.microsoft.com/office/drawing/2010/main">
+                  <a14:imgLayer r:embed="rId14">
+                    <a14:imgEffect>
+                      <a14:backgroundRemoval t="9920" b="97989" l="9658" r="89940">
+                        <a14:foregroundMark x1="34004" y1="84584" x2="33199" y2="91153"/>
+                        <a14:foregroundMark x1="29376" y1="83914" x2="39437" y2="90080"/>
+                        <a14:foregroundMark x1="28370" y1="94370" x2="35010" y2="97989"/>
+                        <a14:backgroundMark x1="53722" y1="15818" x2="91952" y2="9651"/>
+                        <a14:backgroundMark x1="55734" y1="18633" x2="85513" y2="13539"/>
+                        <a14:backgroundMark x1="55734" y1="18231" x2="74648" y2="14209"/>
+                        <a14:backgroundMark x1="72636" y1="65952" x2="63581" y2="92895"/>
+                        <a14:backgroundMark x1="71630" y1="42627" x2="66197" y2="49330"/>
+                        <a14:backgroundMark x1="74849" y1="42359" x2="76861" y2="41957"/>
+                        <a14:backgroundMark x1="75252" y1="40214" x2="79678" y2="43432"/>
+                        <a14:backgroundMark x1="75252" y1="41287" x2="66197" y2="51206"/>
+                        <a14:backgroundMark x1="66197" y1="68767" x2="63179" y2="91421"/>
+                      </a14:backgroundRemoval>
+                    </a14:imgEffect>
+                  </a14:imgLayer>
+                </a14:imgProps>
+              </a:ext>
+            </a:extLst>
+          </a:blip>
+          <a:stretch>
+            <a:fillRect/>
+          </a:stretch>
+        </p:blipFill>
+        <p:spPr>
+          <a:xfrm rot="20838769">
+            <a:off x="7223144" y="4123624"/>
+            <a:ext cx="526487" cy="436734"/>
+          </a:xfrm>
+          <a:prstGeom prst="rect">
+            <a:avLst/>
+          </a:prstGeom>
+        </p:spPr>
+      </p:pic>
+      <p:pic>
+        <p:nvPicPr>
+          <p:cNvPr id="39" name="그림 38">
+            <a:extLst>
+              <a:ext uri="{FF2B5EF4-FFF2-40B4-BE49-F238E27FC236}">
+                <a16:creationId xmlns:a16="http://schemas.microsoft.com/office/drawing/2014/main" id="{D3CCB221-F6CA-46E6-BED9-1A4C1624800A}"/>
+              </a:ext>
+            </a:extLst>
+          </p:cNvPr>
+          <p:cNvPicPr>
+            <a:picLocks noChangeAspect="1"/>
+          </p:cNvPicPr>
+          <p:nvPr/>
+        </p:nvPicPr>
+        <p:blipFill rotWithShape="1">
+          <a:blip r:embed="rId15">
+            <a:extLst>
+              <a:ext uri="{BEBA8EAE-BF5A-486C-A8C5-ECC9F3942E4B}">
+                <a14:imgProps xmlns:a14="http://schemas.microsoft.com/office/drawing/2010/main">
+                  <a14:imgLayer r:embed="rId3">
+                    <a14:imgEffect>
+                      <a14:backgroundRemoval t="9977" b="95708" l="9553" r="89431">
+                        <a14:foregroundMark x1="47358" y1="75638" x2="47358" y2="75638"/>
+                        <a14:backgroundMark x1="36382" y1="9165" x2="47967" y2="12181"/>
+                        <a14:backgroundMark x1="47967" y1="12181" x2="47764" y2="11253"/>
+                        <a14:backgroundMark x1="36585" y1="11949" x2="36585" y2="11949"/>
+                        <a14:backgroundMark x1="39837" y1="12877" x2="39837" y2="12877"/>
+                        <a14:backgroundMark x1="37805" y1="14617" x2="37805" y2="14617"/>
+                        <a14:backgroundMark x1="39228" y1="13921" x2="39228" y2="13921"/>
+                        <a14:backgroundMark x1="41667" y1="13689" x2="41667" y2="13689"/>
+                        <a14:backgroundMark x1="43902" y1="13457" x2="43902" y2="13457"/>
+                        <a14:backgroundMark x1="51829" y1="10905" x2="51829" y2="10905"/>
+                        <a14:backgroundMark x1="49797" y1="13109" x2="49797" y2="13109"/>
+                        <a14:backgroundMark x1="51626" y1="13341" x2="51626" y2="13341"/>
+                        <a14:backgroundMark x1="43902" y1="13341" x2="43902" y2="13341"/>
+                        <a14:backgroundMark x1="41260" y1="13921" x2="41260" y2="13921"/>
+                        <a14:backgroundMark x1="41260" y1="13805" x2="42276" y2="13805"/>
+                        <a14:backgroundMark x1="40447" y1="13457" x2="44715" y2="14153"/>
+                        <a14:backgroundMark x1="23374" y1="28306" x2="24187" y2="38979"/>
+                        <a14:backgroundMark x1="25610" y1="31206" x2="25610" y2="31206"/>
+                        <a14:backgroundMark x1="24187" y1="28422" x2="24187" y2="28422"/>
+                        <a14:backgroundMark x1="25000" y1="28654" x2="25000" y2="28654"/>
+                        <a14:backgroundMark x1="24593" y1="27378" x2="24593" y2="27378"/>
+                        <a14:backgroundMark x1="23577" y1="21926" x2="23577" y2="21926"/>
+                        <a14:backgroundMark x1="24187" y1="20302" x2="24390" y2="27842"/>
+                        <a14:backgroundMark x1="25000" y1="20766" x2="23984" y2="19026"/>
+                        <a14:backgroundMark x1="23984" y1="20766" x2="23984" y2="21810"/>
+                        <a14:backgroundMark x1="18496" y1="34571" x2="19106" y2="49420"/>
+                        <a14:backgroundMark x1="28252" y1="48956" x2="35976" y2="73202"/>
+                        <a14:backgroundMark x1="34553" y1="67169" x2="42073" y2="87819"/>
+                        <a14:backgroundMark x1="42886" y1="69722" x2="45935" y2="89907"/>
+                        <a14:backgroundMark x1="40650" y1="76218" x2="28862" y2="93039"/>
+                        <a14:backgroundMark x1="32114" y1="87819" x2="47967" y2="89559"/>
+                        <a14:backgroundMark x1="65650" y1="74246" x2="78252" y2="92111"/>
+                        <a14:backgroundMark x1="27033" y1="89675" x2="22561" y2="92459"/>
+                        <a14:backgroundMark x1="29675" y1="90139" x2="78659" y2="95940"/>
+                        <a14:backgroundMark x1="69715" y1="94084" x2="83537" y2="90835"/>
+                        <a14:backgroundMark x1="75407" y1="91531" x2="77236" y2="96752"/>
+                        <a14:backgroundMark x1="57520" y1="61369" x2="70528" y2="65893"/>
+                        <a14:backgroundMark x1="53252" y1="59281" x2="66463" y2="64733"/>
+                        <a14:backgroundMark x1="55488" y1="57773" x2="66870" y2="64269"/>
+                        <a14:backgroundMark x1="49187" y1="51624" x2="60366" y2="59049"/>
+                        <a14:backgroundMark x1="44715" y1="46752" x2="61382" y2="58469"/>
+                        <a14:backgroundMark x1="52236" y1="46984" x2="66463" y2="57657"/>
+                        <a14:backgroundMark x1="63618" y1="19026" x2="78659" y2="35847"/>
+                        <a14:backgroundMark x1="66260" y1="24362" x2="75000" y2="38399"/>
+                        <a14:backgroundMark x1="65650" y1="27726" x2="68496" y2="34107"/>
+                        <a14:backgroundMark x1="60976" y1="22506" x2="65650" y2="29234"/>
+                        <a14:backgroundMark x1="60366" y1="16473" x2="66667" y2="21578"/>
+                        <a14:backgroundMark x1="60569" y1="15197" x2="65447" y2="18213"/>
+                        <a14:backgroundMark x1="63415" y1="30974" x2="63618" y2="31787"/>
+                        <a14:backgroundMark x1="62398" y1="29930" x2="64228" y2="32715"/>
+                        <a14:backgroundMark x1="62195" y1="28306" x2="65650" y2="32715"/>
+                        <a14:backgroundMark x1="29675" y1="21694" x2="50407" y2="22158"/>
+                        <a14:backgroundMark x1="30894" y1="26218" x2="52642" y2="28074"/>
+                        <a14:backgroundMark x1="33333" y1="31787" x2="52642" y2="32135"/>
+                      </a14:backgroundRemoval>
+                    </a14:imgEffect>
+                  </a14:imgLayer>
+                </a14:imgProps>
+              </a:ext>
+            </a:extLst>
+          </a:blip>
+          <a:srcRect l="27123" t="20143" r="36810" b="45682"/>
+          <a:stretch/>
+        </p:blipFill>
+        <p:spPr>
+          <a:xfrm>
+            <a:off x="7701720" y="4169453"/>
+            <a:ext cx="534326" cy="674297"/>
+          </a:xfrm>
+          <a:prstGeom prst="rect">
+            <a:avLst/>
+          </a:prstGeom>
+        </p:spPr>
+      </p:pic>
+      <p:pic>
+        <p:nvPicPr>
+          <p:cNvPr id="40" name="그림 39">
+            <a:extLst>
+              <a:ext uri="{FF2B5EF4-FFF2-40B4-BE49-F238E27FC236}">
+                <a16:creationId xmlns:a16="http://schemas.microsoft.com/office/drawing/2014/main" id="{F922BC8F-5B5D-475F-9E5E-76C1EA526423}"/>
+              </a:ext>
+            </a:extLst>
+          </p:cNvPr>
+          <p:cNvPicPr>
+            <a:picLocks noChangeAspect="1"/>
+          </p:cNvPicPr>
+          <p:nvPr/>
+        </p:nvPicPr>
+        <p:blipFill rotWithShape="1">
+          <a:blip r:embed="rId6">
+            <a:extLst>
+              <a:ext uri="{BEBA8EAE-BF5A-486C-A8C5-ECC9F3942E4B}">
+                <a14:imgProps xmlns:a14="http://schemas.microsoft.com/office/drawing/2010/main">
+                  <a14:imgLayer r:embed="rId3">
+                    <a14:imgEffect>
+                      <a14:backgroundRemoval t="9977" b="95708" l="9553" r="89431">
+                        <a14:foregroundMark x1="28659" y1="89675" x2="28193" y2="90141"/>
+                        <a14:foregroundMark x1="45528" y1="76102" x2="45528" y2="76102"/>
+                        <a14:foregroundMark x1="47358" y1="75638" x2="47358" y2="75638"/>
+                        <a14:foregroundMark x1="47154" y1="77030" x2="47154" y2="77030"/>
+                        <a14:foregroundMark x1="23374" y1="91647" x2="23374" y2="91647"/>
+                        <a14:foregroundMark x1="31098" y1="92691" x2="31098" y2="92691"/>
+                        <a14:foregroundMark x1="75640" y1="95581" x2="76016" y2="95708"/>
+                        <a14:foregroundMark x1="58333" y1="18794" x2="58333" y2="18794"/>
+                        <a14:foregroundMark x1="64024" y1="27494" x2="64024" y2="27494"/>
+                        <a14:foregroundMark x1="68293" y1="32715" x2="68293" y2="32715"/>
+                        <a14:backgroundMark x1="36382" y1="9165" x2="47967" y2="12181"/>
+                        <a14:backgroundMark x1="47967" y1="12181" x2="47764" y2="11253"/>
+                        <a14:backgroundMark x1="36585" y1="11949" x2="36585" y2="11949"/>
+                        <a14:backgroundMark x1="39837" y1="12877" x2="39837" y2="12877"/>
+                        <a14:backgroundMark x1="37805" y1="14617" x2="37805" y2="14617"/>
+                        <a14:backgroundMark x1="39228" y1="13921" x2="39228" y2="13921"/>
+                        <a14:backgroundMark x1="41667" y1="13689" x2="41667" y2="13689"/>
+                        <a14:backgroundMark x1="43902" y1="13457" x2="43902" y2="13457"/>
+                        <a14:backgroundMark x1="51829" y1="10905" x2="51829" y2="10905"/>
+                        <a14:backgroundMark x1="49797" y1="13109" x2="49797" y2="13109"/>
+                        <a14:backgroundMark x1="51626" y1="13341" x2="51626" y2="13341"/>
+                        <a14:backgroundMark x1="43902" y1="13341" x2="43902" y2="13341"/>
+                        <a14:backgroundMark x1="41260" y1="13921" x2="41260" y2="13921"/>
+                        <a14:backgroundMark x1="41260" y1="13805" x2="42276" y2="13805"/>
+                        <a14:backgroundMark x1="40447" y1="13457" x2="44715" y2="14153"/>
+                        <a14:backgroundMark x1="69512" y1="41647" x2="75407" y2="42459"/>
+                        <a14:backgroundMark x1="72764" y1="35847" x2="70325" y2="43735"/>
+                        <a14:backgroundMark x1="69512" y1="39907" x2="77642" y2="44200"/>
+                        <a14:backgroundMark x1="68902" y1="46172" x2="75407" y2="52784"/>
+                        <a14:backgroundMark x1="65447" y1="46520" x2="67276" y2="54756"/>
+                        <a14:backgroundMark x1="60976" y1="46404" x2="70732" y2="59861"/>
+                        <a14:backgroundMark x1="53862" y1="62297" x2="75407" y2="85383"/>
+                        <a14:backgroundMark x1="70732" y1="76682" x2="81098" y2="96752"/>
+                        <a14:backgroundMark x1="43089" y1="82019" x2="44512" y2="82599"/>
+                        <a14:backgroundMark x1="74593" y1="93852" x2="74593" y2="93852"/>
+                        <a14:backgroundMark x1="70122" y1="93852" x2="75203" y2="95824"/>
+                        <a14:backgroundMark x1="77642" y1="96172" x2="77439" y2="98724"/>
+                        <a14:backgroundMark x1="38211" y1="58585" x2="38211" y2="58585"/>
+                        <a14:backgroundMark x1="34350" y1="44548" x2="34350" y2="44548"/>
+                        <a14:backgroundMark x1="41260" y1="19838" x2="41260" y2="19838"/>
+                        <a14:backgroundMark x1="32114" y1="22390" x2="56301" y2="12877"/>
+                        <a14:backgroundMark x1="54268" y1="15429" x2="19309" y2="29582"/>
+                        <a14:backgroundMark x1="47764" y1="16589" x2="46545" y2="39211"/>
+                        <a14:backgroundMark x1="20732" y1="30742" x2="38211" y2="62761"/>
+                        <a14:backgroundMark x1="31911" y1="53248" x2="46545" y2="87239"/>
+                        <a14:backgroundMark x1="56504" y1="57193" x2="80285" y2="87471"/>
+                        <a14:backgroundMark x1="39634" y1="76682" x2="43293" y2="98724"/>
+                        <a14:backgroundMark x1="30285" y1="89095" x2="42480" y2="94896"/>
+                        <a14:backgroundMark x1="26626" y1="90835" x2="28862" y2="93155"/>
+                        <a14:backgroundMark x1="31098" y1="92807" x2="31098" y2="92807"/>
+                        <a14:backgroundMark x1="27846" y1="90139" x2="27846" y2="90139"/>
+                        <a14:backgroundMark x1="29675" y1="92111" x2="29675" y2="92111"/>
+                        <a14:backgroundMark x1="50610" y1="69606" x2="50610" y2="69606"/>
+                        <a14:backgroundMark x1="46138" y1="71694" x2="46138" y2="71694"/>
+                        <a14:backgroundMark x1="44512" y1="68213" x2="44512" y2="68213"/>
+                        <a14:backgroundMark x1="42480" y1="57541" x2="42480" y2="57541"/>
+                        <a14:backgroundMark x1="36992" y1="50116" x2="36992" y2="50116"/>
+                        <a14:backgroundMark x1="38415" y1="47796" x2="52236" y2="56729"/>
+                        <a14:backgroundMark x1="42683" y1="45708" x2="55488" y2="60209"/>
+                        <a14:backgroundMark x1="46138" y1="33179" x2="58130" y2="48144"/>
+                        <a14:backgroundMark x1="31911" y1="29002" x2="53252" y2="51508"/>
+                        <a14:backgroundMark x1="57114" y1="25754" x2="57114" y2="25754"/>
+                        <a14:backgroundMark x1="55081" y1="25290" x2="57724" y2="29002"/>
+                        <a14:backgroundMark x1="49797" y1="19142" x2="52439" y2="20882"/>
+                        <a14:backgroundMark x1="57114" y1="26798" x2="59756" y2="29930"/>
+                      </a14:backgroundRemoval>
+                    </a14:imgEffect>
+                  </a14:imgLayer>
+                </a14:imgProps>
+              </a:ext>
+            </a:extLst>
+          </a:blip>
+          <a:srcRect l="48573" t="12500" r="22742" b="63222"/>
+          <a:stretch/>
+        </p:blipFill>
+        <p:spPr>
+          <a:xfrm rot="19989340">
+            <a:off x="7902689" y="3939832"/>
+            <a:ext cx="424954" cy="479008"/>
+          </a:xfrm>
+          <a:prstGeom prst="rect">
+            <a:avLst/>
+          </a:prstGeom>
+        </p:spPr>
+      </p:pic>
+      <p:pic>
+        <p:nvPicPr>
+          <p:cNvPr id="41" name="그림 40">
+            <a:extLst>
+              <a:ext uri="{FF2B5EF4-FFF2-40B4-BE49-F238E27FC236}">
+                <a16:creationId xmlns:a16="http://schemas.microsoft.com/office/drawing/2014/main" id="{12CB66F2-06FF-4985-9135-FADD4F4BD958}"/>
+              </a:ext>
+            </a:extLst>
+          </p:cNvPr>
+          <p:cNvPicPr>
+            <a:picLocks noChangeAspect="1"/>
+          </p:cNvPicPr>
+          <p:nvPr/>
+        </p:nvPicPr>
+        <p:blipFill rotWithShape="1">
+          <a:blip r:embed="rId16">
+            <a:extLst>
+              <a:ext uri="{BEBA8EAE-BF5A-486C-A8C5-ECC9F3942E4B}">
+                <a14:imgProps xmlns:a14="http://schemas.microsoft.com/office/drawing/2010/main">
+                  <a14:imgLayer r:embed="rId3">
+                    <a14:imgEffect>
+                      <a14:backgroundRemoval t="9977" b="95708" l="9553" r="89431">
+                        <a14:foregroundMark x1="47358" y1="75638" x2="47358" y2="75638"/>
+                        <a14:backgroundMark x1="36382" y1="9165" x2="47967" y2="12181"/>
+                        <a14:backgroundMark x1="47967" y1="12181" x2="47764" y2="11253"/>
+                        <a14:backgroundMark x1="36585" y1="11949" x2="36585" y2="11949"/>
+                        <a14:backgroundMark x1="39837" y1="12877" x2="39837" y2="12877"/>
+                        <a14:backgroundMark x1="37805" y1="14617" x2="37805" y2="14617"/>
+                        <a14:backgroundMark x1="39228" y1="13921" x2="39228" y2="13921"/>
+                        <a14:backgroundMark x1="41667" y1="13689" x2="41667" y2="13689"/>
+                        <a14:backgroundMark x1="43902" y1="13457" x2="43902" y2="13457"/>
+                        <a14:backgroundMark x1="51829" y1="10905" x2="51829" y2="10905"/>
+                        <a14:backgroundMark x1="49797" y1="13109" x2="49797" y2="13109"/>
+                        <a14:backgroundMark x1="51626" y1="13341" x2="51626" y2="13341"/>
+                        <a14:backgroundMark x1="43902" y1="13341" x2="43902" y2="13341"/>
+                        <a14:backgroundMark x1="41260" y1="13921" x2="41260" y2="13921"/>
+                        <a14:backgroundMark x1="41260" y1="13805" x2="42276" y2="13805"/>
+                        <a14:backgroundMark x1="40447" y1="13457" x2="44715" y2="14153"/>
+                        <a14:backgroundMark x1="23374" y1="28306" x2="24187" y2="38979"/>
+                        <a14:backgroundMark x1="25610" y1="31206" x2="25610" y2="31206"/>
+                        <a14:backgroundMark x1="24187" y1="28422" x2="24187" y2="28422"/>
+                        <a14:backgroundMark x1="25000" y1="28654" x2="25000" y2="28654"/>
+                        <a14:backgroundMark x1="24593" y1="27378" x2="24593" y2="27378"/>
+                        <a14:backgroundMark x1="23577" y1="21926" x2="23577" y2="21926"/>
+                        <a14:backgroundMark x1="24187" y1="20302" x2="24390" y2="27842"/>
+                        <a14:backgroundMark x1="25000" y1="20766" x2="23984" y2="19026"/>
+                        <a14:backgroundMark x1="23984" y1="20766" x2="23984" y2="21810"/>
+                        <a14:backgroundMark x1="18496" y1="34571" x2="19106" y2="49420"/>
+                        <a14:backgroundMark x1="28252" y1="48956" x2="35976" y2="73202"/>
+                        <a14:backgroundMark x1="34553" y1="67169" x2="42073" y2="87819"/>
+                        <a14:backgroundMark x1="42886" y1="69722" x2="45935" y2="89907"/>
+                        <a14:backgroundMark x1="40650" y1="76218" x2="28862" y2="93039"/>
+                        <a14:backgroundMark x1="32114" y1="87819" x2="47967" y2="89559"/>
+                        <a14:backgroundMark x1="65650" y1="74246" x2="78252" y2="92111"/>
+                        <a14:backgroundMark x1="27033" y1="89675" x2="22561" y2="92459"/>
+                        <a14:backgroundMark x1="29675" y1="90139" x2="78659" y2="95940"/>
+                        <a14:backgroundMark x1="69715" y1="94084" x2="83537" y2="90835"/>
+                        <a14:backgroundMark x1="75407" y1="91531" x2="77236" y2="96752"/>
+                        <a14:backgroundMark x1="57520" y1="61369" x2="70528" y2="65893"/>
+                        <a14:backgroundMark x1="53252" y1="59281" x2="66463" y2="64733"/>
+                        <a14:backgroundMark x1="55488" y1="57773" x2="66870" y2="64269"/>
+                        <a14:backgroundMark x1="49187" y1="51624" x2="60366" y2="59049"/>
+                        <a14:backgroundMark x1="44715" y1="46752" x2="61382" y2="58469"/>
+                        <a14:backgroundMark x1="52236" y1="46984" x2="66463" y2="57657"/>
+                        <a14:backgroundMark x1="63618" y1="19026" x2="78659" y2="35847"/>
+                        <a14:backgroundMark x1="66260" y1="24362" x2="75000" y2="38399"/>
+                        <a14:backgroundMark x1="65650" y1="27726" x2="68496" y2="34107"/>
+                        <a14:backgroundMark x1="60976" y1="22506" x2="65650" y2="29234"/>
+                        <a14:backgroundMark x1="60366" y1="16473" x2="66667" y2="21578"/>
+                        <a14:backgroundMark x1="60569" y1="15197" x2="65447" y2="18213"/>
+                        <a14:backgroundMark x1="63415" y1="30974" x2="63618" y2="31787"/>
+                        <a14:backgroundMark x1="62398" y1="29930" x2="64228" y2="32715"/>
+                        <a14:backgroundMark x1="62195" y1="28306" x2="65650" y2="32715"/>
+                        <a14:backgroundMark x1="36789" y1="39791" x2="44512" y2="40603"/>
+                        <a14:backgroundMark x1="36992" y1="36891" x2="53455" y2="36195"/>
+                        <a14:backgroundMark x1="33740" y1="39907" x2="38211" y2="50696"/>
+                      </a14:backgroundRemoval>
+                    </a14:imgEffect>
+                  </a14:imgLayer>
+                </a14:imgProps>
+              </a:ext>
+            </a:extLst>
+          </a:blip>
+          <a:srcRect l="27123" t="13271" r="36810" b="45682"/>
+          <a:stretch/>
+        </p:blipFill>
+        <p:spPr>
+          <a:xfrm rot="20122120">
+            <a:off x="7701719" y="4067808"/>
+            <a:ext cx="534326" cy="809887"/>
+          </a:xfrm>
+          <a:prstGeom prst="rect">
+            <a:avLst/>
+          </a:prstGeom>
+        </p:spPr>
+      </p:pic>
+      <p:pic>
+        <p:nvPicPr>
+          <p:cNvPr id="42" name="그림 41">
+            <a:extLst>
+              <a:ext uri="{FF2B5EF4-FFF2-40B4-BE49-F238E27FC236}">
+                <a16:creationId xmlns:a16="http://schemas.microsoft.com/office/drawing/2014/main" id="{48D69972-E73C-40DE-8D63-DF5250C111F2}"/>
+              </a:ext>
+            </a:extLst>
+          </p:cNvPr>
+          <p:cNvPicPr>
+            <a:picLocks noChangeAspect="1"/>
+          </p:cNvPicPr>
+          <p:nvPr/>
+        </p:nvPicPr>
+        <p:blipFill rotWithShape="1">
+          <a:blip r:embed="rId17">
+            <a:extLst>
+              <a:ext uri="{BEBA8EAE-BF5A-486C-A8C5-ECC9F3942E4B}">
+                <a14:imgProps xmlns:a14="http://schemas.microsoft.com/office/drawing/2010/main">
+                  <a14:imgLayer r:embed="rId3">
+                    <a14:imgEffect>
+                      <a14:backgroundRemoval t="9977" b="95708" l="9553" r="89431">
+                        <a14:foregroundMark x1="23374" y1="91647" x2="23374" y2="91647"/>
+                        <a14:foregroundMark x1="70935" y1="34339" x2="72764" y2="42227"/>
+                        <a14:foregroundMark x1="68089" y1="48028" x2="68089" y2="48028"/>
+                        <a14:foregroundMark x1="64837" y1="47216" x2="64837" y2="47216"/>
+                        <a14:foregroundMark x1="69512" y1="50116" x2="69512" y2="50116"/>
+                        <a14:foregroundMark x1="69715" y1="51160" x2="69715" y2="51160"/>
+                        <a14:backgroundMark x1="36382" y1="9165" x2="47967" y2="12181"/>
+                        <a14:backgroundMark x1="47967" y1="12181" x2="47764" y2="11253"/>
+                        <a14:backgroundMark x1="36585" y1="11949" x2="36585" y2="11949"/>
+                        <a14:backgroundMark x1="39837" y1="12877" x2="39837" y2="12877"/>
+                        <a14:backgroundMark x1="37805" y1="14617" x2="37805" y2="14617"/>
+                        <a14:backgroundMark x1="39228" y1="13921" x2="39228" y2="13921"/>
+                        <a14:backgroundMark x1="41667" y1="13689" x2="41667" y2="13689"/>
+                        <a14:backgroundMark x1="43902" y1="13457" x2="43902" y2="13457"/>
+                        <a14:backgroundMark x1="51829" y1="10905" x2="51829" y2="10905"/>
+                        <a14:backgroundMark x1="49797" y1="13109" x2="49797" y2="13109"/>
+                        <a14:backgroundMark x1="51626" y1="13341" x2="51626" y2="13341"/>
+                        <a14:backgroundMark x1="43902" y1="13341" x2="43902" y2="13341"/>
+                        <a14:backgroundMark x1="41260" y1="13921" x2="41260" y2="13921"/>
+                        <a14:backgroundMark x1="41260" y1="13805" x2="42276" y2="13805"/>
+                        <a14:backgroundMark x1="40447" y1="13457" x2="44715" y2="14153"/>
+                        <a14:backgroundMark x1="47764" y1="18213" x2="48374" y2="43619"/>
+                        <a14:backgroundMark x1="41870" y1="23550" x2="49390" y2="59513"/>
+                        <a14:backgroundMark x1="32317" y1="43619" x2="46341" y2="82715"/>
+                        <a14:backgroundMark x1="34350" y1="60209" x2="60976" y2="89791"/>
+                        <a14:backgroundMark x1="33740" y1="77262" x2="60772" y2="88631"/>
+                        <a14:backgroundMark x1="60772" y1="88631" x2="69715" y2="85151"/>
+                        <a14:backgroundMark x1="61382" y1="77494" x2="86992" y2="94316"/>
+                        <a14:backgroundMark x1="57724" y1="65081" x2="81098" y2="91531"/>
+                        <a14:backgroundMark x1="33943" y1="77726" x2="50610" y2="95128"/>
+                        <a14:backgroundMark x1="50610" y1="95128" x2="58333" y2="91763"/>
+                        <a14:backgroundMark x1="31098" y1="84107" x2="50000" y2="94780"/>
+                        <a14:backgroundMark x1="34350" y1="90487" x2="34350" y2="90487"/>
+                        <a14:backgroundMark x1="29268" y1="89907" x2="29268" y2="89907"/>
+                        <a14:backgroundMark x1="27236" y1="89211" x2="41667" y2="95476"/>
+                        <a14:backgroundMark x1="28659" y1="88399" x2="50610" y2="94664"/>
+                        <a14:backgroundMark x1="74593" y1="93155" x2="82317" y2="98144"/>
+                        <a14:backgroundMark x1="69309" y1="92459" x2="78455" y2="98492"/>
+                        <a14:backgroundMark x1="23577" y1="21694" x2="23577" y2="21694"/>
+                        <a14:backgroundMark x1="30894" y1="20302" x2="34756" y2="28190"/>
+                        <a14:backgroundMark x1="38618" y1="17053" x2="38618" y2="17053"/>
+                        <a14:backgroundMark x1="32520" y1="17169" x2="50610" y2="16705"/>
+                        <a14:backgroundMark x1="42683" y1="14849" x2="59756" y2="14965"/>
+                        <a14:backgroundMark x1="47764" y1="14385" x2="62195" y2="19142"/>
+                        <a14:backgroundMark x1="54065" y1="19490" x2="53455" y2="29234"/>
+                        <a14:backgroundMark x1="54268" y1="23782" x2="57114" y2="29234"/>
+                        <a14:backgroundMark x1="53455" y1="44200" x2="53455" y2="44200"/>
+                        <a14:backgroundMark x1="60163" y1="59745" x2="60163" y2="59745"/>
+                        <a14:backgroundMark x1="55285" y1="59977" x2="63821" y2="64965"/>
+                        <a14:backgroundMark x1="63618" y1="57309" x2="72154" y2="62181"/>
+                        <a14:backgroundMark x1="60976" y1="53596" x2="69309" y2="60209"/>
+                        <a14:backgroundMark x1="21951" y1="29814" x2="39634" y2="53132"/>
+                        <a14:backgroundMark x1="38211" y1="30394" x2="49187" y2="52320"/>
+                        <a14:backgroundMark x1="60569" y1="49768" x2="60569" y2="49768"/>
+                        <a14:backgroundMark x1="59146" y1="41067" x2="59146" y2="41067"/>
+                        <a14:backgroundMark x1="62398" y1="39211" x2="62398" y2="39211"/>
+                        <a14:backgroundMark x1="61382" y1="48260" x2="61382" y2="48260"/>
+                      </a14:backgroundRemoval>
+                    </a14:imgEffect>
+                  </a14:imgLayer>
+                </a14:imgProps>
+              </a:ext>
+            </a:extLst>
+          </a:blip>
+          <a:srcRect l="57659" t="29897" r="19748" b="44747"/>
+          <a:stretch/>
+        </p:blipFill>
+        <p:spPr>
+          <a:xfrm rot="3512780">
+            <a:off x="8026521" y="4040925"/>
+            <a:ext cx="254434" cy="658142"/>
+          </a:xfrm>
+          <a:prstGeom prst="rect">
+            <a:avLst/>
+          </a:prstGeom>
+        </p:spPr>
+      </p:pic>
     </p:spTree>
     <p:extLst>
       <p:ext uri="{BB962C8B-B14F-4D97-AF65-F5344CB8AC3E}">
@@ -8980,10 +11458,16 @@
           <p:cNvGraphicFramePr>
             <a:graphicFrameLocks noGrp="1"/>
           </p:cNvGraphicFramePr>
-          <p:nvPr/>
+          <p:nvPr>
+            <p:extLst>
+              <p:ext uri="{D42A27DB-BD31-4B8C-83A1-F6EECF244321}">
+                <p14:modId xmlns:p14="http://schemas.microsoft.com/office/powerpoint/2010/main" val="2402887018"/>
+              </p:ext>
+            </p:extLst>
+          </p:nvPr>
         </p:nvGraphicFramePr>
         <p:xfrm>
-          <a:off x="1272855" y="3423970"/>
+          <a:off x="1272855" y="1568793"/>
           <a:ext cx="7507923" cy="822960"/>
         </p:xfrm>
         <a:graphic>
@@ -9177,7 +11661,7 @@
                             <a:schemeClr val="tx1"/>
                           </a:solidFill>
                         </a:rPr>
-                        <a:t>무기로 땅을 공격해 폭발을 일으킨다</a:t>
+                        <a:t>무기로 땅을 공격해 </a:t>
                       </a:r>
                       <a:r>
                         <a:rPr lang="en-US" altLang="ko-KR" sz="1400" b="0" dirty="0">
@@ -9185,18 +11669,15 @@
                             <a:schemeClr val="tx1"/>
                           </a:solidFill>
                         </a:rPr>
-                        <a:t>.</a:t>
+                        <a:t>(1/2/3/4/5)</a:t>
                       </a:r>
-                    </a:p>
-                    <a:p>
-                      <a:pPr algn="l" latinLnBrk="1"/>
                       <a:r>
                         <a:rPr lang="ko-KR" altLang="en-US" sz="1400" b="0" dirty="0">
                           <a:solidFill>
                             <a:schemeClr val="tx1"/>
                           </a:solidFill>
                         </a:rPr>
-                        <a:t>공격 당한 대상은 범위 밖으로 밀려난다</a:t>
+                        <a:t>의 피해를 주고 폭발을 일으켜 공격 당한 대상은 범위 밖으로 밀려난다</a:t>
                       </a:r>
                       <a:r>
                         <a:rPr lang="en-US" altLang="ko-KR" sz="1400" b="0" dirty="0">
@@ -9356,10 +11837,16 @@
           <p:cNvGraphicFramePr>
             <a:graphicFrameLocks noGrp="1"/>
           </p:cNvGraphicFramePr>
-          <p:nvPr/>
+          <p:nvPr>
+            <p:extLst>
+              <p:ext uri="{D42A27DB-BD31-4B8C-83A1-F6EECF244321}">
+                <p14:modId xmlns:p14="http://schemas.microsoft.com/office/powerpoint/2010/main" val="1758066520"/>
+              </p:ext>
+            </p:extLst>
+          </p:nvPr>
         </p:nvGraphicFramePr>
         <p:xfrm>
-          <a:off x="1272856" y="4246930"/>
+          <a:off x="1360779" y="1574069"/>
           <a:ext cx="7507923" cy="609600"/>
         </p:xfrm>
         <a:graphic>
@@ -9553,7 +12040,7 @@
                             <a:schemeClr val="tx1"/>
                           </a:solidFill>
                         </a:rPr>
-                        <a:t>작은 폭발을 일으켜 뒤로 이동한다</a:t>
+                        <a:t>작은 폭발을 짧은 거리를 이동한다</a:t>
                       </a:r>
                       <a:r>
                         <a:rPr lang="en-US" altLang="ko-KR" sz="1400" b="0" dirty="0">
@@ -9713,11 +12200,17 @@
           <p:cNvGraphicFramePr>
             <a:graphicFrameLocks noGrp="1"/>
           </p:cNvGraphicFramePr>
-          <p:nvPr/>
+          <p:nvPr>
+            <p:extLst>
+              <p:ext uri="{D42A27DB-BD31-4B8C-83A1-F6EECF244321}">
+                <p14:modId xmlns:p14="http://schemas.microsoft.com/office/powerpoint/2010/main" val="1384352010"/>
+              </p:ext>
+            </p:extLst>
+          </p:nvPr>
         </p:nvGraphicFramePr>
         <p:xfrm>
-          <a:off x="1272854" y="4931068"/>
-          <a:ext cx="7507923" cy="609600"/>
+          <a:off x="1334400" y="1809799"/>
+          <a:ext cx="7507923" cy="822960"/>
         </p:xfrm>
         <a:graphic>
           <a:graphicData uri="http://schemas.openxmlformats.org/drawingml/2006/table">
@@ -9910,7 +12403,23 @@
                             <a:schemeClr val="tx1"/>
                           </a:solidFill>
                         </a:rPr>
-                        <a:t>공중으로 뛰어오른 다음 적에게 돌진하여 공격한다</a:t>
+                        <a:t>공중으로 뛰어올라 포착 불가 상태가 된 다음 적에게 돌진하여 </a:t>
+                      </a:r>
+                      <a:r>
+                        <a:rPr lang="en-US" altLang="ko-KR" sz="1400" b="0" dirty="0">
+                          <a:solidFill>
+                            <a:schemeClr val="tx1"/>
+                          </a:solidFill>
+                        </a:rPr>
+                        <a:t>(1/2/3/4/5)</a:t>
+                      </a:r>
+                      <a:r>
+                        <a:rPr lang="ko-KR" altLang="en-US" sz="1400" b="0" dirty="0">
+                          <a:solidFill>
+                            <a:schemeClr val="tx1"/>
+                          </a:solidFill>
+                        </a:rPr>
+                        <a:t>의 피해를 준다</a:t>
                       </a:r>
                       <a:r>
                         <a:rPr lang="en-US" altLang="ko-KR" sz="1400" b="0" dirty="0">
